--- a/인사프로그램-김세영.pptx
+++ b/인사프로그램-김세영.pptx
@@ -248,7 +248,7 @@
             <a:fld id="{488C8D26-0283-4E66-8FED-A2AD4128C26C}" type="datetimeFigureOut">
               <a:rPr lang="ko-KR" altLang="en-US" smtClean="0"/>
               <a:pPr/>
-              <a:t>2022-10-19</a:t>
+              <a:t>2022-10-20</a:t>
             </a:fld>
             <a:endParaRPr lang="ko-KR" altLang="en-US"/>
           </a:p>
@@ -3100,7 +3100,7 @@
             <a:fld id="{1554ACBD-FE76-428F-92B7-8CF735459289}" type="datetimeFigureOut">
               <a:rPr lang="ko-KR" altLang="en-US" smtClean="0"/>
               <a:pPr/>
-              <a:t>2022-10-19</a:t>
+              <a:t>2022-10-20</a:t>
             </a:fld>
             <a:endParaRPr lang="ko-KR" altLang="en-US"/>
           </a:p>
@@ -3274,7 +3274,7 @@
             <a:fld id="{1554ACBD-FE76-428F-92B7-8CF735459289}" type="datetimeFigureOut">
               <a:rPr lang="ko-KR" altLang="en-US" smtClean="0"/>
               <a:pPr/>
-              <a:t>2022-10-19</a:t>
+              <a:t>2022-10-20</a:t>
             </a:fld>
             <a:endParaRPr lang="ko-KR" altLang="en-US"/>
           </a:p>
@@ -3458,7 +3458,7 @@
             <a:fld id="{1554ACBD-FE76-428F-92B7-8CF735459289}" type="datetimeFigureOut">
               <a:rPr lang="ko-KR" altLang="en-US" smtClean="0"/>
               <a:pPr/>
-              <a:t>2022-10-19</a:t>
+              <a:t>2022-10-20</a:t>
             </a:fld>
             <a:endParaRPr lang="ko-KR" altLang="en-US"/>
           </a:p>
@@ -3596,7 +3596,7 @@
             <a:fld id="{1554ACBD-FE76-428F-92B7-8CF735459289}" type="datetimeFigureOut">
               <a:rPr lang="ko-KR" altLang="en-US" smtClean="0"/>
               <a:pPr/>
-              <a:t>2022-10-19</a:t>
+              <a:t>2022-10-20</a:t>
             </a:fld>
             <a:endParaRPr lang="ko-KR" altLang="en-US"/>
           </a:p>
@@ -4087,7 +4087,7 @@
             <a:fld id="{1554ACBD-FE76-428F-92B7-8CF735459289}" type="datetimeFigureOut">
               <a:rPr lang="ko-KR" altLang="en-US" smtClean="0"/>
               <a:pPr/>
-              <a:t>2022-10-19</a:t>
+              <a:t>2022-10-20</a:t>
             </a:fld>
             <a:endParaRPr lang="ko-KR" altLang="en-US"/>
           </a:p>
@@ -4379,7 +4379,7 @@
             <a:fld id="{1554ACBD-FE76-428F-92B7-8CF735459289}" type="datetimeFigureOut">
               <a:rPr lang="ko-KR" altLang="en-US" smtClean="0"/>
               <a:pPr/>
-              <a:t>2022-10-19</a:t>
+              <a:t>2022-10-20</a:t>
             </a:fld>
             <a:endParaRPr lang="ko-KR" altLang="en-US"/>
           </a:p>
@@ -4805,7 +4805,7 @@
             <a:fld id="{1554ACBD-FE76-428F-92B7-8CF735459289}" type="datetimeFigureOut">
               <a:rPr lang="ko-KR" altLang="en-US" smtClean="0"/>
               <a:pPr/>
-              <a:t>2022-10-19</a:t>
+              <a:t>2022-10-20</a:t>
             </a:fld>
             <a:endParaRPr lang="ko-KR" altLang="en-US"/>
           </a:p>
@@ -4920,7 +4920,7 @@
             <a:fld id="{1554ACBD-FE76-428F-92B7-8CF735459289}" type="datetimeFigureOut">
               <a:rPr lang="ko-KR" altLang="en-US" smtClean="0"/>
               <a:pPr/>
-              <a:t>2022-10-19</a:t>
+              <a:t>2022-10-20</a:t>
             </a:fld>
             <a:endParaRPr lang="ko-KR" altLang="en-US"/>
           </a:p>
@@ -5019,7 +5019,7 @@
             <a:fld id="{1554ACBD-FE76-428F-92B7-8CF735459289}" type="datetimeFigureOut">
               <a:rPr lang="ko-KR" altLang="en-US" smtClean="0"/>
               <a:pPr/>
-              <a:t>2022-10-19</a:t>
+              <a:t>2022-10-20</a:t>
             </a:fld>
             <a:endParaRPr lang="ko-KR" altLang="en-US"/>
           </a:p>
@@ -5450,7 +5450,7 @@
             <a:fld id="{1554ACBD-FE76-428F-92B7-8CF735459289}" type="datetimeFigureOut">
               <a:rPr lang="ko-KR" altLang="en-US" smtClean="0"/>
               <a:pPr/>
-              <a:t>2022-10-19</a:t>
+              <a:t>2022-10-20</a:t>
             </a:fld>
             <a:endParaRPr lang="ko-KR" altLang="en-US"/>
           </a:p>
@@ -5707,7 +5707,7 @@
             <a:fld id="{1554ACBD-FE76-428F-92B7-8CF735459289}" type="datetimeFigureOut">
               <a:rPr lang="ko-KR" altLang="en-US" smtClean="0"/>
               <a:pPr/>
-              <a:t>2022-10-19</a:t>
+              <a:t>2022-10-20</a:t>
             </a:fld>
             <a:endParaRPr lang="ko-KR" altLang="en-US"/>
           </a:p>
@@ -5920,7 +5920,7 @@
             <a:fld id="{1554ACBD-FE76-428F-92B7-8CF735459289}" type="datetimeFigureOut">
               <a:rPr lang="ko-KR" altLang="en-US" smtClean="0"/>
               <a:pPr/>
-              <a:t>2022-10-19</a:t>
+              <a:t>2022-10-20</a:t>
             </a:fld>
             <a:endParaRPr lang="ko-KR" altLang="en-US"/>
           </a:p>
@@ -12195,7 +12195,7 @@
       </p:sp>
       <p:pic>
         <p:nvPicPr>
-          <p:cNvPr id="4" name="그림 3"/>
+          <p:cNvPr id="6" name="그림 5"/>
           <p:cNvPicPr>
             <a:picLocks noChangeAspect="1"/>
           </p:cNvPicPr>
@@ -12209,8 +12209,32 @@
         </p:blipFill>
         <p:spPr>
           <a:xfrm>
-            <a:off x="4932040" y="659282"/>
-            <a:ext cx="3752850" cy="1162050"/>
+            <a:off x="5220072" y="415273"/>
+            <a:ext cx="3781425" cy="1371600"/>
+          </a:xfrm>
+          <a:prstGeom prst="rect">
+            <a:avLst/>
+          </a:prstGeom>
+        </p:spPr>
+      </p:pic>
+      <p:pic>
+        <p:nvPicPr>
+          <p:cNvPr id="8" name="그림 7"/>
+          <p:cNvPicPr>
+            <a:picLocks noChangeAspect="1"/>
+          </p:cNvPicPr>
+          <p:nvPr/>
+        </p:nvPicPr>
+        <p:blipFill>
+          <a:blip r:embed="rId5"/>
+          <a:stretch>
+            <a:fillRect/>
+          </a:stretch>
+        </p:blipFill>
+        <p:spPr>
+          <a:xfrm>
+            <a:off x="276597" y="4727095"/>
+            <a:ext cx="4943475" cy="361950"/>
           </a:xfrm>
           <a:prstGeom prst="rect">
             <a:avLst/>
@@ -21968,14 +21992,14 @@
           <p:nvPr>
             <p:extLst>
               <p:ext uri="{D42A27DB-BD31-4B8C-83A1-F6EECF244321}">
-                <p14:modId xmlns:p14="http://schemas.microsoft.com/office/powerpoint/2010/main" val="1932601181"/>
+                <p14:modId xmlns:p14="http://schemas.microsoft.com/office/powerpoint/2010/main" val="187961245"/>
               </p:ext>
             </p:extLst>
           </p:nvPr>
         </p:nvGraphicFramePr>
         <p:xfrm>
           <a:off x="395536" y="1779661"/>
-          <a:ext cx="8071868" cy="3195320"/>
+          <a:ext cx="8071868" cy="3042920"/>
         </p:xfrm>
         <a:graphic>
           <a:graphicData uri="http://schemas.openxmlformats.org/drawingml/2006/table">
@@ -22002,21 +22026,21 @@
                     <a:p>
                       <a:pPr algn="l" latinLnBrk="1"/>
                       <a:r>
-                        <a:rPr lang="en-US" altLang="ko-KR" b="0" dirty="0" smtClean="0">
+                        <a:rPr lang="en-US" altLang="ko-KR" sz="1600" b="0" dirty="0" smtClean="0">
                           <a:solidFill>
                             <a:srgbClr val="00257B"/>
                           </a:solidFill>
-                          <a:latin typeface="08서울남산체 M" pitchFamily="18" charset="-127"/>
-                          <a:ea typeface="08서울남산체 M" pitchFamily="18" charset="-127"/>
+                          <a:latin typeface="a시월구일1" panose="02020600000000000000" pitchFamily="18" charset="-127"/>
+                          <a:ea typeface="a시월구일1" panose="02020600000000000000" pitchFamily="18" charset="-127"/>
                         </a:rPr>
                         <a:t>9</a:t>
                       </a:r>
-                      <a:endParaRPr lang="ko-KR" altLang="en-US" b="0" dirty="0">
+                      <a:endParaRPr lang="ko-KR" altLang="en-US" sz="1600" b="0" dirty="0">
                         <a:solidFill>
                           <a:srgbClr val="00257B"/>
                         </a:solidFill>
-                        <a:latin typeface="08서울남산체 M" pitchFamily="18" charset="-127"/>
-                        <a:ea typeface="08서울남산체 M" pitchFamily="18" charset="-127"/>
+                        <a:latin typeface="a시월구일1" panose="02020600000000000000" pitchFamily="18" charset="-127"/>
+                        <a:ea typeface="a시월구일1" panose="02020600000000000000" pitchFamily="18" charset="-127"/>
                       </a:endParaRPr>
                     </a:p>
                   </a:txBody>
@@ -22077,21 +22101,21 @@
                     <a:p>
                       <a:pPr algn="l" latinLnBrk="1"/>
                       <a:r>
-                        <a:rPr lang="en-US" altLang="ko-KR" b="0" dirty="0" smtClean="0">
+                        <a:rPr lang="en-US" altLang="ko-KR" sz="1600" b="0" dirty="0" smtClean="0">
                           <a:solidFill>
                             <a:srgbClr val="00257B"/>
                           </a:solidFill>
-                          <a:latin typeface="08서울남산체 M" pitchFamily="18" charset="-127"/>
-                          <a:ea typeface="08서울남산체 M" pitchFamily="18" charset="-127"/>
+                          <a:latin typeface="a시월구일1" panose="02020600000000000000" pitchFamily="18" charset="-127"/>
+                          <a:ea typeface="a시월구일1" panose="02020600000000000000" pitchFamily="18" charset="-127"/>
                         </a:rPr>
                         <a:t>10</a:t>
                       </a:r>
-                      <a:endParaRPr lang="ko-KR" altLang="en-US" b="0" dirty="0">
+                      <a:endParaRPr lang="ko-KR" altLang="en-US" sz="1600" b="0" dirty="0">
                         <a:solidFill>
                           <a:srgbClr val="00257B"/>
                         </a:solidFill>
-                        <a:latin typeface="08서울남산체 M" pitchFamily="18" charset="-127"/>
-                        <a:ea typeface="08서울남산체 M" pitchFamily="18" charset="-127"/>
+                        <a:latin typeface="a시월구일1" panose="02020600000000000000" pitchFamily="18" charset="-127"/>
+                        <a:ea typeface="a시월구일1" panose="02020600000000000000" pitchFamily="18" charset="-127"/>
                       </a:endParaRPr>
                     </a:p>
                   </a:txBody>
@@ -22213,21 +22237,21 @@
                     <a:p>
                       <a:pPr algn="l" latinLnBrk="1"/>
                       <a:r>
-                        <a:rPr lang="en-US" altLang="ko-KR" b="0" dirty="0" smtClean="0">
+                        <a:rPr lang="en-US" altLang="ko-KR" sz="1600" b="0" dirty="0" smtClean="0">
                           <a:solidFill>
                             <a:srgbClr val="00257B"/>
                           </a:solidFill>
-                          <a:latin typeface="08서울남산체 M" pitchFamily="18" charset="-127"/>
-                          <a:ea typeface="08서울남산체 M" pitchFamily="18" charset="-127"/>
+                          <a:latin typeface="a시월구일1" panose="02020600000000000000" pitchFamily="18" charset="-127"/>
+                          <a:ea typeface="a시월구일1" panose="02020600000000000000" pitchFamily="18" charset="-127"/>
                         </a:rPr>
                         <a:t>11</a:t>
                       </a:r>
-                      <a:endParaRPr lang="ko-KR" altLang="en-US" b="0" dirty="0">
+                      <a:endParaRPr lang="ko-KR" altLang="en-US" sz="1600" b="0" dirty="0">
                         <a:solidFill>
                           <a:srgbClr val="00257B"/>
                         </a:solidFill>
-                        <a:latin typeface="08서울남산체 M" pitchFamily="18" charset="-127"/>
-                        <a:ea typeface="08서울남산체 M" pitchFamily="18" charset="-127"/>
+                        <a:latin typeface="a시월구일1" panose="02020600000000000000" pitchFamily="18" charset="-127"/>
+                        <a:ea typeface="a시월구일1" panose="02020600000000000000" pitchFamily="18" charset="-127"/>
                       </a:endParaRPr>
                     </a:p>
                   </a:txBody>
@@ -22286,21 +22310,21 @@
                     <a:p>
                       <a:pPr algn="l" latinLnBrk="1"/>
                       <a:r>
-                        <a:rPr lang="en-US" altLang="ko-KR" b="0" dirty="0" smtClean="0">
+                        <a:rPr lang="en-US" altLang="ko-KR" sz="1600" b="0" dirty="0" smtClean="0">
                           <a:solidFill>
                             <a:srgbClr val="00257B"/>
                           </a:solidFill>
-                          <a:latin typeface="08서울남산체 M" pitchFamily="18" charset="-127"/>
-                          <a:ea typeface="08서울남산체 M" pitchFamily="18" charset="-127"/>
+                          <a:latin typeface="a시월구일1" panose="02020600000000000000" pitchFamily="18" charset="-127"/>
+                          <a:ea typeface="a시월구일1" panose="02020600000000000000" pitchFamily="18" charset="-127"/>
                         </a:rPr>
                         <a:t>12</a:t>
                       </a:r>
-                      <a:endParaRPr lang="ko-KR" altLang="en-US" b="0" dirty="0">
+                      <a:endParaRPr lang="ko-KR" altLang="en-US" sz="1600" b="0" dirty="0">
                         <a:solidFill>
                           <a:srgbClr val="00257B"/>
                         </a:solidFill>
-                        <a:latin typeface="08서울남산체 M" pitchFamily="18" charset="-127"/>
-                        <a:ea typeface="08서울남산체 M" pitchFamily="18" charset="-127"/>
+                        <a:latin typeface="a시월구일1" panose="02020600000000000000" pitchFamily="18" charset="-127"/>
+                        <a:ea typeface="a시월구일1" panose="02020600000000000000" pitchFamily="18" charset="-127"/>
                       </a:endParaRPr>
                     </a:p>
                   </a:txBody>
@@ -22359,21 +22383,21 @@
                     <a:p>
                       <a:pPr algn="l" latinLnBrk="1"/>
                       <a:r>
-                        <a:rPr lang="en-US" altLang="ko-KR" b="0" dirty="0" smtClean="0">
+                        <a:rPr lang="en-US" altLang="ko-KR" sz="1600" b="0" dirty="0" smtClean="0">
                           <a:solidFill>
                             <a:srgbClr val="00257B"/>
                           </a:solidFill>
-                          <a:latin typeface="08서울남산체 M" pitchFamily="18" charset="-127"/>
-                          <a:ea typeface="08서울남산체 M" pitchFamily="18" charset="-127"/>
+                          <a:latin typeface="a시월구일1" panose="02020600000000000000" pitchFamily="18" charset="-127"/>
+                          <a:ea typeface="a시월구일1" panose="02020600000000000000" pitchFamily="18" charset="-127"/>
                         </a:rPr>
                         <a:t>13</a:t>
                       </a:r>
-                      <a:endParaRPr lang="ko-KR" altLang="en-US" b="0" dirty="0">
+                      <a:endParaRPr lang="ko-KR" altLang="en-US" sz="1600" b="0" dirty="0">
                         <a:solidFill>
                           <a:srgbClr val="00257B"/>
                         </a:solidFill>
-                        <a:latin typeface="08서울남산체 M" pitchFamily="18" charset="-127"/>
-                        <a:ea typeface="08서울남산체 M" pitchFamily="18" charset="-127"/>
+                        <a:latin typeface="a시월구일1" panose="02020600000000000000" pitchFamily="18" charset="-127"/>
+                        <a:ea typeface="a시월구일1" panose="02020600000000000000" pitchFamily="18" charset="-127"/>
                       </a:endParaRPr>
                     </a:p>
                   </a:txBody>
@@ -22432,21 +22456,21 @@
                     <a:p>
                       <a:pPr algn="l" latinLnBrk="1"/>
                       <a:r>
-                        <a:rPr lang="en-US" altLang="ko-KR" b="0" dirty="0" smtClean="0">
+                        <a:rPr lang="en-US" altLang="ko-KR" sz="1600" b="0" dirty="0" smtClean="0">
                           <a:solidFill>
                             <a:srgbClr val="00257B"/>
                           </a:solidFill>
-                          <a:latin typeface="08서울남산체 M" pitchFamily="18" charset="-127"/>
-                          <a:ea typeface="08서울남산체 M" pitchFamily="18" charset="-127"/>
+                          <a:latin typeface="a시월구일1" panose="02020600000000000000" pitchFamily="18" charset="-127"/>
+                          <a:ea typeface="a시월구일1" panose="02020600000000000000" pitchFamily="18" charset="-127"/>
                         </a:rPr>
                         <a:t>14</a:t>
                       </a:r>
-                      <a:endParaRPr lang="ko-KR" altLang="en-US" b="0" dirty="0">
+                      <a:endParaRPr lang="ko-KR" altLang="en-US" sz="1600" b="0" dirty="0">
                         <a:solidFill>
                           <a:srgbClr val="00257B"/>
                         </a:solidFill>
-                        <a:latin typeface="08서울남산체 M" pitchFamily="18" charset="-127"/>
-                        <a:ea typeface="08서울남산체 M" pitchFamily="18" charset="-127"/>
+                        <a:latin typeface="a시월구일1" panose="02020600000000000000" pitchFamily="18" charset="-127"/>
+                        <a:ea typeface="a시월구일1" panose="02020600000000000000" pitchFamily="18" charset="-127"/>
                       </a:endParaRPr>
                     </a:p>
                   </a:txBody>
@@ -22505,21 +22529,21 @@
                     <a:p>
                       <a:pPr algn="l" latinLnBrk="1"/>
                       <a:r>
-                        <a:rPr lang="en-US" altLang="ko-KR" b="0" dirty="0" smtClean="0">
+                        <a:rPr lang="en-US" altLang="ko-KR" sz="1600" b="0" dirty="0" smtClean="0">
                           <a:solidFill>
                             <a:srgbClr val="00257B"/>
                           </a:solidFill>
-                          <a:latin typeface="08서울남산체 M" pitchFamily="18" charset="-127"/>
-                          <a:ea typeface="08서울남산체 M" pitchFamily="18" charset="-127"/>
+                          <a:latin typeface="a시월구일1" panose="02020600000000000000" pitchFamily="18" charset="-127"/>
+                          <a:ea typeface="a시월구일1" panose="02020600000000000000" pitchFamily="18" charset="-127"/>
                         </a:rPr>
                         <a:t>15</a:t>
                       </a:r>
-                      <a:endParaRPr lang="ko-KR" altLang="en-US" b="0" dirty="0">
+                      <a:endParaRPr lang="ko-KR" altLang="en-US" sz="1600" b="0" dirty="0">
                         <a:solidFill>
                           <a:srgbClr val="00257B"/>
                         </a:solidFill>
-                        <a:latin typeface="08서울남산체 M" pitchFamily="18" charset="-127"/>
-                        <a:ea typeface="08서울남산체 M" pitchFamily="18" charset="-127"/>
+                        <a:latin typeface="a시월구일1" panose="02020600000000000000" pitchFamily="18" charset="-127"/>
+                        <a:ea typeface="a시월구일1" panose="02020600000000000000" pitchFamily="18" charset="-127"/>
                       </a:endParaRPr>
                     </a:p>
                   </a:txBody>
@@ -22582,41 +22606,41 @@
                     <a:p>
                       <a:pPr algn="l" latinLnBrk="1"/>
                       <a:r>
-                        <a:rPr lang="ko-KR" altLang="en-US" sz="1300" b="1" spc="-150" dirty="0" err="1" smtClean="0">
-                          <a:solidFill>
-                            <a:srgbClr val="00257B"/>
-                          </a:solidFill>
-                          <a:latin typeface="08서울남산체 M" pitchFamily="18" charset="-127"/>
-                          <a:ea typeface="08서울남산체 M" pitchFamily="18" charset="-127"/>
+                        <a:rPr lang="ko-KR" altLang="en-US" sz="1200" b="1" spc="-150" dirty="0" err="1" smtClean="0">
+                          <a:solidFill>
+                            <a:schemeClr val="bg1"/>
+                          </a:solidFill>
+                          <a:latin typeface="a시월구일1" panose="02020600000000000000" pitchFamily="18" charset="-127"/>
+                          <a:ea typeface="a시월구일1" panose="02020600000000000000" pitchFamily="18" charset="-127"/>
                         </a:rPr>
                         <a:t>팀회의</a:t>
                       </a:r>
-                      <a:endParaRPr lang="en-US" altLang="ko-KR" sz="1300" b="1" spc="-150" dirty="0" smtClean="0">
+                      <a:endParaRPr lang="en-US" altLang="ko-KR" sz="1200" b="1" spc="-150" dirty="0" smtClean="0">
                         <a:solidFill>
-                          <a:srgbClr val="00257B"/>
+                          <a:schemeClr val="bg1"/>
                         </a:solidFill>
-                        <a:latin typeface="08서울남산체 M" pitchFamily="18" charset="-127"/>
-                        <a:ea typeface="08서울남산체 M" pitchFamily="18" charset="-127"/>
+                        <a:latin typeface="a시월구일1" panose="02020600000000000000" pitchFamily="18" charset="-127"/>
+                        <a:ea typeface="a시월구일1" panose="02020600000000000000" pitchFamily="18" charset="-127"/>
                       </a:endParaRPr>
                     </a:p>
                     <a:p>
                       <a:pPr algn="l" latinLnBrk="1"/>
                       <a:r>
-                        <a:rPr lang="ko-KR" altLang="en-US" sz="1300" b="1" spc="-150" dirty="0" smtClean="0">
-                          <a:solidFill>
-                            <a:srgbClr val="00257B"/>
-                          </a:solidFill>
-                          <a:latin typeface="08서울남산체 M" pitchFamily="18" charset="-127"/>
-                          <a:ea typeface="08서울남산체 M" pitchFamily="18" charset="-127"/>
+                        <a:rPr lang="ko-KR" altLang="en-US" sz="1200" b="1" spc="-150" dirty="0" smtClean="0">
+                          <a:solidFill>
+                            <a:schemeClr val="bg1"/>
+                          </a:solidFill>
+                          <a:latin typeface="a시월구일1" panose="02020600000000000000" pitchFamily="18" charset="-127"/>
+                          <a:ea typeface="a시월구일1" panose="02020600000000000000" pitchFamily="18" charset="-127"/>
                         </a:rPr>
                         <a:t>역할분담</a:t>
                       </a:r>
-                      <a:endParaRPr lang="ko-KR" altLang="en-US" sz="1300" b="1" spc="-150" dirty="0">
+                      <a:endParaRPr lang="ko-KR" altLang="en-US" sz="1200" b="1" spc="-150" dirty="0">
                         <a:solidFill>
-                          <a:srgbClr val="00257B"/>
+                          <a:schemeClr val="bg1"/>
                         </a:solidFill>
-                        <a:latin typeface="08서울남산체 M" pitchFamily="18" charset="-127"/>
-                        <a:ea typeface="08서울남산체 M" pitchFamily="18" charset="-127"/>
+                        <a:latin typeface="a시월구일1" panose="02020600000000000000" pitchFamily="18" charset="-127"/>
+                        <a:ea typeface="a시월구일1" panose="02020600000000000000" pitchFamily="18" charset="-127"/>
                       </a:endParaRPr>
                     </a:p>
                   </a:txBody>
@@ -22664,7 +22688,7 @@
                       <a:prstDash val="solid"/>
                     </a:lnBlToTr>
                     <a:solidFill>
-                      <a:schemeClr val="bg1"/>
+                      <a:srgbClr val="00257B"/>
                     </a:solidFill>
                   </a:tcPr>
                 </a:tc>
@@ -22675,71 +22699,71 @@
                     <a:p>
                       <a:pPr algn="l" latinLnBrk="1"/>
                       <a:r>
-                        <a:rPr lang="ko-KR" altLang="en-US" sz="1300" b="1" spc="-150" dirty="0" smtClean="0">
-                          <a:solidFill>
-                            <a:srgbClr val="00257B"/>
-                          </a:solidFill>
-                          <a:latin typeface="08서울남산체 M" pitchFamily="18" charset="-127"/>
-                          <a:ea typeface="08서울남산체 M" pitchFamily="18" charset="-127"/>
+                        <a:rPr lang="ko-KR" altLang="en-US" sz="1200" b="1" spc="-150" dirty="0" smtClean="0">
+                          <a:solidFill>
+                            <a:schemeClr val="bg1"/>
+                          </a:solidFill>
+                          <a:latin typeface="a시월구일1" panose="02020600000000000000" pitchFamily="18" charset="-127"/>
+                          <a:ea typeface="a시월구일1" panose="02020600000000000000" pitchFamily="18" charset="-127"/>
                         </a:rPr>
                         <a:t>일정계획  </a:t>
                       </a:r>
                       <a:r>
-                        <a:rPr lang="en-US" altLang="ko-KR" sz="1300" b="1" spc="-150" dirty="0" smtClean="0">
-                          <a:solidFill>
-                            <a:srgbClr val="00257B"/>
-                          </a:solidFill>
-                          <a:latin typeface="08서울남산체 M" pitchFamily="18" charset="-127"/>
-                          <a:ea typeface="08서울남산체 M" pitchFamily="18" charset="-127"/>
+                        <a:rPr lang="en-US" altLang="ko-KR" sz="1200" b="1" spc="-150" dirty="0" smtClean="0">
+                          <a:solidFill>
+                            <a:schemeClr val="bg1"/>
+                          </a:solidFill>
+                          <a:latin typeface="a시월구일1" panose="02020600000000000000" pitchFamily="18" charset="-127"/>
+                          <a:ea typeface="a시월구일1" panose="02020600000000000000" pitchFamily="18" charset="-127"/>
                         </a:rPr>
                         <a:t>&amp;</a:t>
                       </a:r>
                       <a:r>
-                        <a:rPr lang="en-US" altLang="ko-KR" sz="1300" b="1" spc="-150" baseline="0" dirty="0" smtClean="0">
-                          <a:solidFill>
-                            <a:srgbClr val="00257B"/>
-                          </a:solidFill>
-                          <a:latin typeface="08서울남산체 M" pitchFamily="18" charset="-127"/>
-                          <a:ea typeface="08서울남산체 M" pitchFamily="18" charset="-127"/>
+                        <a:rPr lang="en-US" altLang="ko-KR" sz="1200" b="1" spc="-150" baseline="0" dirty="0" smtClean="0">
+                          <a:solidFill>
+                            <a:schemeClr val="bg1"/>
+                          </a:solidFill>
+                          <a:latin typeface="a시월구일1" panose="02020600000000000000" pitchFamily="18" charset="-127"/>
+                          <a:ea typeface="a시월구일1" panose="02020600000000000000" pitchFamily="18" charset="-127"/>
                         </a:rPr>
                         <a:t> </a:t>
                       </a:r>
                       <a:r>
-                        <a:rPr lang="ko-KR" altLang="en-US" sz="1300" b="1" spc="-150" dirty="0" smtClean="0">
-                          <a:solidFill>
-                            <a:srgbClr val="00257B"/>
-                          </a:solidFill>
-                          <a:latin typeface="08서울남산체 M" pitchFamily="18" charset="-127"/>
-                          <a:ea typeface="08서울남산체 M" pitchFamily="18" charset="-127"/>
+                        <a:rPr lang="ko-KR" altLang="en-US" sz="1200" b="1" spc="-150" dirty="0" smtClean="0">
+                          <a:solidFill>
+                            <a:schemeClr val="bg1"/>
+                          </a:solidFill>
+                          <a:latin typeface="a시월구일1" panose="02020600000000000000" pitchFamily="18" charset="-127"/>
+                          <a:ea typeface="a시월구일1" panose="02020600000000000000" pitchFamily="18" charset="-127"/>
                         </a:rPr>
                         <a:t>요구사항정의서 </a:t>
                       </a:r>
                       <a:r>
-                        <a:rPr lang="en-US" altLang="ko-KR" sz="1300" b="1" spc="-150" baseline="0" dirty="0" smtClean="0">
-                          <a:solidFill>
-                            <a:srgbClr val="00257B"/>
-                          </a:solidFill>
-                          <a:latin typeface="08서울남산체 M" pitchFamily="18" charset="-127"/>
-                          <a:ea typeface="08서울남산체 M" pitchFamily="18" charset="-127"/>
+                        <a:rPr lang="en-US" altLang="ko-KR" sz="1200" b="1" spc="-150" baseline="0" dirty="0" smtClean="0">
+                          <a:solidFill>
+                            <a:schemeClr val="bg1"/>
+                          </a:solidFill>
+                          <a:latin typeface="a시월구일1" panose="02020600000000000000" pitchFamily="18" charset="-127"/>
+                          <a:ea typeface="a시월구일1" panose="02020600000000000000" pitchFamily="18" charset="-127"/>
                         </a:rPr>
                         <a:t> </a:t>
                       </a:r>
                       <a:r>
-                        <a:rPr lang="ko-KR" altLang="en-US" sz="1300" b="1" spc="-150" dirty="0" smtClean="0">
-                          <a:solidFill>
-                            <a:srgbClr val="00257B"/>
-                          </a:solidFill>
-                          <a:latin typeface="08서울남산체 M" pitchFamily="18" charset="-127"/>
-                          <a:ea typeface="08서울남산체 M" pitchFamily="18" charset="-127"/>
+                        <a:rPr lang="ko-KR" altLang="en-US" sz="1200" b="1" spc="-150" dirty="0" smtClean="0">
+                          <a:solidFill>
+                            <a:schemeClr val="bg1"/>
+                          </a:solidFill>
+                          <a:latin typeface="a시월구일1" panose="02020600000000000000" pitchFamily="18" charset="-127"/>
+                          <a:ea typeface="a시월구일1" panose="02020600000000000000" pitchFamily="18" charset="-127"/>
                         </a:rPr>
                         <a:t>제출</a:t>
                       </a:r>
-                      <a:endParaRPr lang="ko-KR" altLang="en-US" sz="1300" b="1" spc="-150" dirty="0">
+                      <a:endParaRPr lang="ko-KR" altLang="en-US" sz="1200" b="1" spc="-150" dirty="0">
                         <a:solidFill>
-                          <a:srgbClr val="00257B"/>
+                          <a:schemeClr val="bg1"/>
                         </a:solidFill>
-                        <a:latin typeface="08서울남산체 M" pitchFamily="18" charset="-127"/>
-                        <a:ea typeface="08서울남산체 M" pitchFamily="18" charset="-127"/>
+                        <a:latin typeface="a시월구일1" panose="02020600000000000000" pitchFamily="18" charset="-127"/>
+                        <a:ea typeface="a시월구일1" panose="02020600000000000000" pitchFamily="18" charset="-127"/>
                       </a:endParaRPr>
                     </a:p>
                   </a:txBody>
@@ -22787,7 +22811,7 @@
                       <a:prstDash val="solid"/>
                     </a:lnBlToTr>
                     <a:solidFill>
-                      <a:schemeClr val="bg1"/>
+                      <a:srgbClr val="00257B"/>
                     </a:solidFill>
                   </a:tcPr>
                 </a:tc>
@@ -22861,51 +22885,51 @@
                     <a:p>
                       <a:pPr algn="ctr" latinLnBrk="1"/>
                       <a:r>
-                        <a:rPr lang="ko-KR" altLang="en-US" sz="1300" b="1" spc="0" dirty="0" smtClean="0">
+                        <a:rPr lang="ko-KR" altLang="en-US" sz="1200" b="1" spc="0" dirty="0" smtClean="0">
                           <a:solidFill>
                             <a:srgbClr val="00257B"/>
                           </a:solidFill>
-                          <a:latin typeface="08서울남산체 M" pitchFamily="18" charset="-127"/>
-                          <a:ea typeface="08서울남산체 M" pitchFamily="18" charset="-127"/>
+                          <a:latin typeface="a시월구일1" panose="02020600000000000000" pitchFamily="18" charset="-127"/>
+                          <a:ea typeface="a시월구일1" panose="02020600000000000000" pitchFamily="18" charset="-127"/>
                         </a:rPr>
                         <a:t>전체 업무</a:t>
                       </a:r>
                       <a:r>
-                        <a:rPr lang="en-US" altLang="ko-KR" sz="1300" b="1" spc="0" baseline="0" dirty="0" smtClean="0">
+                        <a:rPr lang="en-US" altLang="ko-KR" sz="1200" b="1" spc="0" baseline="0" dirty="0" smtClean="0">
                           <a:solidFill>
                             <a:srgbClr val="00257B"/>
                           </a:solidFill>
-                          <a:latin typeface="08서울남산체 M" pitchFamily="18" charset="-127"/>
-                          <a:ea typeface="08서울남산체 M" pitchFamily="18" charset="-127"/>
+                          <a:latin typeface="a시월구일1" panose="02020600000000000000" pitchFamily="18" charset="-127"/>
+                          <a:ea typeface="a시월구일1" panose="02020600000000000000" pitchFamily="18" charset="-127"/>
                         </a:rPr>
                         <a:t> Flow Chart / DB</a:t>
                       </a:r>
                       <a:r>
-                        <a:rPr lang="ko-KR" altLang="en-US" sz="1300" b="1" spc="0" baseline="0" dirty="0" smtClean="0">
+                        <a:rPr lang="ko-KR" altLang="en-US" sz="1200" b="1" spc="0" baseline="0" dirty="0" smtClean="0">
                           <a:solidFill>
                             <a:srgbClr val="00257B"/>
                           </a:solidFill>
-                          <a:latin typeface="08서울남산체 M" pitchFamily="18" charset="-127"/>
-                          <a:ea typeface="08서울남산체 M" pitchFamily="18" charset="-127"/>
+                          <a:latin typeface="a시월구일1" panose="02020600000000000000" pitchFamily="18" charset="-127"/>
+                          <a:ea typeface="a시월구일1" panose="02020600000000000000" pitchFamily="18" charset="-127"/>
                         </a:rPr>
                         <a:t>설계 </a:t>
                       </a:r>
                       <a:r>
-                        <a:rPr lang="en-US" altLang="ko-KR" sz="1300" b="1" spc="0" baseline="0" dirty="0" smtClean="0">
+                        <a:rPr lang="en-US" altLang="ko-KR" sz="1200" b="1" spc="0" baseline="0" dirty="0" smtClean="0">
                           <a:solidFill>
                             <a:srgbClr val="00257B"/>
                           </a:solidFill>
-                          <a:latin typeface="08서울남산체 M" pitchFamily="18" charset="-127"/>
-                          <a:ea typeface="08서울남산체 M" pitchFamily="18" charset="-127"/>
+                          <a:latin typeface="a시월구일1" panose="02020600000000000000" pitchFamily="18" charset="-127"/>
+                          <a:ea typeface="a시월구일1" panose="02020600000000000000" pitchFamily="18" charset="-127"/>
                         </a:rPr>
                         <a:t>ERD</a:t>
                       </a:r>
-                      <a:endParaRPr lang="ko-KR" altLang="en-US" sz="1300" b="1" spc="0" dirty="0">
+                      <a:endParaRPr lang="ko-KR" altLang="en-US" sz="1200" b="1" spc="0" dirty="0">
                         <a:solidFill>
                           <a:srgbClr val="00257B"/>
                         </a:solidFill>
-                        <a:latin typeface="08서울남산체 M" pitchFamily="18" charset="-127"/>
-                        <a:ea typeface="08서울남산체 M" pitchFamily="18" charset="-127"/>
+                        <a:latin typeface="a시월구일1" panose="02020600000000000000" pitchFamily="18" charset="-127"/>
+                        <a:ea typeface="a시월구일1" panose="02020600000000000000" pitchFamily="18" charset="-127"/>
                       </a:endParaRPr>
                     </a:p>
                   </a:txBody>
@@ -23149,31 +23173,31 @@
                     <a:p>
                       <a:pPr algn="ctr" latinLnBrk="1"/>
                       <a:r>
-                        <a:rPr lang="ko-KR" altLang="en-US" sz="1300" b="1" spc="-150" dirty="0" smtClean="0">
+                        <a:rPr lang="ko-KR" altLang="en-US" sz="1200" b="1" spc="-150" dirty="0" smtClean="0">
                           <a:solidFill>
                             <a:srgbClr val="00257B"/>
                           </a:solidFill>
-                          <a:latin typeface="08서울남산체 M" pitchFamily="18" charset="-127"/>
-                          <a:ea typeface="08서울남산체 M" pitchFamily="18" charset="-127"/>
+                          <a:latin typeface="a시월구일1" panose="02020600000000000000" pitchFamily="18" charset="-127"/>
+                          <a:ea typeface="a시월구일1" panose="02020600000000000000" pitchFamily="18" charset="-127"/>
                         </a:rPr>
                         <a:t>공통부분</a:t>
                       </a:r>
                       <a:r>
-                        <a:rPr lang="ko-KR" altLang="en-US" sz="1300" b="1" spc="-150" baseline="0" dirty="0" smtClean="0">
+                        <a:rPr lang="ko-KR" altLang="en-US" sz="1200" b="1" spc="-150" baseline="0" dirty="0" smtClean="0">
                           <a:solidFill>
                             <a:srgbClr val="00257B"/>
                           </a:solidFill>
-                          <a:latin typeface="08서울남산체 M" pitchFamily="18" charset="-127"/>
-                          <a:ea typeface="08서울남산체 M" pitchFamily="18" charset="-127"/>
+                          <a:latin typeface="a시월구일1" panose="02020600000000000000" pitchFamily="18" charset="-127"/>
+                          <a:ea typeface="a시월구일1" panose="02020600000000000000" pitchFamily="18" charset="-127"/>
                         </a:rPr>
                         <a:t> 제출</a:t>
                       </a:r>
-                      <a:endParaRPr lang="ko-KR" altLang="en-US" sz="1300" b="1" spc="-150" dirty="0">
+                      <a:endParaRPr lang="ko-KR" altLang="en-US" sz="1200" b="1" spc="-150" dirty="0">
                         <a:solidFill>
                           <a:srgbClr val="00257B"/>
                         </a:solidFill>
-                        <a:latin typeface="08서울남산체 M" pitchFamily="18" charset="-127"/>
-                        <a:ea typeface="08서울남산체 M" pitchFamily="18" charset="-127"/>
+                        <a:latin typeface="a시월구일1" panose="02020600000000000000" pitchFamily="18" charset="-127"/>
+                        <a:ea typeface="a시월구일1" panose="02020600000000000000" pitchFamily="18" charset="-127"/>
                       </a:endParaRPr>
                     </a:p>
                   </a:txBody>
@@ -23236,21 +23260,21 @@
                     <a:p>
                       <a:pPr algn="l" latinLnBrk="1"/>
                       <a:r>
-                        <a:rPr lang="en-US" altLang="ko-KR" dirty="0" smtClean="0">
+                        <a:rPr lang="en-US" altLang="ko-KR" sz="1600" dirty="0" smtClean="0">
                           <a:solidFill>
                             <a:srgbClr val="00257B"/>
                           </a:solidFill>
-                          <a:latin typeface="08서울남산체 M" pitchFamily="18" charset="-127"/>
-                          <a:ea typeface="08서울남산체 M" pitchFamily="18" charset="-127"/>
+                          <a:latin typeface="a시월구일1" panose="02020600000000000000" pitchFamily="18" charset="-127"/>
+                          <a:ea typeface="a시월구일1" panose="02020600000000000000" pitchFamily="18" charset="-127"/>
                         </a:rPr>
                         <a:t>16</a:t>
                       </a:r>
-                      <a:endParaRPr lang="ko-KR" altLang="en-US" dirty="0">
+                      <a:endParaRPr lang="ko-KR" altLang="en-US" sz="1600" dirty="0">
                         <a:solidFill>
                           <a:srgbClr val="00257B"/>
                         </a:solidFill>
-                        <a:latin typeface="08서울남산체 M" pitchFamily="18" charset="-127"/>
-                        <a:ea typeface="08서울남산체 M" pitchFamily="18" charset="-127"/>
+                        <a:latin typeface="a시월구일1" panose="02020600000000000000" pitchFamily="18" charset="-127"/>
+                        <a:ea typeface="a시월구일1" panose="02020600000000000000" pitchFamily="18" charset="-127"/>
                       </a:endParaRPr>
                     </a:p>
                   </a:txBody>
@@ -23311,21 +23335,21 @@
                     <a:p>
                       <a:pPr algn="l" latinLnBrk="1"/>
                       <a:r>
-                        <a:rPr lang="en-US" altLang="ko-KR" dirty="0" smtClean="0">
+                        <a:rPr lang="en-US" altLang="ko-KR" sz="1600" dirty="0" smtClean="0">
                           <a:solidFill>
                             <a:srgbClr val="00257B"/>
                           </a:solidFill>
-                          <a:latin typeface="08서울남산체 M" pitchFamily="18" charset="-127"/>
-                          <a:ea typeface="08서울남산체 M" pitchFamily="18" charset="-127"/>
+                          <a:latin typeface="a시월구일1" panose="02020600000000000000" pitchFamily="18" charset="-127"/>
+                          <a:ea typeface="a시월구일1" panose="02020600000000000000" pitchFamily="18" charset="-127"/>
                         </a:rPr>
                         <a:t>17</a:t>
                       </a:r>
-                      <a:endParaRPr lang="ko-KR" altLang="en-US" dirty="0">
+                      <a:endParaRPr lang="ko-KR" altLang="en-US" sz="1600" dirty="0">
                         <a:solidFill>
                           <a:srgbClr val="00257B"/>
                         </a:solidFill>
-                        <a:latin typeface="08서울남산체 M" pitchFamily="18" charset="-127"/>
-                        <a:ea typeface="08서울남산체 M" pitchFamily="18" charset="-127"/>
+                        <a:latin typeface="a시월구일1" panose="02020600000000000000" pitchFamily="18" charset="-127"/>
+                        <a:ea typeface="a시월구일1" panose="02020600000000000000" pitchFamily="18" charset="-127"/>
                       </a:endParaRPr>
                     </a:p>
                   </a:txBody>
@@ -23447,21 +23471,21 @@
                     <a:p>
                       <a:pPr algn="l" latinLnBrk="1"/>
                       <a:r>
-                        <a:rPr lang="en-US" altLang="ko-KR" dirty="0" smtClean="0">
+                        <a:rPr lang="en-US" altLang="ko-KR" sz="1600" dirty="0" smtClean="0">
                           <a:solidFill>
                             <a:srgbClr val="00257B"/>
                           </a:solidFill>
-                          <a:latin typeface="08서울남산체 M" pitchFamily="18" charset="-127"/>
-                          <a:ea typeface="08서울남산체 M" pitchFamily="18" charset="-127"/>
+                          <a:latin typeface="a시월구일1" panose="02020600000000000000" pitchFamily="18" charset="-127"/>
+                          <a:ea typeface="a시월구일1" panose="02020600000000000000" pitchFamily="18" charset="-127"/>
                         </a:rPr>
                         <a:t>18</a:t>
                       </a:r>
-                      <a:endParaRPr lang="ko-KR" altLang="en-US" dirty="0">
+                      <a:endParaRPr lang="ko-KR" altLang="en-US" sz="1600" dirty="0">
                         <a:solidFill>
                           <a:srgbClr val="00257B"/>
                         </a:solidFill>
-                        <a:latin typeface="08서울남산체 M" pitchFamily="18" charset="-127"/>
-                        <a:ea typeface="08서울남산체 M" pitchFamily="18" charset="-127"/>
+                        <a:latin typeface="a시월구일1" panose="02020600000000000000" pitchFamily="18" charset="-127"/>
+                        <a:ea typeface="a시월구일1" panose="02020600000000000000" pitchFamily="18" charset="-127"/>
                       </a:endParaRPr>
                     </a:p>
                   </a:txBody>
@@ -23520,21 +23544,21 @@
                     <a:p>
                       <a:pPr algn="l" latinLnBrk="1"/>
                       <a:r>
-                        <a:rPr lang="en-US" altLang="ko-KR" dirty="0" smtClean="0">
+                        <a:rPr lang="en-US" altLang="ko-KR" sz="1600" dirty="0" smtClean="0">
                           <a:solidFill>
                             <a:srgbClr val="00257B"/>
                           </a:solidFill>
-                          <a:latin typeface="08서울남산체 M" pitchFamily="18" charset="-127"/>
-                          <a:ea typeface="08서울남산체 M" pitchFamily="18" charset="-127"/>
+                          <a:latin typeface="a시월구일1" panose="02020600000000000000" pitchFamily="18" charset="-127"/>
+                          <a:ea typeface="a시월구일1" panose="02020600000000000000" pitchFamily="18" charset="-127"/>
                         </a:rPr>
                         <a:t>19</a:t>
                       </a:r>
-                      <a:endParaRPr lang="ko-KR" altLang="en-US" dirty="0">
+                      <a:endParaRPr lang="ko-KR" altLang="en-US" sz="1600" dirty="0">
                         <a:solidFill>
                           <a:srgbClr val="00257B"/>
                         </a:solidFill>
-                        <a:latin typeface="08서울남산체 M" pitchFamily="18" charset="-127"/>
-                        <a:ea typeface="08서울남산체 M" pitchFamily="18" charset="-127"/>
+                        <a:latin typeface="a시월구일1" panose="02020600000000000000" pitchFamily="18" charset="-127"/>
+                        <a:ea typeface="a시월구일1" panose="02020600000000000000" pitchFamily="18" charset="-127"/>
                       </a:endParaRPr>
                     </a:p>
                   </a:txBody>
@@ -23593,21 +23617,21 @@
                     <a:p>
                       <a:pPr algn="l" latinLnBrk="1"/>
                       <a:r>
-                        <a:rPr lang="en-US" altLang="ko-KR" dirty="0" smtClean="0">
+                        <a:rPr lang="en-US" altLang="ko-KR" sz="1600" dirty="0" smtClean="0">
                           <a:solidFill>
                             <a:srgbClr val="00257B"/>
                           </a:solidFill>
-                          <a:latin typeface="08서울남산체 M" pitchFamily="18" charset="-127"/>
-                          <a:ea typeface="08서울남산체 M" pitchFamily="18" charset="-127"/>
+                          <a:latin typeface="a시월구일1" panose="02020600000000000000" pitchFamily="18" charset="-127"/>
+                          <a:ea typeface="a시월구일1" panose="02020600000000000000" pitchFamily="18" charset="-127"/>
                         </a:rPr>
                         <a:t>20</a:t>
                       </a:r>
-                      <a:endParaRPr lang="ko-KR" altLang="en-US" dirty="0">
+                      <a:endParaRPr lang="ko-KR" altLang="en-US" sz="1600" dirty="0">
                         <a:solidFill>
                           <a:srgbClr val="00257B"/>
                         </a:solidFill>
-                        <a:latin typeface="08서울남산체 M" pitchFamily="18" charset="-127"/>
-                        <a:ea typeface="08서울남산체 M" pitchFamily="18" charset="-127"/>
+                        <a:latin typeface="a시월구일1" panose="02020600000000000000" pitchFamily="18" charset="-127"/>
+                        <a:ea typeface="a시월구일1" panose="02020600000000000000" pitchFamily="18" charset="-127"/>
                       </a:endParaRPr>
                     </a:p>
                   </a:txBody>
@@ -23666,21 +23690,21 @@
                     <a:p>
                       <a:pPr algn="l" latinLnBrk="1"/>
                       <a:r>
-                        <a:rPr lang="en-US" altLang="ko-KR" dirty="0" smtClean="0">
+                        <a:rPr lang="en-US" altLang="ko-KR" sz="1600" dirty="0" smtClean="0">
                           <a:solidFill>
                             <a:srgbClr val="00257B"/>
                           </a:solidFill>
-                          <a:latin typeface="08서울남산체 M" pitchFamily="18" charset="-127"/>
-                          <a:ea typeface="08서울남산체 M" pitchFamily="18" charset="-127"/>
+                          <a:latin typeface="a시월구일1" panose="02020600000000000000" pitchFamily="18" charset="-127"/>
+                          <a:ea typeface="a시월구일1" panose="02020600000000000000" pitchFamily="18" charset="-127"/>
                         </a:rPr>
                         <a:t>21</a:t>
                       </a:r>
-                      <a:endParaRPr lang="ko-KR" altLang="en-US" dirty="0">
+                      <a:endParaRPr lang="ko-KR" altLang="en-US" sz="1600" dirty="0">
                         <a:solidFill>
                           <a:srgbClr val="00257B"/>
                         </a:solidFill>
-                        <a:latin typeface="08서울남산체 M" pitchFamily="18" charset="-127"/>
-                        <a:ea typeface="08서울남산체 M" pitchFamily="18" charset="-127"/>
+                        <a:latin typeface="a시월구일1" panose="02020600000000000000" pitchFamily="18" charset="-127"/>
+                        <a:ea typeface="a시월구일1" panose="02020600000000000000" pitchFamily="18" charset="-127"/>
                       </a:endParaRPr>
                     </a:p>
                   </a:txBody>
@@ -23739,21 +23763,21 @@
                     <a:p>
                       <a:pPr algn="l" latinLnBrk="1"/>
                       <a:r>
-                        <a:rPr lang="en-US" altLang="ko-KR" dirty="0" smtClean="0">
+                        <a:rPr lang="en-US" altLang="ko-KR" sz="1600" dirty="0" smtClean="0">
                           <a:solidFill>
                             <a:srgbClr val="00257B"/>
                           </a:solidFill>
-                          <a:latin typeface="08서울남산체 M" pitchFamily="18" charset="-127"/>
-                          <a:ea typeface="08서울남산체 M" pitchFamily="18" charset="-127"/>
+                          <a:latin typeface="a시월구일1" panose="02020600000000000000" pitchFamily="18" charset="-127"/>
+                          <a:ea typeface="a시월구일1" panose="02020600000000000000" pitchFamily="18" charset="-127"/>
                         </a:rPr>
                         <a:t>22</a:t>
                       </a:r>
-                      <a:endParaRPr lang="ko-KR" altLang="en-US" dirty="0">
+                      <a:endParaRPr lang="ko-KR" altLang="en-US" sz="1600" dirty="0">
                         <a:solidFill>
                           <a:srgbClr val="00257B"/>
                         </a:solidFill>
-                        <a:latin typeface="08서울남산체 M" pitchFamily="18" charset="-127"/>
-                        <a:ea typeface="08서울남산체 M" pitchFamily="18" charset="-127"/>
+                        <a:latin typeface="a시월구일1" panose="02020600000000000000" pitchFamily="18" charset="-127"/>
+                        <a:ea typeface="a시월구일1" panose="02020600000000000000" pitchFamily="18" charset="-127"/>
                       </a:endParaRPr>
                     </a:p>
                   </a:txBody>
@@ -23816,31 +23840,31 @@
                     <a:p>
                       <a:pPr algn="ctr" latinLnBrk="1"/>
                       <a:r>
-                        <a:rPr lang="en-US" altLang="ko-KR" sz="1500" b="1" baseline="0" dirty="0" smtClean="0">
+                        <a:rPr lang="en-US" altLang="ko-KR" sz="1400" b="1" baseline="0" dirty="0" smtClean="0">
                           <a:solidFill>
                             <a:schemeClr val="bg1"/>
                           </a:solidFill>
-                          <a:latin typeface="08서울남산체 M" pitchFamily="18" charset="-127"/>
-                          <a:ea typeface="08서울남산체 M" pitchFamily="18" charset="-127"/>
+                          <a:latin typeface="a시월구일1" panose="02020600000000000000" pitchFamily="18" charset="-127"/>
+                          <a:ea typeface="a시월구일1" panose="02020600000000000000" pitchFamily="18" charset="-127"/>
                         </a:rPr>
                         <a:t>DB </a:t>
                       </a:r>
                       <a:r>
-                        <a:rPr lang="ko-KR" altLang="en-US" sz="1500" b="1" baseline="0" dirty="0" smtClean="0">
+                        <a:rPr lang="ko-KR" altLang="en-US" sz="1400" b="1" baseline="0" dirty="0" smtClean="0">
                           <a:solidFill>
                             <a:schemeClr val="bg1"/>
                           </a:solidFill>
-                          <a:latin typeface="08서울남산체 M" pitchFamily="18" charset="-127"/>
-                          <a:ea typeface="08서울남산체 M" pitchFamily="18" charset="-127"/>
+                          <a:latin typeface="a시월구일1" panose="02020600000000000000" pitchFamily="18" charset="-127"/>
+                          <a:ea typeface="a시월구일1" panose="02020600000000000000" pitchFamily="18" charset="-127"/>
                         </a:rPr>
                         <a:t>테이블 생성 및 연동</a:t>
                       </a:r>
-                      <a:endParaRPr lang="ko-KR" altLang="en-US" sz="1500" b="1" dirty="0">
+                      <a:endParaRPr lang="ko-KR" altLang="en-US" sz="1400" b="1" dirty="0">
                         <a:solidFill>
                           <a:schemeClr val="bg1"/>
                         </a:solidFill>
-                        <a:latin typeface="08서울남산체 M" pitchFamily="18" charset="-127"/>
-                        <a:ea typeface="08서울남산체 M" pitchFamily="18" charset="-127"/>
+                        <a:latin typeface="a시월구일1" panose="02020600000000000000" pitchFamily="18" charset="-127"/>
+                        <a:ea typeface="a시월구일1" panose="02020600000000000000" pitchFamily="18" charset="-127"/>
                       </a:endParaRPr>
                     </a:p>
                   </a:txBody>
@@ -23921,21 +23945,21 @@
                     <a:p>
                       <a:pPr algn="ctr" latinLnBrk="1"/>
                       <a:r>
-                        <a:rPr lang="ko-KR" altLang="en-US" sz="1500" b="1" dirty="0" smtClean="0">
+                        <a:rPr lang="ko-KR" altLang="en-US" sz="1400" b="1" dirty="0" smtClean="0">
                           <a:solidFill>
                             <a:srgbClr val="00257B"/>
                           </a:solidFill>
-                          <a:latin typeface="08서울남산체 M" pitchFamily="18" charset="-127"/>
-                          <a:ea typeface="08서울남산체 M" pitchFamily="18" charset="-127"/>
+                          <a:latin typeface="a시월구일1" panose="02020600000000000000" pitchFamily="18" charset="-127"/>
+                          <a:ea typeface="a시월구일1" panose="02020600000000000000" pitchFamily="18" charset="-127"/>
                         </a:rPr>
                         <a:t>인사</a:t>
                       </a:r>
-                      <a:endParaRPr lang="ko-KR" altLang="en-US" sz="1500" b="1" dirty="0">
+                      <a:endParaRPr lang="ko-KR" altLang="en-US" sz="1400" b="1" dirty="0">
                         <a:solidFill>
                           <a:srgbClr val="00257B"/>
                         </a:solidFill>
-                        <a:latin typeface="08서울남산체 M" pitchFamily="18" charset="-127"/>
-                        <a:ea typeface="08서울남산체 M" pitchFamily="18" charset="-127"/>
+                        <a:latin typeface="a시월구일1" panose="02020600000000000000" pitchFamily="18" charset="-127"/>
+                        <a:ea typeface="a시월구일1" panose="02020600000000000000" pitchFamily="18" charset="-127"/>
                       </a:endParaRPr>
                     </a:p>
                   </a:txBody>
@@ -24008,12 +24032,12 @@
                         <a:defRPr/>
                       </a:pPr>
                       <a:r>
-                        <a:rPr lang="ko-KR" altLang="en-US" sz="1500" b="1" dirty="0" smtClean="0">
+                        <a:rPr lang="ko-KR" altLang="en-US" sz="1400" b="1" dirty="0" smtClean="0">
                           <a:solidFill>
                             <a:schemeClr val="bg1"/>
                           </a:solidFill>
-                          <a:latin typeface="08서울남산체 M" pitchFamily="18" charset="-127"/>
-                          <a:ea typeface="08서울남산체 M" pitchFamily="18" charset="-127"/>
+                          <a:latin typeface="a시월구일1" panose="02020600000000000000" pitchFamily="18" charset="-127"/>
+                          <a:ea typeface="a시월구일1" panose="02020600000000000000" pitchFamily="18" charset="-127"/>
                         </a:rPr>
                         <a:t>급여</a:t>
                       </a:r>
@@ -24088,12 +24112,12 @@
                         <a:defRPr/>
                       </a:pPr>
                       <a:r>
-                        <a:rPr lang="ko-KR" altLang="en-US" sz="1500" b="1" dirty="0" smtClean="0">
+                        <a:rPr lang="ko-KR" altLang="en-US" sz="1400" b="1" dirty="0" smtClean="0">
                           <a:solidFill>
                             <a:srgbClr val="003D91"/>
                           </a:solidFill>
-                          <a:latin typeface="08서울남산체 M" pitchFamily="18" charset="-127"/>
-                          <a:ea typeface="08서울남산체 M" pitchFamily="18" charset="-127"/>
+                          <a:latin typeface="a시월구일1" panose="02020600000000000000" pitchFamily="18" charset="-127"/>
+                          <a:ea typeface="a시월구일1" panose="02020600000000000000" pitchFamily="18" charset="-127"/>
                         </a:rPr>
                         <a:t>근태</a:t>
                       </a:r>
@@ -24152,21 +24176,21 @@
                     <a:p>
                       <a:pPr algn="ctr" latinLnBrk="1"/>
                       <a:r>
-                        <a:rPr lang="ko-KR" altLang="en-US" sz="1500" b="1" dirty="0" smtClean="0">
+                        <a:rPr lang="ko-KR" altLang="en-US" sz="1400" b="1" dirty="0" smtClean="0">
                           <a:solidFill>
                             <a:srgbClr val="00257B"/>
                           </a:solidFill>
-                          <a:latin typeface="08서울남산체 M" pitchFamily="18" charset="-127"/>
-                          <a:ea typeface="08서울남산체 M" pitchFamily="18" charset="-127"/>
+                          <a:latin typeface="a시월구일1" panose="02020600000000000000" pitchFamily="18" charset="-127"/>
+                          <a:ea typeface="a시월구일1" panose="02020600000000000000" pitchFamily="18" charset="-127"/>
                         </a:rPr>
                         <a:t>중간발표</a:t>
                       </a:r>
-                      <a:endParaRPr lang="en-US" altLang="ko-KR" sz="1800" b="0" dirty="0" smtClean="0">
+                      <a:endParaRPr lang="en-US" altLang="ko-KR" sz="1600" b="0" dirty="0" smtClean="0">
                         <a:solidFill>
                           <a:srgbClr val="00257B"/>
                         </a:solidFill>
-                        <a:latin typeface="08서울남산체 M" pitchFamily="18" charset="-127"/>
-                        <a:ea typeface="08서울남산체 M" pitchFamily="18" charset="-127"/>
+                        <a:latin typeface="a시월구일1" panose="02020600000000000000" pitchFamily="18" charset="-127"/>
+                        <a:ea typeface="a시월구일1" panose="02020600000000000000" pitchFamily="18" charset="-127"/>
                       </a:endParaRPr>
                     </a:p>
                   </a:txBody>
@@ -24238,12 +24262,12 @@
                         <a:tabLst/>
                         <a:defRPr/>
                       </a:pPr>
-                      <a:endParaRPr lang="ko-KR" altLang="en-US" sz="1500" b="1" dirty="0" smtClean="0">
+                      <a:endParaRPr lang="ko-KR" altLang="en-US" sz="1400" b="1" dirty="0" smtClean="0">
                         <a:solidFill>
                           <a:srgbClr val="00257B"/>
                         </a:solidFill>
-                        <a:latin typeface="08서울남산체 M" pitchFamily="18" charset="-127"/>
-                        <a:ea typeface="08서울남산체 M" pitchFamily="18" charset="-127"/>
+                        <a:latin typeface="a시월구일1" panose="02020600000000000000" pitchFamily="18" charset="-127"/>
+                        <a:ea typeface="a시월구일1" panose="02020600000000000000" pitchFamily="18" charset="-127"/>
                       </a:endParaRPr>
                     </a:p>
                   </a:txBody>
@@ -24304,21 +24328,21 @@
                     <a:p>
                       <a:pPr algn="ctr" latinLnBrk="1"/>
                       <a:r>
-                        <a:rPr lang="en-US" altLang="ko-KR" sz="1200" b="1" dirty="0" smtClean="0">
+                        <a:rPr lang="en-US" altLang="ko-KR" sz="1100" b="1" dirty="0" smtClean="0">
                           <a:solidFill>
                             <a:srgbClr val="003D91"/>
                           </a:solidFill>
-                          <a:latin typeface="08서울남산체 M" pitchFamily="18" charset="-127"/>
-                          <a:ea typeface="08서울남산체 M" pitchFamily="18" charset="-127"/>
+                          <a:latin typeface="a시월구일1" panose="02020600000000000000" pitchFamily="18" charset="-127"/>
+                          <a:ea typeface="a시월구일1" panose="02020600000000000000" pitchFamily="18" charset="-127"/>
                         </a:rPr>
                         <a:t>100%</a:t>
                       </a:r>
-                      <a:endParaRPr lang="ko-KR" altLang="en-US" sz="1200" b="1" dirty="0">
+                      <a:endParaRPr lang="ko-KR" altLang="en-US" sz="1100" b="1" dirty="0">
                         <a:solidFill>
                           <a:srgbClr val="003D91"/>
                         </a:solidFill>
-                        <a:latin typeface="08서울남산체 M" pitchFamily="18" charset="-127"/>
-                        <a:ea typeface="08서울남산체 M" pitchFamily="18" charset="-127"/>
+                        <a:latin typeface="a시월구일1" panose="02020600000000000000" pitchFamily="18" charset="-127"/>
+                        <a:ea typeface="a시월구일1" panose="02020600000000000000" pitchFamily="18" charset="-127"/>
                       </a:endParaRPr>
                     </a:p>
                   </a:txBody>
@@ -24399,22 +24423,22 @@
                     <a:p>
                       <a:pPr algn="ctr" latinLnBrk="1"/>
                       <a:r>
-                        <a:rPr lang="ko-KR" altLang="en-US" sz="1200" b="1" dirty="0" smtClean="0">
+                        <a:rPr lang="ko-KR" altLang="en-US" sz="1100" b="1" dirty="0" smtClean="0">
                           <a:solidFill>
                             <a:srgbClr val="003D91"/>
                           </a:solidFill>
-                          <a:latin typeface="08서울남산체 M" pitchFamily="18" charset="-127"/>
-                          <a:ea typeface="08서울남산체 M" pitchFamily="18" charset="-127"/>
+                          <a:latin typeface="a시월구일1" panose="02020600000000000000" pitchFamily="18" charset="-127"/>
+                          <a:ea typeface="a시월구일1" panose="02020600000000000000" pitchFamily="18" charset="-127"/>
                         </a:rPr>
                         <a:t>사원 </a:t>
                       </a:r>
                       <a:r>
-                        <a:rPr lang="en-US" altLang="ko-KR" sz="1200" b="1" dirty="0" smtClean="0">
+                        <a:rPr lang="en-US" altLang="ko-KR" sz="1100" b="1" dirty="0" smtClean="0">
                           <a:solidFill>
                             <a:srgbClr val="003D91"/>
                           </a:solidFill>
-                          <a:latin typeface="08서울남산체 M" pitchFamily="18" charset="-127"/>
-                          <a:ea typeface="08서울남산체 M" pitchFamily="18" charset="-127"/>
+                          <a:latin typeface="a시월구일1" panose="02020600000000000000" pitchFamily="18" charset="-127"/>
+                          <a:ea typeface="a시월구일1" panose="02020600000000000000" pitchFamily="18" charset="-127"/>
                         </a:rPr>
                         <a:t>100%</a:t>
                       </a:r>
@@ -24422,22 +24446,22 @@
                     <a:p>
                       <a:pPr algn="ctr" latinLnBrk="1"/>
                       <a:r>
-                        <a:rPr lang="ko-KR" altLang="en-US" sz="1200" b="1" dirty="0" smtClean="0">
+                        <a:rPr lang="ko-KR" altLang="en-US" sz="1100" b="1" dirty="0" smtClean="0">
                           <a:solidFill>
                             <a:srgbClr val="003D91"/>
                           </a:solidFill>
-                          <a:latin typeface="08서울남산체 M" pitchFamily="18" charset="-127"/>
-                          <a:ea typeface="08서울남산체 M" pitchFamily="18" charset="-127"/>
+                          <a:latin typeface="a시월구일1" panose="02020600000000000000" pitchFamily="18" charset="-127"/>
+                          <a:ea typeface="a시월구일1" panose="02020600000000000000" pitchFamily="18" charset="-127"/>
                         </a:rPr>
                         <a:t>부서 </a:t>
                       </a:r>
                       <a:r>
-                        <a:rPr lang="en-US" altLang="ko-KR" sz="1200" b="1" dirty="0" smtClean="0">
+                        <a:rPr lang="en-US" altLang="ko-KR" sz="1100" b="1" dirty="0" smtClean="0">
                           <a:solidFill>
                             <a:srgbClr val="003D91"/>
                           </a:solidFill>
-                          <a:latin typeface="08서울남산체 M" pitchFamily="18" charset="-127"/>
-                          <a:ea typeface="08서울남산체 M" pitchFamily="18" charset="-127"/>
+                          <a:latin typeface="a시월구일1" panose="02020600000000000000" pitchFamily="18" charset="-127"/>
+                          <a:ea typeface="a시월구일1" panose="02020600000000000000" pitchFamily="18" charset="-127"/>
                         </a:rPr>
                         <a:t>100%</a:t>
                       </a:r>
@@ -24445,31 +24469,31 @@
                     <a:p>
                       <a:pPr algn="ctr" latinLnBrk="1"/>
                       <a:r>
-                        <a:rPr lang="ko-KR" altLang="en-US" sz="1200" b="1" dirty="0" smtClean="0">
+                        <a:rPr lang="ko-KR" altLang="en-US" sz="1100" b="1" dirty="0" smtClean="0">
                           <a:solidFill>
                             <a:srgbClr val="003D91"/>
                           </a:solidFill>
-                          <a:latin typeface="08서울남산체 M" pitchFamily="18" charset="-127"/>
-                          <a:ea typeface="08서울남산체 M" pitchFamily="18" charset="-127"/>
+                          <a:latin typeface="a시월구일1" panose="02020600000000000000" pitchFamily="18" charset="-127"/>
+                          <a:ea typeface="a시월구일1" panose="02020600000000000000" pitchFamily="18" charset="-127"/>
                         </a:rPr>
                         <a:t>퇴사 </a:t>
                       </a:r>
                       <a:r>
-                        <a:rPr lang="en-US" altLang="ko-KR" sz="1200" b="1" dirty="0" smtClean="0">
+                        <a:rPr lang="en-US" altLang="ko-KR" sz="1100" b="1" dirty="0" smtClean="0">
                           <a:solidFill>
                             <a:srgbClr val="003D91"/>
                           </a:solidFill>
-                          <a:latin typeface="08서울남산체 M" pitchFamily="18" charset="-127"/>
-                          <a:ea typeface="08서울남산체 M" pitchFamily="18" charset="-127"/>
+                          <a:latin typeface="a시월구일1" panose="02020600000000000000" pitchFamily="18" charset="-127"/>
+                          <a:ea typeface="a시월구일1" panose="02020600000000000000" pitchFamily="18" charset="-127"/>
                         </a:rPr>
                         <a:t>20%</a:t>
                       </a:r>
-                      <a:endParaRPr lang="ko-KR" altLang="en-US" sz="1200" b="1" dirty="0">
+                      <a:endParaRPr lang="ko-KR" altLang="en-US" sz="1100" b="1" dirty="0">
                         <a:solidFill>
                           <a:srgbClr val="003D91"/>
                         </a:solidFill>
-                        <a:latin typeface="08서울남산체 M" pitchFamily="18" charset="-127"/>
-                        <a:ea typeface="08서울남산체 M" pitchFamily="18" charset="-127"/>
+                        <a:latin typeface="a시월구일1" panose="02020600000000000000" pitchFamily="18" charset="-127"/>
+                        <a:ea typeface="a시월구일1" panose="02020600000000000000" pitchFamily="18" charset="-127"/>
                       </a:endParaRPr>
                     </a:p>
                   </a:txBody>
@@ -24544,22 +24568,22 @@
                         <a:defRPr/>
                       </a:pPr>
                       <a:r>
-                        <a:rPr lang="ko-KR" altLang="en-US" sz="1200" b="1" dirty="0" smtClean="0">
+                        <a:rPr lang="ko-KR" altLang="en-US" sz="1100" b="1" dirty="0" smtClean="0">
                           <a:solidFill>
                             <a:srgbClr val="003D91"/>
                           </a:solidFill>
-                          <a:latin typeface="08서울남산체 M" pitchFamily="18" charset="-127"/>
-                          <a:ea typeface="08서울남산체 M" pitchFamily="18" charset="-127"/>
+                          <a:latin typeface="a시월구일1" panose="02020600000000000000" pitchFamily="18" charset="-127"/>
+                          <a:ea typeface="a시월구일1" panose="02020600000000000000" pitchFamily="18" charset="-127"/>
                         </a:rPr>
                         <a:t>퇴사 </a:t>
                       </a:r>
                       <a:r>
-                        <a:rPr lang="en-US" altLang="ko-KR" sz="1200" b="1" dirty="0" smtClean="0">
+                        <a:rPr lang="en-US" altLang="ko-KR" sz="1100" b="1" dirty="0" smtClean="0">
                           <a:solidFill>
                             <a:srgbClr val="003D91"/>
                           </a:solidFill>
-                          <a:latin typeface="08서울남산체 M" pitchFamily="18" charset="-127"/>
-                          <a:ea typeface="08서울남산체 M" pitchFamily="18" charset="-127"/>
+                          <a:latin typeface="a시월구일1" panose="02020600000000000000" pitchFamily="18" charset="-127"/>
+                          <a:ea typeface="a시월구일1" panose="02020600000000000000" pitchFamily="18" charset="-127"/>
                         </a:rPr>
                         <a:t>100%</a:t>
                       </a:r>
@@ -24583,22 +24607,25 @@
                         <a:defRPr/>
                       </a:pPr>
                       <a:r>
-                        <a:rPr lang="ko-KR" altLang="en-US" sz="1200" b="1" dirty="0" smtClean="0">
+                        <a:rPr lang="ko-KR" altLang="en-US" sz="1100" b="1" dirty="0" smtClean="0">
                           <a:solidFill>
                             <a:srgbClr val="003D91"/>
                           </a:solidFill>
-                          <a:latin typeface="08서울남산체 M" pitchFamily="18" charset="-127"/>
-                          <a:ea typeface="08서울남산체 M" pitchFamily="18" charset="-127"/>
-                        </a:rPr>
-                        <a:t>급여</a:t>
-                      </a:r>
-                      <a:endParaRPr lang="en-US" altLang="ko-KR" sz="1200" b="1" dirty="0" smtClean="0">
-                        <a:solidFill>
-                          <a:srgbClr val="003D91"/>
-                        </a:solidFill>
-                        <a:latin typeface="08서울남산체 M" pitchFamily="18" charset="-127"/>
-                        <a:ea typeface="08서울남산체 M" pitchFamily="18" charset="-127"/>
-                      </a:endParaRPr>
+                          <a:latin typeface="a시월구일1" panose="02020600000000000000" pitchFamily="18" charset="-127"/>
+                          <a:ea typeface="a시월구일1" panose="02020600000000000000" pitchFamily="18" charset="-127"/>
+                        </a:rPr>
+                        <a:t>급여 </a:t>
+                      </a:r>
+                      <a:r>
+                        <a:rPr lang="en-US" altLang="ko-KR" sz="1100" b="1" dirty="0" smtClean="0">
+                          <a:solidFill>
+                            <a:srgbClr val="003D91"/>
+                          </a:solidFill>
+                          <a:latin typeface="a시월구일1" panose="02020600000000000000" pitchFamily="18" charset="-127"/>
+                          <a:ea typeface="a시월구일1" panose="02020600000000000000" pitchFamily="18" charset="-127"/>
+                        </a:rPr>
+                        <a:t>50%</a:t>
+                      </a:r>
                     </a:p>
                   </a:txBody>
                   <a:tcPr anchor="ctr">
@@ -24671,12 +24698,12 @@
                         <a:tabLst/>
                         <a:defRPr/>
                       </a:pPr>
-                      <a:endParaRPr lang="ko-KR" altLang="en-US" sz="1200" b="1" dirty="0" smtClean="0">
+                      <a:endParaRPr lang="ko-KR" altLang="en-US" sz="1100" b="1" dirty="0" smtClean="0">
                         <a:solidFill>
                           <a:srgbClr val="003D91"/>
                         </a:solidFill>
-                        <a:latin typeface="08서울남산체 M" pitchFamily="18" charset="-127"/>
-                        <a:ea typeface="08서울남산체 M" pitchFamily="18" charset="-127"/>
+                        <a:latin typeface="a시월구일1" panose="02020600000000000000" pitchFamily="18" charset="-127"/>
+                        <a:ea typeface="a시월구일1" panose="02020600000000000000" pitchFamily="18" charset="-127"/>
                       </a:endParaRPr>
                     </a:p>
                   </a:txBody>
@@ -24734,12 +24761,12 @@
                     <a:lstStyle/>
                     <a:p>
                       <a:pPr algn="ctr" latinLnBrk="1"/>
-                      <a:endParaRPr lang="en-US" altLang="ko-KR" sz="1400" b="0" dirty="0" smtClean="0">
+                      <a:endParaRPr lang="en-US" altLang="ko-KR" sz="1200" b="0" dirty="0" smtClean="0">
                         <a:solidFill>
                           <a:srgbClr val="003D91"/>
                         </a:solidFill>
-                        <a:latin typeface="08서울남산체 M" pitchFamily="18" charset="-127"/>
-                        <a:ea typeface="08서울남산체 M" pitchFamily="18" charset="-127"/>
+                        <a:latin typeface="a시월구일1" panose="02020600000000000000" pitchFamily="18" charset="-127"/>
+                        <a:ea typeface="a시월구일1" panose="02020600000000000000" pitchFamily="18" charset="-127"/>
                       </a:endParaRPr>
                     </a:p>
                   </a:txBody>
@@ -24813,12 +24840,12 @@
                         <a:tabLst/>
                         <a:defRPr/>
                       </a:pPr>
-                      <a:endParaRPr lang="ko-KR" altLang="en-US" sz="1200" b="1" dirty="0" smtClean="0">
+                      <a:endParaRPr lang="ko-KR" altLang="en-US" sz="1100" b="1" dirty="0" smtClean="0">
                         <a:solidFill>
                           <a:srgbClr val="003D91"/>
                         </a:solidFill>
-                        <a:latin typeface="08서울남산체 M" pitchFamily="18" charset="-127"/>
-                        <a:ea typeface="08서울남산체 M" pitchFamily="18" charset="-127"/>
+                        <a:latin typeface="a시월구일1" panose="02020600000000000000" pitchFamily="18" charset="-127"/>
+                        <a:ea typeface="a시월구일1" panose="02020600000000000000" pitchFamily="18" charset="-127"/>
                       </a:endParaRPr>
                     </a:p>
                   </a:txBody>
@@ -24879,21 +24906,21 @@
                     <a:p>
                       <a:pPr algn="l" latinLnBrk="1"/>
                       <a:r>
-                        <a:rPr lang="en-US" altLang="ko-KR" dirty="0" smtClean="0">
+                        <a:rPr lang="en-US" altLang="ko-KR" sz="1600" dirty="0" smtClean="0">
                           <a:solidFill>
                             <a:srgbClr val="00257B"/>
                           </a:solidFill>
-                          <a:latin typeface="08서울남산체 M" pitchFamily="18" charset="-127"/>
-                          <a:ea typeface="08서울남산체 M" pitchFamily="18" charset="-127"/>
+                          <a:latin typeface="a시월구일1" panose="02020600000000000000" pitchFamily="18" charset="-127"/>
+                          <a:ea typeface="a시월구일1" panose="02020600000000000000" pitchFamily="18" charset="-127"/>
                         </a:rPr>
                         <a:t>23</a:t>
                       </a:r>
-                      <a:endParaRPr lang="ko-KR" altLang="en-US" dirty="0">
+                      <a:endParaRPr lang="ko-KR" altLang="en-US" sz="1600" dirty="0">
                         <a:solidFill>
                           <a:srgbClr val="00257B"/>
                         </a:solidFill>
-                        <a:latin typeface="08서울남산체 M" pitchFamily="18" charset="-127"/>
-                        <a:ea typeface="08서울남산체 M" pitchFamily="18" charset="-127"/>
+                        <a:latin typeface="a시월구일1" panose="02020600000000000000" pitchFamily="18" charset="-127"/>
+                        <a:ea typeface="a시월구일1" panose="02020600000000000000" pitchFamily="18" charset="-127"/>
                       </a:endParaRPr>
                     </a:p>
                   </a:txBody>
@@ -24965,21 +24992,21 @@
                     <a:p>
                       <a:pPr algn="l" latinLnBrk="1"/>
                       <a:r>
-                        <a:rPr lang="en-US" altLang="ko-KR" dirty="0" smtClean="0">
+                        <a:rPr lang="en-US" altLang="ko-KR" sz="1600" dirty="0" smtClean="0">
                           <a:solidFill>
                             <a:srgbClr val="00257B"/>
                           </a:solidFill>
-                          <a:latin typeface="08서울남산체 M" pitchFamily="18" charset="-127"/>
-                          <a:ea typeface="08서울남산체 M" pitchFamily="18" charset="-127"/>
+                          <a:latin typeface="a시월구일1" panose="02020600000000000000" pitchFamily="18" charset="-127"/>
+                          <a:ea typeface="a시월구일1" panose="02020600000000000000" pitchFamily="18" charset="-127"/>
                         </a:rPr>
                         <a:t>24</a:t>
                       </a:r>
-                      <a:endParaRPr lang="ko-KR" altLang="en-US" dirty="0">
+                      <a:endParaRPr lang="ko-KR" altLang="en-US" sz="1600" dirty="0">
                         <a:solidFill>
                           <a:srgbClr val="00257B"/>
                         </a:solidFill>
-                        <a:latin typeface="08서울남산체 M" pitchFamily="18" charset="-127"/>
-                        <a:ea typeface="08서울남산체 M" pitchFamily="18" charset="-127"/>
+                        <a:latin typeface="a시월구일1" panose="02020600000000000000" pitchFamily="18" charset="-127"/>
+                        <a:ea typeface="a시월구일1" panose="02020600000000000000" pitchFamily="18" charset="-127"/>
                       </a:endParaRPr>
                     </a:p>
                   </a:txBody>
@@ -25038,21 +25065,21 @@
                     <a:p>
                       <a:pPr algn="l" latinLnBrk="1"/>
                       <a:r>
-                        <a:rPr lang="en-US" altLang="ko-KR" dirty="0" smtClean="0">
+                        <a:rPr lang="en-US" altLang="ko-KR" sz="1600" dirty="0" smtClean="0">
                           <a:solidFill>
                             <a:srgbClr val="00257B"/>
                           </a:solidFill>
-                          <a:latin typeface="08서울남산체 M" pitchFamily="18" charset="-127"/>
-                          <a:ea typeface="08서울남산체 M" pitchFamily="18" charset="-127"/>
+                          <a:latin typeface="a시월구일1" panose="02020600000000000000" pitchFamily="18" charset="-127"/>
+                          <a:ea typeface="a시월구일1" panose="02020600000000000000" pitchFamily="18" charset="-127"/>
                         </a:rPr>
                         <a:t>25</a:t>
                       </a:r>
-                      <a:endParaRPr lang="ko-KR" altLang="en-US" dirty="0">
+                      <a:endParaRPr lang="ko-KR" altLang="en-US" sz="1600" dirty="0">
                         <a:solidFill>
                           <a:srgbClr val="00257B"/>
                         </a:solidFill>
-                        <a:latin typeface="08서울남산체 M" pitchFamily="18" charset="-127"/>
-                        <a:ea typeface="08서울남산체 M" pitchFamily="18" charset="-127"/>
+                        <a:latin typeface="a시월구일1" panose="02020600000000000000" pitchFamily="18" charset="-127"/>
+                        <a:ea typeface="a시월구일1" panose="02020600000000000000" pitchFamily="18" charset="-127"/>
                       </a:endParaRPr>
                     </a:p>
                   </a:txBody>
@@ -25111,21 +25138,21 @@
                     <a:p>
                       <a:pPr algn="l" latinLnBrk="1"/>
                       <a:r>
-                        <a:rPr lang="en-US" altLang="ko-KR" dirty="0" smtClean="0">
+                        <a:rPr lang="en-US" altLang="ko-KR" sz="1600" dirty="0" smtClean="0">
                           <a:solidFill>
                             <a:srgbClr val="00257B"/>
                           </a:solidFill>
-                          <a:latin typeface="08서울남산체 M" pitchFamily="18" charset="-127"/>
-                          <a:ea typeface="08서울남산체 M" pitchFamily="18" charset="-127"/>
+                          <a:latin typeface="a시월구일1" panose="02020600000000000000" pitchFamily="18" charset="-127"/>
+                          <a:ea typeface="a시월구일1" panose="02020600000000000000" pitchFamily="18" charset="-127"/>
                         </a:rPr>
                         <a:t>26</a:t>
                       </a:r>
-                      <a:endParaRPr lang="ko-KR" altLang="en-US" dirty="0">
+                      <a:endParaRPr lang="ko-KR" altLang="en-US" sz="1600" dirty="0">
                         <a:solidFill>
                           <a:srgbClr val="00257B"/>
                         </a:solidFill>
-                        <a:latin typeface="08서울남산체 M" pitchFamily="18" charset="-127"/>
-                        <a:ea typeface="08서울남산체 M" pitchFamily="18" charset="-127"/>
+                        <a:latin typeface="a시월구일1" panose="02020600000000000000" pitchFamily="18" charset="-127"/>
+                        <a:ea typeface="a시월구일1" panose="02020600000000000000" pitchFamily="18" charset="-127"/>
                       </a:endParaRPr>
                     </a:p>
                   </a:txBody>
@@ -25184,21 +25211,21 @@
                     <a:p>
                       <a:pPr algn="l" latinLnBrk="1"/>
                       <a:r>
-                        <a:rPr lang="en-US" altLang="ko-KR" dirty="0" smtClean="0">
+                        <a:rPr lang="en-US" altLang="ko-KR" sz="1600" dirty="0" smtClean="0">
                           <a:solidFill>
                             <a:srgbClr val="00257B"/>
                           </a:solidFill>
-                          <a:latin typeface="08서울남산체 M" pitchFamily="18" charset="-127"/>
-                          <a:ea typeface="08서울남산체 M" pitchFamily="18" charset="-127"/>
+                          <a:latin typeface="a시월구일1" panose="02020600000000000000" pitchFamily="18" charset="-127"/>
+                          <a:ea typeface="a시월구일1" panose="02020600000000000000" pitchFamily="18" charset="-127"/>
                         </a:rPr>
                         <a:t>27</a:t>
                       </a:r>
-                      <a:endParaRPr lang="ko-KR" altLang="en-US" dirty="0">
+                      <a:endParaRPr lang="ko-KR" altLang="en-US" sz="1600" dirty="0">
                         <a:solidFill>
                           <a:srgbClr val="00257B"/>
                         </a:solidFill>
-                        <a:latin typeface="08서울남산체 M" pitchFamily="18" charset="-127"/>
-                        <a:ea typeface="08서울남산체 M" pitchFamily="18" charset="-127"/>
+                        <a:latin typeface="a시월구일1" panose="02020600000000000000" pitchFamily="18" charset="-127"/>
+                        <a:ea typeface="a시월구일1" panose="02020600000000000000" pitchFamily="18" charset="-127"/>
                       </a:endParaRPr>
                     </a:p>
                   </a:txBody>
@@ -25257,21 +25284,21 @@
                     <a:p>
                       <a:pPr algn="l" latinLnBrk="1"/>
                       <a:r>
-                        <a:rPr lang="en-US" altLang="ko-KR" dirty="0" smtClean="0">
+                        <a:rPr lang="en-US" altLang="ko-KR" sz="1600" dirty="0" smtClean="0">
                           <a:solidFill>
                             <a:srgbClr val="00257B"/>
                           </a:solidFill>
-                          <a:latin typeface="08서울남산체 M" pitchFamily="18" charset="-127"/>
-                          <a:ea typeface="08서울남산체 M" pitchFamily="18" charset="-127"/>
+                          <a:latin typeface="a시월구일1" panose="02020600000000000000" pitchFamily="18" charset="-127"/>
+                          <a:ea typeface="a시월구일1" panose="02020600000000000000" pitchFamily="18" charset="-127"/>
                         </a:rPr>
                         <a:t>28</a:t>
                       </a:r>
-                      <a:endParaRPr lang="ko-KR" altLang="en-US" dirty="0">
+                      <a:endParaRPr lang="ko-KR" altLang="en-US" sz="1600" dirty="0">
                         <a:solidFill>
                           <a:srgbClr val="00257B"/>
                         </a:solidFill>
-                        <a:latin typeface="08서울남산체 M" pitchFamily="18" charset="-127"/>
-                        <a:ea typeface="08서울남산체 M" pitchFamily="18" charset="-127"/>
+                        <a:latin typeface="a시월구일1" panose="02020600000000000000" pitchFamily="18" charset="-127"/>
+                        <a:ea typeface="a시월구일1" panose="02020600000000000000" pitchFamily="18" charset="-127"/>
                       </a:endParaRPr>
                     </a:p>
                   </a:txBody>
@@ -25331,12 +25358,12 @@
                     <a:lstStyle/>
                     <a:p>
                       <a:pPr algn="l" latinLnBrk="1"/>
-                      <a:endParaRPr lang="ko-KR" altLang="en-US" dirty="0">
+                      <a:endParaRPr lang="ko-KR" altLang="en-US" sz="1600" dirty="0">
                         <a:solidFill>
                           <a:srgbClr val="00257B"/>
                         </a:solidFill>
-                        <a:latin typeface="08서울남산체 M" pitchFamily="18" charset="-127"/>
-                        <a:ea typeface="08서울남산체 M" pitchFamily="18" charset="-127"/>
+                        <a:latin typeface="a시월구일1" panose="02020600000000000000" pitchFamily="18" charset="-127"/>
+                        <a:ea typeface="a시월구일1" panose="02020600000000000000" pitchFamily="18" charset="-127"/>
                       </a:endParaRPr>
                     </a:p>
                   </a:txBody>
@@ -25397,41 +25424,41 @@
                     <a:p>
                       <a:pPr algn="ctr" latinLnBrk="1"/>
                       <a:r>
-                        <a:rPr lang="ko-KR" altLang="en-US" sz="1500" b="1" spc="-150" dirty="0" smtClean="0">
+                        <a:rPr lang="ko-KR" altLang="en-US" sz="1400" b="1" spc="-150" dirty="0" smtClean="0">
                           <a:solidFill>
                             <a:schemeClr val="bg1"/>
                           </a:solidFill>
-                          <a:latin typeface="08서울남산체 M" pitchFamily="18" charset="-127"/>
-                          <a:ea typeface="08서울남산체 M" pitchFamily="18" charset="-127"/>
+                          <a:latin typeface="a시월구일1" panose="02020600000000000000" pitchFamily="18" charset="-127"/>
+                          <a:ea typeface="a시월구일1" panose="02020600000000000000" pitchFamily="18" charset="-127"/>
                         </a:rPr>
                         <a:t>복지</a:t>
                       </a:r>
                       <a:r>
-                        <a:rPr lang="en-US" altLang="ko-KR" sz="1500" b="1" spc="-150" dirty="0" smtClean="0">
+                        <a:rPr lang="en-US" altLang="ko-KR" sz="1400" b="1" spc="-150" dirty="0" smtClean="0">
                           <a:solidFill>
                             <a:schemeClr val="bg1"/>
                           </a:solidFill>
-                          <a:latin typeface="08서울남산체 M" pitchFamily="18" charset="-127"/>
-                          <a:ea typeface="08서울남산체 M" pitchFamily="18" charset="-127"/>
+                          <a:latin typeface="a시월구일1" panose="02020600000000000000" pitchFamily="18" charset="-127"/>
+                          <a:ea typeface="a시월구일1" panose="02020600000000000000" pitchFamily="18" charset="-127"/>
                         </a:rPr>
                         <a:t>/</a:t>
                       </a:r>
                       <a:r>
-                        <a:rPr lang="ko-KR" altLang="en-US" sz="1500" b="1" spc="-150" dirty="0" smtClean="0">
+                        <a:rPr lang="ko-KR" altLang="en-US" sz="1400" b="1" spc="-150" dirty="0" smtClean="0">
                           <a:solidFill>
                             <a:schemeClr val="bg1"/>
                           </a:solidFill>
-                          <a:latin typeface="08서울남산체 M" pitchFamily="18" charset="-127"/>
-                          <a:ea typeface="08서울남산체 M" pitchFamily="18" charset="-127"/>
+                          <a:latin typeface="a시월구일1" panose="02020600000000000000" pitchFamily="18" charset="-127"/>
+                          <a:ea typeface="a시월구일1" panose="02020600000000000000" pitchFamily="18" charset="-127"/>
                         </a:rPr>
                         <a:t>교육</a:t>
                       </a:r>
-                      <a:endParaRPr lang="ko-KR" altLang="en-US" sz="1500" b="1" spc="-150" dirty="0">
+                      <a:endParaRPr lang="ko-KR" altLang="en-US" sz="1400" b="1" spc="-150" dirty="0">
                         <a:solidFill>
                           <a:schemeClr val="bg1"/>
                         </a:solidFill>
-                        <a:latin typeface="08서울남산체 M" pitchFamily="18" charset="-127"/>
-                        <a:ea typeface="08서울남산체 M" pitchFamily="18" charset="-127"/>
+                        <a:latin typeface="a시월구일1" panose="02020600000000000000" pitchFamily="18" charset="-127"/>
+                        <a:ea typeface="a시월구일1" panose="02020600000000000000" pitchFamily="18" charset="-127"/>
                       </a:endParaRPr>
                     </a:p>
                   </a:txBody>
@@ -25501,21 +25528,21 @@
                     <a:p>
                       <a:pPr algn="ctr" latinLnBrk="1"/>
                       <a:r>
-                        <a:rPr lang="ko-KR" altLang="en-US" sz="1500" b="1" spc="-150" dirty="0" smtClean="0">
+                        <a:rPr lang="ko-KR" altLang="en-US" sz="1400" b="1" spc="-150" dirty="0" smtClean="0">
                           <a:solidFill>
                             <a:srgbClr val="00257B"/>
                           </a:solidFill>
-                          <a:latin typeface="08서울남산체 M" pitchFamily="18" charset="-127"/>
-                          <a:ea typeface="08서울남산체 M" pitchFamily="18" charset="-127"/>
+                          <a:latin typeface="a시월구일1" panose="02020600000000000000" pitchFamily="18" charset="-127"/>
+                          <a:ea typeface="a시월구일1" panose="02020600000000000000" pitchFamily="18" charset="-127"/>
                         </a:rPr>
                         <a:t>인사분석</a:t>
                       </a:r>
-                      <a:endParaRPr lang="ko-KR" altLang="en-US" sz="1500" b="1" spc="-150" dirty="0">
+                      <a:endParaRPr lang="ko-KR" altLang="en-US" sz="1400" b="1" spc="-150" dirty="0">
                         <a:solidFill>
                           <a:srgbClr val="00257B"/>
                         </a:solidFill>
-                        <a:latin typeface="08서울남산체 M" pitchFamily="18" charset="-127"/>
-                        <a:ea typeface="08서울남산체 M" pitchFamily="18" charset="-127"/>
+                        <a:latin typeface="a시월구일1" panose="02020600000000000000" pitchFamily="18" charset="-127"/>
+                        <a:ea typeface="a시월구일1" panose="02020600000000000000" pitchFamily="18" charset="-127"/>
                       </a:endParaRPr>
                     </a:p>
                   </a:txBody>
@@ -25572,21 +25599,21 @@
                     <a:p>
                       <a:pPr algn="ctr" latinLnBrk="1"/>
                       <a:r>
-                        <a:rPr lang="ko-KR" altLang="en-US" sz="1500" b="1" spc="-150" dirty="0" smtClean="0">
+                        <a:rPr lang="ko-KR" altLang="en-US" sz="1400" b="1" spc="-150" dirty="0" smtClean="0">
                           <a:solidFill>
                             <a:schemeClr val="bg1"/>
                           </a:solidFill>
-                          <a:latin typeface="08서울남산체 M" pitchFamily="18" charset="-127"/>
-                          <a:ea typeface="08서울남산체 M" pitchFamily="18" charset="-127"/>
+                          <a:latin typeface="a시월구일1" panose="02020600000000000000" pitchFamily="18" charset="-127"/>
+                          <a:ea typeface="a시월구일1" panose="02020600000000000000" pitchFamily="18" charset="-127"/>
                         </a:rPr>
                         <a:t>전체 연동 클래스 작성</a:t>
                       </a:r>
-                      <a:endParaRPr lang="ko-KR" altLang="en-US" sz="1500" b="1" spc="-150" dirty="0">
+                      <a:endParaRPr lang="ko-KR" altLang="en-US" sz="1400" b="1" spc="-150" dirty="0">
                         <a:solidFill>
                           <a:schemeClr val="bg1"/>
                         </a:solidFill>
-                        <a:latin typeface="08서울남산체 M" pitchFamily="18" charset="-127"/>
-                        <a:ea typeface="08서울남산체 M" pitchFamily="18" charset="-127"/>
+                        <a:latin typeface="a시월구일1" panose="02020600000000000000" pitchFamily="18" charset="-127"/>
+                        <a:ea typeface="a시월구일1" panose="02020600000000000000" pitchFamily="18" charset="-127"/>
                       </a:endParaRPr>
                     </a:p>
                   </a:txBody>
@@ -25704,41 +25731,41 @@
                     <a:p>
                       <a:pPr algn="ctr" latinLnBrk="1"/>
                       <a:r>
-                        <a:rPr lang="ko-KR" altLang="en-US" sz="1500" b="1" spc="-150" dirty="0" smtClean="0">
+                        <a:rPr lang="ko-KR" altLang="en-US" sz="1400" b="1" spc="-150" dirty="0" smtClean="0">
                           <a:solidFill>
                             <a:srgbClr val="00257B"/>
                           </a:solidFill>
-                          <a:latin typeface="08서울남산체 M" pitchFamily="18" charset="-127"/>
-                          <a:ea typeface="08서울남산체 M" pitchFamily="18" charset="-127"/>
+                          <a:latin typeface="a시월구일1" panose="02020600000000000000" pitchFamily="18" charset="-127"/>
+                          <a:ea typeface="a시월구일1" panose="02020600000000000000" pitchFamily="18" charset="-127"/>
                         </a:rPr>
                         <a:t>보완 </a:t>
                       </a:r>
                       <a:r>
-                        <a:rPr lang="en-US" altLang="ko-KR" sz="1500" b="1" spc="-150" dirty="0" smtClean="0">
+                        <a:rPr lang="en-US" altLang="ko-KR" sz="1400" b="1" spc="-150" dirty="0" smtClean="0">
                           <a:solidFill>
                             <a:srgbClr val="00257B"/>
                           </a:solidFill>
-                          <a:latin typeface="08서울남산체 M" pitchFamily="18" charset="-127"/>
-                          <a:ea typeface="08서울남산체 M" pitchFamily="18" charset="-127"/>
+                          <a:latin typeface="a시월구일1" panose="02020600000000000000" pitchFamily="18" charset="-127"/>
+                          <a:ea typeface="a시월구일1" panose="02020600000000000000" pitchFamily="18" charset="-127"/>
                         </a:rPr>
                         <a:t>/ </a:t>
                       </a:r>
                       <a:r>
-                        <a:rPr lang="ko-KR" altLang="en-US" sz="1500" b="1" spc="-150" dirty="0" smtClean="0">
+                        <a:rPr lang="ko-KR" altLang="en-US" sz="1400" b="1" spc="-150" dirty="0" smtClean="0">
                           <a:solidFill>
                             <a:srgbClr val="00257B"/>
                           </a:solidFill>
-                          <a:latin typeface="08서울남산체 M" pitchFamily="18" charset="-127"/>
-                          <a:ea typeface="08서울남산체 M" pitchFamily="18" charset="-127"/>
+                          <a:latin typeface="a시월구일1" panose="02020600000000000000" pitchFamily="18" charset="-127"/>
+                          <a:ea typeface="a시월구일1" panose="02020600000000000000" pitchFamily="18" charset="-127"/>
                         </a:rPr>
                         <a:t>검토</a:t>
                       </a:r>
-                      <a:endParaRPr lang="en-US" altLang="ko-KR" sz="1500" b="1" spc="-150" dirty="0" smtClean="0">
+                      <a:endParaRPr lang="en-US" altLang="ko-KR" sz="1400" b="1" spc="-150" dirty="0" smtClean="0">
                         <a:solidFill>
                           <a:srgbClr val="00257B"/>
                         </a:solidFill>
-                        <a:latin typeface="08서울남산체 M" pitchFamily="18" charset="-127"/>
-                        <a:ea typeface="08서울남산체 M" pitchFamily="18" charset="-127"/>
+                        <a:latin typeface="a시월구일1" panose="02020600000000000000" pitchFamily="18" charset="-127"/>
+                        <a:ea typeface="a시월구일1" panose="02020600000000000000" pitchFamily="18" charset="-127"/>
                       </a:endParaRPr>
                     </a:p>
                   </a:txBody>
@@ -25795,21 +25822,21 @@
                     <a:p>
                       <a:pPr algn="l" latinLnBrk="1"/>
                       <a:r>
-                        <a:rPr lang="ko-KR" altLang="en-US" sz="1500" b="1" spc="-150" dirty="0" smtClean="0">
+                        <a:rPr lang="ko-KR" altLang="en-US" sz="1400" b="1" spc="-150" dirty="0" smtClean="0">
                           <a:solidFill>
                             <a:srgbClr val="00257B"/>
                           </a:solidFill>
-                          <a:latin typeface="08서울남산체 M" pitchFamily="18" charset="-127"/>
-                          <a:ea typeface="08서울남산체 M" pitchFamily="18" charset="-127"/>
+                          <a:latin typeface="a시월구일1" panose="02020600000000000000" pitchFamily="18" charset="-127"/>
+                          <a:ea typeface="a시월구일1" panose="02020600000000000000" pitchFamily="18" charset="-127"/>
                         </a:rPr>
                         <a:t>프로젝트 발표</a:t>
                       </a:r>
-                      <a:endParaRPr lang="ko-KR" altLang="en-US" sz="1500" b="1" spc="-150" dirty="0">
+                      <a:endParaRPr lang="ko-KR" altLang="en-US" sz="1400" b="1" spc="-150" dirty="0">
                         <a:solidFill>
                           <a:srgbClr val="00257B"/>
                         </a:solidFill>
-                        <a:latin typeface="08서울남산체 M" pitchFamily="18" charset="-127"/>
-                        <a:ea typeface="08서울남산체 M" pitchFamily="18" charset="-127"/>
+                        <a:latin typeface="a시월구일1" panose="02020600000000000000" pitchFamily="18" charset="-127"/>
+                        <a:ea typeface="a시월구일1" panose="02020600000000000000" pitchFamily="18" charset="-127"/>
                       </a:endParaRPr>
                     </a:p>
                   </a:txBody>
@@ -25867,12 +25894,12 @@
                     <a:lstStyle/>
                     <a:p>
                       <a:pPr algn="l" latinLnBrk="1"/>
-                      <a:endParaRPr lang="ko-KR" altLang="en-US" sz="1500" b="1" spc="-150" dirty="0">
+                      <a:endParaRPr lang="ko-KR" altLang="en-US" sz="1400" b="1" spc="-150" dirty="0">
                         <a:solidFill>
                           <a:srgbClr val="00257B"/>
                         </a:solidFill>
-                        <a:latin typeface="08서울남산체 M" pitchFamily="18" charset="-127"/>
-                        <a:ea typeface="08서울남산체 M" pitchFamily="18" charset="-127"/>
+                        <a:latin typeface="a시월구일1" panose="02020600000000000000" pitchFamily="18" charset="-127"/>
+                        <a:ea typeface="a시월구일1" panose="02020600000000000000" pitchFamily="18" charset="-127"/>
                       </a:endParaRPr>
                     </a:p>
                   </a:txBody>
@@ -25928,12 +25955,12 @@
                     <a:lstStyle/>
                     <a:p>
                       <a:pPr algn="ctr" latinLnBrk="1"/>
-                      <a:endParaRPr lang="ko-KR" altLang="en-US" sz="1500" b="1" spc="-150" dirty="0">
+                      <a:endParaRPr lang="ko-KR" altLang="en-US" sz="1400" b="1" spc="-150" dirty="0">
                         <a:solidFill>
                           <a:schemeClr val="bg1"/>
                         </a:solidFill>
-                        <a:latin typeface="08서울남산체 M" pitchFamily="18" charset="-127"/>
-                        <a:ea typeface="08서울남산체 M" pitchFamily="18" charset="-127"/>
+                        <a:latin typeface="a시월구일1" panose="02020600000000000000" pitchFamily="18" charset="-127"/>
+                        <a:ea typeface="a시월구일1" panose="02020600000000000000" pitchFamily="18" charset="-127"/>
                       </a:endParaRPr>
                     </a:p>
                   </a:txBody>
@@ -26002,12 +26029,12 @@
                     <a:lstStyle/>
                     <a:p>
                       <a:pPr algn="ctr" latinLnBrk="1"/>
-                      <a:endParaRPr lang="ko-KR" altLang="en-US" sz="1500" b="1" spc="-150" dirty="0">
+                      <a:endParaRPr lang="ko-KR" altLang="en-US" sz="1400" b="1" spc="-150" dirty="0">
                         <a:solidFill>
                           <a:srgbClr val="00257B"/>
                         </a:solidFill>
-                        <a:latin typeface="08서울남산체 M" pitchFamily="18" charset="-127"/>
-                        <a:ea typeface="08서울남산체 M" pitchFamily="18" charset="-127"/>
+                        <a:latin typeface="a시월구일1" panose="02020600000000000000" pitchFamily="18" charset="-127"/>
+                        <a:ea typeface="a시월구일1" panose="02020600000000000000" pitchFamily="18" charset="-127"/>
                       </a:endParaRPr>
                     </a:p>
                   </a:txBody>
@@ -26063,12 +26090,12 @@
                     <a:lstStyle/>
                     <a:p>
                       <a:pPr algn="ctr" latinLnBrk="1"/>
-                      <a:endParaRPr lang="ko-KR" altLang="en-US" sz="1500" b="1" spc="-150" dirty="0">
+                      <a:endParaRPr lang="ko-KR" altLang="en-US" sz="1400" b="1" spc="-150" dirty="0">
                         <a:solidFill>
                           <a:schemeClr val="bg1"/>
                         </a:solidFill>
-                        <a:latin typeface="08서울남산체 M" pitchFamily="18" charset="-127"/>
-                        <a:ea typeface="08서울남산체 M" pitchFamily="18" charset="-127"/>
+                        <a:latin typeface="a시월구일1" panose="02020600000000000000" pitchFamily="18" charset="-127"/>
+                        <a:ea typeface="a시월구일1" panose="02020600000000000000" pitchFamily="18" charset="-127"/>
                       </a:endParaRPr>
                     </a:p>
                   </a:txBody>
@@ -26135,12 +26162,12 @@
                     <a:lstStyle/>
                     <a:p>
                       <a:pPr algn="ctr" latinLnBrk="1"/>
-                      <a:endParaRPr lang="en-US" altLang="ko-KR" sz="1500" b="1" spc="-150" dirty="0" smtClean="0">
+                      <a:endParaRPr lang="en-US" altLang="ko-KR" sz="1400" b="1" spc="-150" dirty="0" smtClean="0">
                         <a:solidFill>
                           <a:srgbClr val="00257B"/>
                         </a:solidFill>
-                        <a:latin typeface="08서울남산체 M" pitchFamily="18" charset="-127"/>
-                        <a:ea typeface="08서울남산체 M" pitchFamily="18" charset="-127"/>
+                        <a:latin typeface="a시월구일1" panose="02020600000000000000" pitchFamily="18" charset="-127"/>
+                        <a:ea typeface="a시월구일1" panose="02020600000000000000" pitchFamily="18" charset="-127"/>
                       </a:endParaRPr>
                     </a:p>
                   </a:txBody>
@@ -26196,12 +26223,12 @@
                     <a:lstStyle/>
                     <a:p>
                       <a:pPr algn="l" latinLnBrk="1"/>
-                      <a:endParaRPr lang="ko-KR" altLang="en-US" sz="1500" b="1" spc="-150" dirty="0">
+                      <a:endParaRPr lang="ko-KR" altLang="en-US" sz="1400" b="1" spc="-150" dirty="0">
                         <a:solidFill>
                           <a:srgbClr val="00257B"/>
                         </a:solidFill>
-                        <a:latin typeface="08서울남산체 M" pitchFamily="18" charset="-127"/>
-                        <a:ea typeface="08서울남산체 M" pitchFamily="18" charset="-127"/>
+                        <a:latin typeface="a시월구일1" panose="02020600000000000000" pitchFamily="18" charset="-127"/>
+                        <a:ea typeface="a시월구일1" panose="02020600000000000000" pitchFamily="18" charset="-127"/>
                       </a:endParaRPr>
                     </a:p>
                   </a:txBody>
@@ -26871,28 +26898,28 @@
                 <a:gridCol w="506618">
                   <a:extLst>
                     <a:ext uri="{9D8B030D-6E8A-4147-A177-3AD203B41FA5}">
-                      <a16:colId xmlns="" xmlns:a16="http://schemas.microsoft.com/office/drawing/2014/main" val="20000"/>
+                      <a16:colId xmlns:a16="http://schemas.microsoft.com/office/drawing/2014/main" xmlns="" val="20000"/>
                     </a:ext>
                   </a:extLst>
                 </a:gridCol>
                 <a:gridCol w="1664600">
                   <a:extLst>
                     <a:ext uri="{9D8B030D-6E8A-4147-A177-3AD203B41FA5}">
-                      <a16:colId xmlns="" xmlns:a16="http://schemas.microsoft.com/office/drawing/2014/main" val="20001"/>
+                      <a16:colId xmlns:a16="http://schemas.microsoft.com/office/drawing/2014/main" xmlns="" val="20001"/>
                     </a:ext>
                   </a:extLst>
                 </a:gridCol>
                 <a:gridCol w="578991">
                   <a:extLst>
                     <a:ext uri="{9D8B030D-6E8A-4147-A177-3AD203B41FA5}">
-                      <a16:colId xmlns="" xmlns:a16="http://schemas.microsoft.com/office/drawing/2014/main" val="20002"/>
+                      <a16:colId xmlns:a16="http://schemas.microsoft.com/office/drawing/2014/main" xmlns="" val="20002"/>
                     </a:ext>
                   </a:extLst>
                 </a:gridCol>
                 <a:gridCol w="4270063">
                   <a:extLst>
                     <a:ext uri="{9D8B030D-6E8A-4147-A177-3AD203B41FA5}">
-                      <a16:colId xmlns="" xmlns:a16="http://schemas.microsoft.com/office/drawing/2014/main" val="20003"/>
+                      <a16:colId xmlns:a16="http://schemas.microsoft.com/office/drawing/2014/main" xmlns="" val="20003"/>
                     </a:ext>
                   </a:extLst>
                 </a:gridCol>
@@ -27167,7 +27194,7 @@
                 </a:tc>
                 <a:extLst>
                   <a:ext uri="{0D108BD9-81ED-4DB2-BD59-A6C34878D82A}">
-                    <a16:rowId xmlns="" xmlns:a16="http://schemas.microsoft.com/office/drawing/2014/main" val="10000"/>
+                    <a16:rowId xmlns:a16="http://schemas.microsoft.com/office/drawing/2014/main" xmlns="" val="10000"/>
                   </a:ext>
                 </a:extLst>
               </a:tr>
@@ -27614,7 +27641,7 @@
                 </a:tc>
                 <a:extLst>
                   <a:ext uri="{0D108BD9-81ED-4DB2-BD59-A6C34878D82A}">
-                    <a16:rowId xmlns="" xmlns:a16="http://schemas.microsoft.com/office/drawing/2014/main" val="10001"/>
+                    <a16:rowId xmlns:a16="http://schemas.microsoft.com/office/drawing/2014/main" xmlns="" val="10001"/>
                   </a:ext>
                 </a:extLst>
               </a:tr>
@@ -27980,7 +28007,7 @@
                 </a:tc>
                 <a:extLst>
                   <a:ext uri="{0D108BD9-81ED-4DB2-BD59-A6C34878D82A}">
-                    <a16:rowId xmlns="" xmlns:a16="http://schemas.microsoft.com/office/drawing/2014/main" val="10002"/>
+                    <a16:rowId xmlns:a16="http://schemas.microsoft.com/office/drawing/2014/main" xmlns="" val="10002"/>
                   </a:ext>
                 </a:extLst>
               </a:tr>
@@ -28442,7 +28469,7 @@
                 </a:tc>
                 <a:extLst>
                   <a:ext uri="{0D108BD9-81ED-4DB2-BD59-A6C34878D82A}">
-                    <a16:rowId xmlns="" xmlns:a16="http://schemas.microsoft.com/office/drawing/2014/main" val="10003"/>
+                    <a16:rowId xmlns:a16="http://schemas.microsoft.com/office/drawing/2014/main" xmlns="" val="10003"/>
                   </a:ext>
                 </a:extLst>
               </a:tr>
@@ -28855,7 +28882,7 @@
                 </a:tc>
                 <a:extLst>
                   <a:ext uri="{0D108BD9-81ED-4DB2-BD59-A6C34878D82A}">
-                    <a16:rowId xmlns="" xmlns:a16="http://schemas.microsoft.com/office/drawing/2014/main" val="10004"/>
+                    <a16:rowId xmlns:a16="http://schemas.microsoft.com/office/drawing/2014/main" xmlns="" val="10004"/>
                   </a:ext>
                 </a:extLst>
               </a:tr>
@@ -29305,7 +29332,7 @@
                 </a:tc>
                 <a:extLst>
                   <a:ext uri="{0D108BD9-81ED-4DB2-BD59-A6C34878D82A}">
-                    <a16:rowId xmlns="" xmlns:a16="http://schemas.microsoft.com/office/drawing/2014/main" val="10005"/>
+                    <a16:rowId xmlns:a16="http://schemas.microsoft.com/office/drawing/2014/main" xmlns="" val="10005"/>
                   </a:ext>
                 </a:extLst>
               </a:tr>
@@ -29873,7 +29900,7 @@
                 </a:tc>
                 <a:extLst>
                   <a:ext uri="{0D108BD9-81ED-4DB2-BD59-A6C34878D82A}">
-                    <a16:rowId xmlns="" xmlns:a16="http://schemas.microsoft.com/office/drawing/2014/main" val="10006"/>
+                    <a16:rowId xmlns:a16="http://schemas.microsoft.com/office/drawing/2014/main" xmlns="" val="10006"/>
                   </a:ext>
                 </a:extLst>
               </a:tr>
@@ -30142,7 +30169,7 @@
                 </a:tc>
                 <a:extLst>
                   <a:ext uri="{0D108BD9-81ED-4DB2-BD59-A6C34878D82A}">
-                    <a16:rowId xmlns="" xmlns:a16="http://schemas.microsoft.com/office/drawing/2014/main" val="10007"/>
+                    <a16:rowId xmlns:a16="http://schemas.microsoft.com/office/drawing/2014/main" xmlns="" val="10007"/>
                   </a:ext>
                 </a:extLst>
               </a:tr>
@@ -30407,7 +30434,7 @@
                 </a:tc>
                 <a:extLst>
                   <a:ext uri="{0D108BD9-81ED-4DB2-BD59-A6C34878D82A}">
-                    <a16:rowId xmlns="" xmlns:a16="http://schemas.microsoft.com/office/drawing/2014/main" val="10008"/>
+                    <a16:rowId xmlns:a16="http://schemas.microsoft.com/office/drawing/2014/main" xmlns="" val="10008"/>
                   </a:ext>
                 </a:extLst>
               </a:tr>
@@ -30772,7 +30799,7 @@
                 </a:tc>
                 <a:extLst>
                   <a:ext uri="{0D108BD9-81ED-4DB2-BD59-A6C34878D82A}">
-                    <a16:rowId xmlns="" xmlns:a16="http://schemas.microsoft.com/office/drawing/2014/main" val="10009"/>
+                    <a16:rowId xmlns:a16="http://schemas.microsoft.com/office/drawing/2014/main" xmlns="" val="10009"/>
                   </a:ext>
                 </a:extLst>
               </a:tr>
@@ -31061,7 +31088,7 @@
                 </a:tc>
                 <a:extLst>
                   <a:ext uri="{0D108BD9-81ED-4DB2-BD59-A6C34878D82A}">
-                    <a16:rowId xmlns="" xmlns:a16="http://schemas.microsoft.com/office/drawing/2014/main" val="10010"/>
+                    <a16:rowId xmlns:a16="http://schemas.microsoft.com/office/drawing/2014/main" xmlns="" val="10010"/>
                   </a:ext>
                 </a:extLst>
               </a:tr>
@@ -31346,7 +31373,7 @@
                 </a:tc>
                 <a:extLst>
                   <a:ext uri="{0D108BD9-81ED-4DB2-BD59-A6C34878D82A}">
-                    <a16:rowId xmlns="" xmlns:a16="http://schemas.microsoft.com/office/drawing/2014/main" val="10011"/>
+                    <a16:rowId xmlns:a16="http://schemas.microsoft.com/office/drawing/2014/main" xmlns="" val="10011"/>
                   </a:ext>
                 </a:extLst>
               </a:tr>
@@ -31737,7 +31764,7 @@
                 </a:tc>
                 <a:extLst>
                   <a:ext uri="{0D108BD9-81ED-4DB2-BD59-A6C34878D82A}">
-                    <a16:rowId xmlns="" xmlns:a16="http://schemas.microsoft.com/office/drawing/2014/main" val="10012"/>
+                    <a16:rowId xmlns:a16="http://schemas.microsoft.com/office/drawing/2014/main" xmlns="" val="10012"/>
                   </a:ext>
                 </a:extLst>
               </a:tr>
@@ -32161,7 +32188,7 @@
                 </a:tc>
                 <a:extLst>
                   <a:ext uri="{0D108BD9-81ED-4DB2-BD59-A6C34878D82A}">
-                    <a16:rowId xmlns="" xmlns:a16="http://schemas.microsoft.com/office/drawing/2014/main" val="10013"/>
+                    <a16:rowId xmlns:a16="http://schemas.microsoft.com/office/drawing/2014/main" xmlns="" val="10013"/>
                   </a:ext>
                 </a:extLst>
               </a:tr>
@@ -32658,28 +32685,28 @@
                 <a:gridCol w="545045">
                   <a:extLst>
                     <a:ext uri="{9D8B030D-6E8A-4147-A177-3AD203B41FA5}">
-                      <a16:colId xmlns="" xmlns:a16="http://schemas.microsoft.com/office/drawing/2014/main" val="20000"/>
+                      <a16:colId xmlns:a16="http://schemas.microsoft.com/office/drawing/2014/main" xmlns="" val="20000"/>
                     </a:ext>
                   </a:extLst>
                 </a:gridCol>
                 <a:gridCol w="1615194">
                   <a:extLst>
                     <a:ext uri="{9D8B030D-6E8A-4147-A177-3AD203B41FA5}">
-                      <a16:colId xmlns="" xmlns:a16="http://schemas.microsoft.com/office/drawing/2014/main" val="20001"/>
+                      <a16:colId xmlns:a16="http://schemas.microsoft.com/office/drawing/2014/main" xmlns="" val="20001"/>
                     </a:ext>
                   </a:extLst>
                 </a:gridCol>
                 <a:gridCol w="720080">
                   <a:extLst>
                     <a:ext uri="{9D8B030D-6E8A-4147-A177-3AD203B41FA5}">
-                      <a16:colId xmlns="" xmlns:a16="http://schemas.microsoft.com/office/drawing/2014/main" val="20002"/>
+                      <a16:colId xmlns:a16="http://schemas.microsoft.com/office/drawing/2014/main" xmlns="" val="20002"/>
                     </a:ext>
                   </a:extLst>
                 </a:gridCol>
                 <a:gridCol w="4104456">
                   <a:extLst>
                     <a:ext uri="{9D8B030D-6E8A-4147-A177-3AD203B41FA5}">
-                      <a16:colId xmlns="" xmlns:a16="http://schemas.microsoft.com/office/drawing/2014/main" val="20003"/>
+                      <a16:colId xmlns:a16="http://schemas.microsoft.com/office/drawing/2014/main" xmlns="" val="20003"/>
                     </a:ext>
                   </a:extLst>
                 </a:gridCol>
@@ -32954,7 +32981,7 @@
                 </a:tc>
                 <a:extLst>
                   <a:ext uri="{0D108BD9-81ED-4DB2-BD59-A6C34878D82A}">
-                    <a16:rowId xmlns="" xmlns:a16="http://schemas.microsoft.com/office/drawing/2014/main" val="10000"/>
+                    <a16:rowId xmlns:a16="http://schemas.microsoft.com/office/drawing/2014/main" xmlns="" val="10000"/>
                   </a:ext>
                 </a:extLst>
               </a:tr>
@@ -33305,7 +33332,7 @@
                 </a:tc>
                 <a:extLst>
                   <a:ext uri="{0D108BD9-81ED-4DB2-BD59-A6C34878D82A}">
-                    <a16:rowId xmlns="" xmlns:a16="http://schemas.microsoft.com/office/drawing/2014/main" val="10001"/>
+                    <a16:rowId xmlns:a16="http://schemas.microsoft.com/office/drawing/2014/main" xmlns="" val="10001"/>
                   </a:ext>
                 </a:extLst>
               </a:tr>
@@ -33717,7 +33744,7 @@
                 </a:tc>
                 <a:extLst>
                   <a:ext uri="{0D108BD9-81ED-4DB2-BD59-A6C34878D82A}">
-                    <a16:rowId xmlns="" xmlns:a16="http://schemas.microsoft.com/office/drawing/2014/main" val="10002"/>
+                    <a16:rowId xmlns:a16="http://schemas.microsoft.com/office/drawing/2014/main" xmlns="" val="10002"/>
                   </a:ext>
                 </a:extLst>
               </a:tr>
@@ -34032,7 +34059,7 @@
                 </a:tc>
                 <a:extLst>
                   <a:ext uri="{0D108BD9-81ED-4DB2-BD59-A6C34878D82A}">
-                    <a16:rowId xmlns="" xmlns:a16="http://schemas.microsoft.com/office/drawing/2014/main" val="10003"/>
+                    <a16:rowId xmlns:a16="http://schemas.microsoft.com/office/drawing/2014/main" xmlns="" val="10003"/>
                   </a:ext>
                 </a:extLst>
               </a:tr>
@@ -34294,7 +34321,7 @@
                 </a:tc>
                 <a:extLst>
                   <a:ext uri="{0D108BD9-81ED-4DB2-BD59-A6C34878D82A}">
-                    <a16:rowId xmlns="" xmlns:a16="http://schemas.microsoft.com/office/drawing/2014/main" val="10004"/>
+                    <a16:rowId xmlns:a16="http://schemas.microsoft.com/office/drawing/2014/main" xmlns="" val="10004"/>
                   </a:ext>
                 </a:extLst>
               </a:tr>
@@ -34596,7 +34623,7 @@
                 </a:tc>
                 <a:extLst>
                   <a:ext uri="{0D108BD9-81ED-4DB2-BD59-A6C34878D82A}">
-                    <a16:rowId xmlns="" xmlns:a16="http://schemas.microsoft.com/office/drawing/2014/main" val="10005"/>
+                    <a16:rowId xmlns:a16="http://schemas.microsoft.com/office/drawing/2014/main" xmlns="" val="10005"/>
                   </a:ext>
                 </a:extLst>
               </a:tr>
@@ -34974,7 +35001,7 @@
                 </a:tc>
                 <a:extLst>
                   <a:ext uri="{0D108BD9-81ED-4DB2-BD59-A6C34878D82A}">
-                    <a16:rowId xmlns="" xmlns:a16="http://schemas.microsoft.com/office/drawing/2014/main" val="10006"/>
+                    <a16:rowId xmlns:a16="http://schemas.microsoft.com/office/drawing/2014/main" xmlns="" val="10006"/>
                   </a:ext>
                 </a:extLst>
               </a:tr>
@@ -35312,7 +35339,7 @@
                 </a:tc>
                 <a:extLst>
                   <a:ext uri="{0D108BD9-81ED-4DB2-BD59-A6C34878D82A}">
-                    <a16:rowId xmlns="" xmlns:a16="http://schemas.microsoft.com/office/drawing/2014/main" val="10007"/>
+                    <a16:rowId xmlns:a16="http://schemas.microsoft.com/office/drawing/2014/main" xmlns="" val="10007"/>
                   </a:ext>
                 </a:extLst>
               </a:tr>

--- a/인사프로그램-김세영.pptx
+++ b/인사프로그램-김세영.pptx
@@ -5,7 +5,7 @@
     <p:sldMasterId id="2147483648" r:id="rId1"/>
   </p:sldMasterIdLst>
   <p:notesMasterIdLst>
-    <p:notesMasterId r:id="rId42"/>
+    <p:notesMasterId r:id="rId49"/>
   </p:notesMasterIdLst>
   <p:sldIdLst>
     <p:sldId id="266" r:id="rId2"/>
@@ -24,22 +24,22 @@
     <p:sldId id="283" r:id="rId15"/>
     <p:sldId id="284" r:id="rId16"/>
     <p:sldId id="279" r:id="rId17"/>
-    <p:sldId id="301" r:id="rId18"/>
+    <p:sldId id="315" r:id="rId18"/>
     <p:sldId id="298" r:id="rId19"/>
     <p:sldId id="300" r:id="rId20"/>
     <p:sldId id="302" r:id="rId21"/>
     <p:sldId id="299" r:id="rId22"/>
     <p:sldId id="305" r:id="rId23"/>
     <p:sldId id="306" r:id="rId24"/>
-    <p:sldId id="307" r:id="rId25"/>
-    <p:sldId id="308" r:id="rId26"/>
-    <p:sldId id="309" r:id="rId27"/>
+    <p:sldId id="308" r:id="rId25"/>
+    <p:sldId id="309" r:id="rId26"/>
+    <p:sldId id="307" r:id="rId27"/>
     <p:sldId id="310" r:id="rId28"/>
-    <p:sldId id="303" r:id="rId29"/>
-    <p:sldId id="304" r:id="rId30"/>
-    <p:sldId id="311" r:id="rId31"/>
-    <p:sldId id="312" r:id="rId32"/>
-    <p:sldId id="313" r:id="rId33"/>
+    <p:sldId id="321" r:id="rId29"/>
+    <p:sldId id="317" r:id="rId30"/>
+    <p:sldId id="303" r:id="rId31"/>
+    <p:sldId id="319" r:id="rId32"/>
+    <p:sldId id="316" r:id="rId33"/>
     <p:sldId id="289" r:id="rId34"/>
     <p:sldId id="290" r:id="rId35"/>
     <p:sldId id="292" r:id="rId36"/>
@@ -48,6 +48,13 @@
     <p:sldId id="296" r:id="rId39"/>
     <p:sldId id="297" r:id="rId40"/>
     <p:sldId id="314" r:id="rId41"/>
+    <p:sldId id="318" r:id="rId42"/>
+    <p:sldId id="320" r:id="rId43"/>
+    <p:sldId id="304" r:id="rId44"/>
+    <p:sldId id="322" r:id="rId45"/>
+    <p:sldId id="311" r:id="rId46"/>
+    <p:sldId id="312" r:id="rId47"/>
+    <p:sldId id="313" r:id="rId48"/>
   </p:sldIdLst>
   <p:sldSz cx="9144000" cy="5143500" type="screen16x9"/>
   <p:notesSz cx="6858000" cy="9144000"/>
@@ -248,7 +255,7 @@
             <a:fld id="{488C8D26-0283-4E66-8FED-A2AD4128C26C}" type="datetimeFigureOut">
               <a:rPr lang="ko-KR" altLang="en-US" smtClean="0"/>
               <a:pPr/>
-              <a:t>2022-10-20</a:t>
+              <a:t>2022-10-21</a:t>
             </a:fld>
             <a:endParaRPr lang="ko-KR" altLang="en-US"/>
           </a:p>
@@ -652,23 +659,39 @@
           <a:p>
             <a:r>
               <a:rPr lang="ko-KR" altLang="en-US" dirty="0" smtClean="0"/>
-              <a:t>유효성 검사가 완료되면 </a:t>
+              <a:t>사원정보 삭제 </a:t>
+            </a:r>
+            <a:r>
+              <a:rPr lang="ko-KR" altLang="en-US" dirty="0" err="1" smtClean="0"/>
+              <a:t>메소드입니다</a:t>
             </a:r>
             <a:r>
               <a:rPr lang="en-US" altLang="ko-KR" dirty="0" smtClean="0"/>
-              <a:t>insert</a:t>
+              <a:t>. </a:t>
             </a:r>
             <a:r>
               <a:rPr lang="ko-KR" altLang="en-US" dirty="0" smtClean="0"/>
-              <a:t>문과 </a:t>
+              <a:t>관리자가 실수로 입력했을 경우로 가정하고 만들었기 때문에 사원정보와</a:t>
             </a:r>
             <a:r>
               <a:rPr lang="en-US" altLang="ko-KR" dirty="0" smtClean="0"/>
-              <a:t>update</a:t>
+              <a:t>,</a:t>
+            </a:r>
+            <a:r>
+              <a:rPr lang="en-US" altLang="ko-KR" baseline="0" dirty="0" smtClean="0"/>
+              <a:t> </a:t>
+            </a:r>
+            <a:r>
+              <a:rPr lang="ko-KR" altLang="en-US" dirty="0" err="1" smtClean="0"/>
+              <a:t>히스토리</a:t>
             </a:r>
             <a:r>
               <a:rPr lang="ko-KR" altLang="en-US" dirty="0" smtClean="0"/>
-              <a:t>문을 실행합니다</a:t>
+              <a:t> 데이터도 함께 삭제하도록 구성했습니다</a:t>
+            </a:r>
+            <a:r>
+              <a:rPr lang="en-US" altLang="ko-KR" dirty="0" smtClean="0"/>
+              <a:t>.</a:t>
             </a:r>
             <a:endParaRPr lang="ko-KR" altLang="en-US" dirty="0"/>
           </a:p>
@@ -701,7 +724,7 @@
     </p:spTree>
     <p:extLst>
       <p:ext uri="{BB962C8B-B14F-4D97-AF65-F5344CB8AC3E}">
-        <p14:creationId xmlns:p14="http://schemas.microsoft.com/office/powerpoint/2010/main" val="2163391732"/>
+        <p14:creationId xmlns:p14="http://schemas.microsoft.com/office/powerpoint/2010/main" val="2256915520"/>
       </p:ext>
     </p:extLst>
   </p:cSld>
@@ -882,7 +905,7 @@
             <a:fld id="{0217327B-F913-468E-89AE-6D76E5DDF623}" type="slidenum">
               <a:rPr lang="ko-KR" altLang="en-US" smtClean="0"/>
               <a:pPr/>
-              <a:t>28</a:t>
+              <a:t>30</a:t>
             </a:fld>
             <a:endParaRPr lang="ko-KR" altLang="en-US"/>
           </a:p>
@@ -947,73 +970,25 @@
           <a:p>
             <a:r>
               <a:rPr lang="ko-KR" altLang="en-US" dirty="0" smtClean="0"/>
-              <a:t>퇴사자 테이블은 직원번호에 </a:t>
+              <a:t>부서정보를 </a:t>
             </a:r>
             <a:r>
               <a:rPr lang="ko-KR" altLang="en-US" dirty="0" err="1" smtClean="0"/>
-              <a:t>외래키</a:t>
+              <a:t>검색할땐</a:t>
             </a:r>
             <a:r>
               <a:rPr lang="ko-KR" altLang="en-US" dirty="0" smtClean="0"/>
-              <a:t> 제약조건을 주었고 처리상태는 신청</a:t>
+              <a:t> </a:t>
             </a:r>
             <a:r>
               <a:rPr lang="en-US" altLang="ko-KR" dirty="0" smtClean="0"/>
-              <a:t>, </a:t>
+              <a:t>COUNT</a:t>
             </a:r>
             <a:r>
               <a:rPr lang="ko-KR" altLang="en-US" dirty="0" smtClean="0"/>
-              <a:t>승인</a:t>
-            </a:r>
-            <a:r>
-              <a:rPr lang="en-US" altLang="ko-KR" dirty="0" smtClean="0"/>
-              <a:t>,</a:t>
-            </a:r>
-            <a:r>
-              <a:rPr lang="ko-KR" altLang="en-US" dirty="0" smtClean="0"/>
-              <a:t>퇴사</a:t>
-            </a:r>
-            <a:r>
-              <a:rPr lang="en-US" altLang="ko-KR" dirty="0" smtClean="0"/>
-              <a:t>,</a:t>
-            </a:r>
-            <a:r>
-              <a:rPr lang="ko-KR" altLang="en-US" dirty="0" smtClean="0"/>
-              <a:t>취소만 가능하도록 </a:t>
-            </a:r>
-            <a:r>
-              <a:rPr lang="en-US" altLang="ko-KR" dirty="0" smtClean="0"/>
-              <a:t>check</a:t>
-            </a:r>
-            <a:r>
-              <a:rPr lang="ko-KR" altLang="en-US" baseline="0" dirty="0" smtClean="0"/>
-              <a:t> 조건을 넣었습니다</a:t>
-            </a:r>
-            <a:r>
-              <a:rPr lang="en-US" altLang="ko-KR" baseline="0" dirty="0" smtClean="0"/>
-              <a:t>. </a:t>
-            </a:r>
-            <a:r>
-              <a:rPr lang="ko-KR" altLang="en-US" baseline="0" dirty="0" smtClean="0"/>
-              <a:t>그리고 디폴트 조건으로 </a:t>
-            </a:r>
-            <a:r>
-              <a:rPr lang="en-US" altLang="ko-KR" baseline="0" dirty="0" smtClean="0"/>
-              <a:t>‘</a:t>
-            </a:r>
-            <a:r>
-              <a:rPr lang="ko-KR" altLang="en-US" baseline="0" dirty="0" smtClean="0"/>
-              <a:t>신청</a:t>
-            </a:r>
-            <a:r>
-              <a:rPr lang="en-US" altLang="ko-KR" baseline="0" dirty="0" smtClean="0"/>
-              <a:t>’</a:t>
-            </a:r>
-            <a:r>
-              <a:rPr lang="ko-KR" altLang="en-US" baseline="0" dirty="0" smtClean="0"/>
-              <a:t>을 넣었습니다</a:t>
-            </a:r>
-            <a:endParaRPr lang="en-US" altLang="ko-KR" baseline="0" dirty="0" smtClean="0"/>
+              <a:t>로 인원을 구한걸 가상테이블로 만들고 부서테이블과 조인해서 부서정보와 인원수를 동시에 출력할 수 있게 했습니다</a:t>
+            </a:r>
+            <a:endParaRPr lang="ko-KR" altLang="en-US" dirty="0"/>
           </a:p>
         </p:txBody>
       </p:sp>
@@ -1035,7 +1010,7 @@
             <a:fld id="{0217327B-F913-468E-89AE-6D76E5DDF623}" type="slidenum">
               <a:rPr lang="ko-KR" altLang="en-US" smtClean="0"/>
               <a:pPr/>
-              <a:t>33</a:t>
+              <a:t>31</a:t>
             </a:fld>
             <a:endParaRPr lang="ko-KR" altLang="en-US"/>
           </a:p>
@@ -1044,7 +1019,7 @@
     </p:spTree>
     <p:extLst>
       <p:ext uri="{BB962C8B-B14F-4D97-AF65-F5344CB8AC3E}">
-        <p14:creationId xmlns:p14="http://schemas.microsoft.com/office/powerpoint/2010/main" val="778871038"/>
+        <p14:creationId xmlns:p14="http://schemas.microsoft.com/office/powerpoint/2010/main" val="1953788656"/>
       </p:ext>
     </p:extLst>
   </p:cSld>
@@ -1100,7 +1075,15 @@
           <a:p>
             <a:r>
               <a:rPr lang="ko-KR" altLang="en-US" dirty="0" smtClean="0"/>
-              <a:t>근로자가 퇴사일</a:t>
+              <a:t>퇴사자 테이블은 직원번호에 </a:t>
+            </a:r>
+            <a:r>
+              <a:rPr lang="ko-KR" altLang="en-US" dirty="0" err="1" smtClean="0"/>
+              <a:t>외래키</a:t>
+            </a:r>
+            <a:r>
+              <a:rPr lang="ko-KR" altLang="en-US" dirty="0" smtClean="0"/>
+              <a:t> 제약조건을 주었고 처리상태는 신청</a:t>
             </a:r>
             <a:r>
               <a:rPr lang="en-US" altLang="ko-KR" dirty="0" smtClean="0"/>
@@ -1108,35 +1091,55 @@
             </a:r>
             <a:r>
               <a:rPr lang="ko-KR" altLang="en-US" dirty="0" smtClean="0"/>
-              <a:t>사유를 입력하면 본인 사원번호는 </a:t>
+              <a:t>승인</a:t>
             </a:r>
             <a:r>
               <a:rPr lang="en-US" altLang="ko-KR" dirty="0" smtClean="0"/>
-              <a:t>user </a:t>
+              <a:t>,</a:t>
             </a:r>
             <a:r>
               <a:rPr lang="ko-KR" altLang="en-US" dirty="0" smtClean="0"/>
-              <a:t>정보에서</a:t>
+              <a:t>퇴사</a:t>
             </a:r>
             <a:r>
               <a:rPr lang="en-US" altLang="ko-KR" dirty="0" smtClean="0"/>
-              <a:t>, </a:t>
+              <a:t>,</a:t>
             </a:r>
             <a:r>
               <a:rPr lang="ko-KR" altLang="en-US" dirty="0" smtClean="0"/>
-              <a:t>상태는 디폴트인 ‘신청’으로 </a:t>
+              <a:t>취소만 가능하도록 </a:t>
             </a:r>
             <a:r>
               <a:rPr lang="en-US" altLang="ko-KR" dirty="0" smtClean="0"/>
-              <a:t>insert </a:t>
-            </a:r>
-            <a:r>
-              <a:rPr lang="ko-KR" altLang="en-US" dirty="0" smtClean="0"/>
-              <a:t>됩니다</a:t>
-            </a:r>
-            <a:r>
-              <a:rPr lang="en-US" altLang="ko-KR" dirty="0" smtClean="0"/>
-              <a:t>.</a:t>
+              <a:t>check</a:t>
+            </a:r>
+            <a:r>
+              <a:rPr lang="ko-KR" altLang="en-US" baseline="0" dirty="0" smtClean="0"/>
+              <a:t> 조건을 넣었습니다</a:t>
+            </a:r>
+            <a:r>
+              <a:rPr lang="en-US" altLang="ko-KR" baseline="0" dirty="0" smtClean="0"/>
+              <a:t>. </a:t>
+            </a:r>
+            <a:r>
+              <a:rPr lang="ko-KR" altLang="en-US" baseline="0" dirty="0" smtClean="0"/>
+              <a:t>그리고 디폴트 조건으로 </a:t>
+            </a:r>
+            <a:r>
+              <a:rPr lang="en-US" altLang="ko-KR" baseline="0" dirty="0" smtClean="0"/>
+              <a:t>‘</a:t>
+            </a:r>
+            <a:r>
+              <a:rPr lang="ko-KR" altLang="en-US" baseline="0" dirty="0" smtClean="0"/>
+              <a:t>신청</a:t>
+            </a:r>
+            <a:r>
+              <a:rPr lang="en-US" altLang="ko-KR" baseline="0" dirty="0" smtClean="0"/>
+              <a:t>’</a:t>
+            </a:r>
+            <a:r>
+              <a:rPr lang="ko-KR" altLang="en-US" baseline="0" dirty="0" smtClean="0"/>
+              <a:t>을 넣었습니다</a:t>
             </a:r>
             <a:endParaRPr lang="en-US" altLang="ko-KR" baseline="0" dirty="0" smtClean="0"/>
           </a:p>
@@ -1160,7 +1163,7 @@
             <a:fld id="{0217327B-F913-468E-89AE-6D76E5DDF623}" type="slidenum">
               <a:rPr lang="ko-KR" altLang="en-US" smtClean="0"/>
               <a:pPr/>
-              <a:t>34</a:t>
+              <a:t>33</a:t>
             </a:fld>
             <a:endParaRPr lang="ko-KR" altLang="en-US"/>
           </a:p>
@@ -1169,7 +1172,7 @@
     </p:spTree>
     <p:extLst>
       <p:ext uri="{BB962C8B-B14F-4D97-AF65-F5344CB8AC3E}">
-        <p14:creationId xmlns:p14="http://schemas.microsoft.com/office/powerpoint/2010/main" val="3130104426"/>
+        <p14:creationId xmlns:p14="http://schemas.microsoft.com/office/powerpoint/2010/main" val="778871038"/>
       </p:ext>
     </p:extLst>
   </p:cSld>
@@ -1224,37 +1227,46 @@
           <a:lstStyle/>
           <a:p>
             <a:r>
-              <a:rPr lang="ko-KR" altLang="en-US" baseline="0" dirty="0" smtClean="0"/>
-              <a:t>관리자가 직원들의 퇴사정보를 입력하는 기능입니다</a:t>
-            </a:r>
-            <a:r>
-              <a:rPr lang="en-US" altLang="ko-KR" baseline="0" dirty="0" smtClean="0"/>
-              <a:t>. </a:t>
-            </a:r>
-            <a:r>
-              <a:rPr lang="ko-KR" altLang="en-US" baseline="0" dirty="0" smtClean="0"/>
-              <a:t>방금 </a:t>
-            </a:r>
-            <a:r>
-              <a:rPr lang="ko-KR" altLang="en-US" baseline="0" dirty="0" err="1" smtClean="0"/>
-              <a:t>메소드와</a:t>
-            </a:r>
-            <a:r>
-              <a:rPr lang="ko-KR" altLang="en-US" baseline="0" dirty="0" smtClean="0"/>
-              <a:t> </a:t>
-            </a:r>
-            <a:r>
-              <a:rPr lang="ko-KR" altLang="en-US" baseline="0" dirty="0" err="1" smtClean="0"/>
-              <a:t>다른점은</a:t>
-            </a:r>
-            <a:r>
-              <a:rPr lang="ko-KR" altLang="en-US" baseline="0" dirty="0" smtClean="0"/>
-              <a:t> 사원번호와 상태를 직접 입력한다는 점입니다</a:t>
-            </a:r>
-            <a:r>
-              <a:rPr lang="en-US" altLang="ko-KR" baseline="0" dirty="0" smtClean="0"/>
+              <a:rPr lang="ko-KR" altLang="en-US" dirty="0" smtClean="0"/>
+              <a:t>근로자가 퇴사일</a:t>
+            </a:r>
+            <a:r>
+              <a:rPr lang="en-US" altLang="ko-KR" dirty="0" smtClean="0"/>
+              <a:t>, </a:t>
+            </a:r>
+            <a:r>
+              <a:rPr lang="ko-KR" altLang="en-US" dirty="0" smtClean="0"/>
+              <a:t>사유를 입력하면 본인 사원번호는 </a:t>
+            </a:r>
+            <a:r>
+              <a:rPr lang="en-US" altLang="ko-KR" dirty="0" smtClean="0"/>
+              <a:t>user </a:t>
+            </a:r>
+            <a:r>
+              <a:rPr lang="ko-KR" altLang="en-US" dirty="0" smtClean="0"/>
+              <a:t>정보에서</a:t>
+            </a:r>
+            <a:r>
+              <a:rPr lang="en-US" altLang="ko-KR" dirty="0" smtClean="0"/>
+              <a:t>, </a:t>
+            </a:r>
+            <a:r>
+              <a:rPr lang="ko-KR" altLang="en-US" dirty="0" smtClean="0"/>
+              <a:t>상태는 디폴트인 ‘신청’으로 </a:t>
+            </a:r>
+            <a:r>
+              <a:rPr lang="en-US" altLang="ko-KR" dirty="0" smtClean="0"/>
+              <a:t>insert </a:t>
+            </a:r>
+            <a:r>
+              <a:rPr lang="ko-KR" altLang="en-US" dirty="0" smtClean="0"/>
+              <a:t>됩니다</a:t>
+            </a:r>
+            <a:r>
+              <a:rPr lang="en-US" altLang="ko-KR" dirty="0" smtClean="0"/>
               <a:t>.</a:t>
             </a:r>
+            <a:endParaRPr lang="en-US" altLang="ko-KR" baseline="0" dirty="0" smtClean="0"/>
           </a:p>
         </p:txBody>
       </p:sp>
@@ -1276,7 +1288,7 @@
             <a:fld id="{0217327B-F913-468E-89AE-6D76E5DDF623}" type="slidenum">
               <a:rPr lang="ko-KR" altLang="en-US" smtClean="0"/>
               <a:pPr/>
-              <a:t>35</a:t>
+              <a:t>34</a:t>
             </a:fld>
             <a:endParaRPr lang="ko-KR" altLang="en-US"/>
           </a:p>
@@ -1285,7 +1297,7 @@
     </p:spTree>
     <p:extLst>
       <p:ext uri="{BB962C8B-B14F-4D97-AF65-F5344CB8AC3E}">
-        <p14:creationId xmlns:p14="http://schemas.microsoft.com/office/powerpoint/2010/main" val="1714072619"/>
+        <p14:creationId xmlns:p14="http://schemas.microsoft.com/office/powerpoint/2010/main" val="3130104426"/>
       </p:ext>
     </p:extLst>
   </p:cSld>
@@ -1341,55 +1353,19 @@
           <a:p>
             <a:r>
               <a:rPr lang="ko-KR" altLang="en-US" baseline="0" dirty="0" smtClean="0"/>
-              <a:t>검색결과를 </a:t>
-            </a:r>
-            <a:r>
-              <a:rPr lang="en-US" altLang="ko-KR" baseline="0" dirty="0" err="1" smtClean="0"/>
-              <a:t>vo</a:t>
-            </a:r>
-            <a:r>
-              <a:rPr lang="en-US" altLang="ko-KR" baseline="0" dirty="0" smtClean="0"/>
-              <a:t> </a:t>
-            </a:r>
-            <a:r>
-              <a:rPr lang="ko-KR" altLang="en-US" baseline="0" dirty="0" smtClean="0"/>
-              <a:t>리스트로 저장하는 검색 </a:t>
-            </a:r>
-            <a:r>
-              <a:rPr lang="ko-KR" altLang="en-US" baseline="0" dirty="0" err="1" smtClean="0"/>
-              <a:t>메소드</a:t>
-            </a:r>
-            <a:r>
-              <a:rPr lang="ko-KR" altLang="en-US" baseline="0" dirty="0" smtClean="0"/>
-              <a:t> 입니다</a:t>
+              <a:t>관리자가 직원들의 퇴사정보를 입력하는 기능입니다</a:t>
             </a:r>
             <a:r>
               <a:rPr lang="en-US" altLang="ko-KR" baseline="0" dirty="0" smtClean="0"/>
               <a:t>. </a:t>
             </a:r>
             <a:r>
+              <a:rPr lang="ko-KR" altLang="en-US" baseline="0" dirty="0" smtClean="0"/>
+              <a:t>방금 </a:t>
+            </a:r>
+            <a:r>
               <a:rPr lang="ko-KR" altLang="en-US" baseline="0" dirty="0" err="1" smtClean="0"/>
-              <a:t>이름별</a:t>
-            </a:r>
-            <a:r>
-              <a:rPr lang="en-US" altLang="ko-KR" baseline="0" dirty="0" smtClean="0"/>
-              <a:t>, </a:t>
-            </a:r>
-            <a:r>
-              <a:rPr lang="ko-KR" altLang="en-US" baseline="0" dirty="0" smtClean="0"/>
-              <a:t>연도별</a:t>
-            </a:r>
-            <a:r>
-              <a:rPr lang="en-US" altLang="ko-KR" baseline="0" dirty="0" smtClean="0"/>
-              <a:t>, </a:t>
-            </a:r>
-            <a:r>
-              <a:rPr lang="ko-KR" altLang="en-US" baseline="0" dirty="0" smtClean="0"/>
-              <a:t>부서별 등 조건을 선택할 수 있고 여러 조건을 한번에 적용할 수도 있게 </a:t>
-            </a:r>
-            <a:r>
-              <a:rPr lang="ko-KR" altLang="en-US" baseline="0" dirty="0" err="1" smtClean="0"/>
-              <a:t>반복문으로</a:t>
+              <a:t>메소드와</a:t>
             </a:r>
             <a:r>
               <a:rPr lang="ko-KR" altLang="en-US" baseline="0" dirty="0" smtClean="0"/>
@@ -1397,11 +1373,11 @@
             </a:r>
             <a:r>
               <a:rPr lang="ko-KR" altLang="en-US" baseline="0" dirty="0" err="1" smtClean="0"/>
-              <a:t>여러가지를</a:t>
+              <a:t>다른점은</a:t>
             </a:r>
             <a:r>
               <a:rPr lang="ko-KR" altLang="en-US" baseline="0" dirty="0" smtClean="0"/>
-              <a:t> 선택할 수 있게 했습니다</a:t>
+              <a:t> 사원번호와 상태를 직접 입력한다는 점입니다</a:t>
             </a:r>
             <a:r>
               <a:rPr lang="en-US" altLang="ko-KR" baseline="0" dirty="0" smtClean="0"/>
@@ -1428,7 +1404,7 @@
             <a:fld id="{0217327B-F913-468E-89AE-6D76E5DDF623}" type="slidenum">
               <a:rPr lang="ko-KR" altLang="en-US" smtClean="0"/>
               <a:pPr/>
-              <a:t>36</a:t>
+              <a:t>35</a:t>
             </a:fld>
             <a:endParaRPr lang="ko-KR" altLang="en-US"/>
           </a:p>
@@ -1437,7 +1413,7 @@
     </p:spTree>
     <p:extLst>
       <p:ext uri="{BB962C8B-B14F-4D97-AF65-F5344CB8AC3E}">
-        <p14:creationId xmlns:p14="http://schemas.microsoft.com/office/powerpoint/2010/main" val="2034217958"/>
+        <p14:creationId xmlns:p14="http://schemas.microsoft.com/office/powerpoint/2010/main" val="1714072619"/>
       </p:ext>
     </p:extLst>
   </p:cSld>
@@ -1492,56 +1468,73 @@
           <a:lstStyle/>
           <a:p>
             <a:r>
+              <a:rPr lang="ko-KR" altLang="en-US" baseline="0" dirty="0" smtClean="0"/>
+              <a:t>검색결과를 </a:t>
+            </a:r>
+            <a:r>
+              <a:rPr lang="en-US" altLang="ko-KR" baseline="0" dirty="0" err="1" smtClean="0"/>
+              <a:t>vo</a:t>
+            </a:r>
+            <a:r>
               <a:rPr lang="en-US" altLang="ko-KR" baseline="0" dirty="0" smtClean="0"/>
-              <a:t>SQL</a:t>
+              <a:t> </a:t>
             </a:r>
             <a:r>
               <a:rPr lang="ko-KR" altLang="en-US" baseline="0" dirty="0" smtClean="0"/>
-              <a:t>문을 아예 </a:t>
+              <a:t>리스트로 저장하는 검색 </a:t>
+            </a:r>
+            <a:r>
+              <a:rPr lang="ko-KR" altLang="en-US" baseline="0" dirty="0" err="1" smtClean="0"/>
+              <a:t>메소드</a:t>
+            </a:r>
+            <a:r>
+              <a:rPr lang="ko-KR" altLang="en-US" baseline="0" dirty="0" smtClean="0"/>
+              <a:t> 입니다</a:t>
             </a:r>
             <a:r>
               <a:rPr lang="en-US" altLang="ko-KR" baseline="0" dirty="0" smtClean="0"/>
-              <a:t>VO</a:t>
+              <a:t>. </a:t>
+            </a:r>
+            <a:r>
+              <a:rPr lang="ko-KR" altLang="en-US" baseline="0" dirty="0" err="1" smtClean="0"/>
+              <a:t>이름별</a:t>
+            </a:r>
+            <a:r>
+              <a:rPr lang="en-US" altLang="ko-KR" baseline="0" dirty="0" smtClean="0"/>
+              <a:t>, </a:t>
             </a:r>
             <a:r>
               <a:rPr lang="ko-KR" altLang="en-US" baseline="0" dirty="0" smtClean="0"/>
-              <a:t>클래스의 </a:t>
+              <a:t>연도별</a:t>
             </a:r>
             <a:r>
               <a:rPr lang="en-US" altLang="ko-KR" baseline="0" dirty="0" smtClean="0"/>
-              <a:t>search line</a:t>
+              <a:t>, </a:t>
             </a:r>
             <a:r>
               <a:rPr lang="ko-KR" altLang="en-US" baseline="0" dirty="0" smtClean="0"/>
-              <a:t>이라는 변수로 만들어버렸고요 검색조건이 </a:t>
+              <a:t>부서별 등 조건을 선택할 수 있고 여러 조건을 한번에 적용할 수도 있게 </a:t>
             </a:r>
             <a:r>
               <a:rPr lang="ko-KR" altLang="en-US" baseline="0" dirty="0" err="1" smtClean="0"/>
-              <a:t>추가될때</a:t>
+              <a:t>반복문으로</a:t>
             </a:r>
             <a:r>
               <a:rPr lang="ko-KR" altLang="en-US" baseline="0" dirty="0" smtClean="0"/>
-              <a:t> 실행되는 </a:t>
-            </a:r>
-            <a:r>
-              <a:rPr lang="en-US" altLang="ko-KR" baseline="0" dirty="0" smtClean="0"/>
-              <a:t>set</a:t>
+              <a:t> </a:t>
             </a:r>
             <a:r>
               <a:rPr lang="ko-KR" altLang="en-US" baseline="0" dirty="0" err="1" smtClean="0"/>
-              <a:t>메소드에</a:t>
+              <a:t>여러가지를</a:t>
             </a:r>
             <a:r>
               <a:rPr lang="ko-KR" altLang="en-US" baseline="0" dirty="0" smtClean="0"/>
-              <a:t> 해당검색을 위해 필요한 구문이 추가되는 명령을 추가했습니다</a:t>
+              <a:t> 선택할 수 있게 했습니다</a:t>
             </a:r>
             <a:r>
               <a:rPr lang="en-US" altLang="ko-KR" baseline="0" dirty="0" smtClean="0"/>
               <a:t>.</a:t>
             </a:r>
-          </a:p>
-          <a:p>
-            <a:endParaRPr lang="en-US" altLang="ko-KR" baseline="0" dirty="0" smtClean="0"/>
           </a:p>
         </p:txBody>
       </p:sp>
@@ -1563,7 +1556,7 @@
             <a:fld id="{0217327B-F913-468E-89AE-6D76E5DDF623}" type="slidenum">
               <a:rPr lang="ko-KR" altLang="en-US" smtClean="0"/>
               <a:pPr/>
-              <a:t>37</a:t>
+              <a:t>36</a:t>
             </a:fld>
             <a:endParaRPr lang="ko-KR" altLang="en-US"/>
           </a:p>
@@ -1572,7 +1565,7 @@
     </p:spTree>
     <p:extLst>
       <p:ext uri="{BB962C8B-B14F-4D97-AF65-F5344CB8AC3E}">
-        <p14:creationId xmlns:p14="http://schemas.microsoft.com/office/powerpoint/2010/main" val="2388128179"/>
+        <p14:creationId xmlns:p14="http://schemas.microsoft.com/office/powerpoint/2010/main" val="2034217958"/>
       </p:ext>
     </p:extLst>
   </p:cSld>
@@ -1627,8 +1620,48 @@
           <a:lstStyle/>
           <a:p>
             <a:r>
+              <a:rPr lang="en-US" altLang="ko-KR" baseline="0" dirty="0" smtClean="0"/>
+              <a:t>SQL</a:t>
+            </a:r>
+            <a:r>
               <a:rPr lang="ko-KR" altLang="en-US" baseline="0" dirty="0" smtClean="0"/>
-              <a:t>각 요소에 순서를 부여하기 위해 필터카운트와 요소 별 넘버링 변수를 만들었습니다</a:t>
+              <a:t>문을 아예 </a:t>
+            </a:r>
+            <a:r>
+              <a:rPr lang="en-US" altLang="ko-KR" baseline="0" dirty="0" smtClean="0"/>
+              <a:t>VO</a:t>
+            </a:r>
+            <a:r>
+              <a:rPr lang="ko-KR" altLang="en-US" baseline="0" dirty="0" smtClean="0"/>
+              <a:t>클래스의 </a:t>
+            </a:r>
+            <a:r>
+              <a:rPr lang="en-US" altLang="ko-KR" baseline="0" dirty="0" smtClean="0"/>
+              <a:t>search line</a:t>
+            </a:r>
+            <a:r>
+              <a:rPr lang="ko-KR" altLang="en-US" baseline="0" dirty="0" smtClean="0"/>
+              <a:t>이라는 변수로 만들어버렸고요 검색조건이 </a:t>
+            </a:r>
+            <a:r>
+              <a:rPr lang="ko-KR" altLang="en-US" baseline="0" dirty="0" err="1" smtClean="0"/>
+              <a:t>추가될때</a:t>
+            </a:r>
+            <a:r>
+              <a:rPr lang="ko-KR" altLang="en-US" baseline="0" dirty="0" smtClean="0"/>
+              <a:t> 실행되는 </a:t>
+            </a:r>
+            <a:r>
+              <a:rPr lang="en-US" altLang="ko-KR" baseline="0" dirty="0" smtClean="0"/>
+              <a:t>set</a:t>
+            </a:r>
+            <a:r>
+              <a:rPr lang="ko-KR" altLang="en-US" baseline="0" dirty="0" err="1" smtClean="0"/>
+              <a:t>메소드에</a:t>
+            </a:r>
+            <a:r>
+              <a:rPr lang="ko-KR" altLang="en-US" baseline="0" dirty="0" smtClean="0"/>
+              <a:t> 해당검색을 위해 필요한 구문이 추가되는 명령을 추가했습니다</a:t>
             </a:r>
             <a:r>
               <a:rPr lang="en-US" altLang="ko-KR" baseline="0" dirty="0" smtClean="0"/>
@@ -1636,96 +1669,7 @@
             </a:r>
           </a:p>
           <a:p>
-            <a:r>
-              <a:rPr lang="ko-KR" altLang="en-US" baseline="0" dirty="0" err="1" smtClean="0"/>
-              <a:t>첫번째</a:t>
-            </a:r>
-            <a:r>
-              <a:rPr lang="ko-KR" altLang="en-US" baseline="0" dirty="0" smtClean="0"/>
-              <a:t> 조건의 넘버링은 </a:t>
-            </a:r>
-            <a:r>
-              <a:rPr lang="en-US" altLang="ko-KR" baseline="0" dirty="0" smtClean="0"/>
-              <a:t>1</a:t>
-            </a:r>
-            <a:r>
-              <a:rPr lang="ko-KR" altLang="en-US" baseline="0" dirty="0" smtClean="0"/>
-              <a:t>이 되겠고 또 다른 조건을 입력하면 필터카운트에서 늘어나서 </a:t>
-            </a:r>
-            <a:r>
-              <a:rPr lang="en-US" altLang="ko-KR" baseline="0" dirty="0" smtClean="0"/>
-              <a:t>2</a:t>
-            </a:r>
-            <a:r>
-              <a:rPr lang="ko-KR" altLang="en-US" baseline="0" dirty="0" smtClean="0"/>
-              <a:t>로 저장됩니다 </a:t>
-            </a:r>
-            <a:r>
-              <a:rPr lang="en-US" altLang="ko-KR" baseline="0" dirty="0" smtClean="0"/>
-              <a:t>(</a:t>
-            </a:r>
-            <a:r>
-              <a:rPr lang="ko-KR" altLang="en-US" baseline="0" dirty="0" smtClean="0"/>
-              <a:t>클릭</a:t>
-            </a:r>
-            <a:r>
-              <a:rPr lang="en-US" altLang="ko-KR" baseline="0" dirty="0" smtClean="0"/>
-              <a:t>1)</a:t>
-            </a:r>
-          </a:p>
-          <a:p>
-            <a:r>
-              <a:rPr lang="en-US" altLang="ko-KR" baseline="0" dirty="0" smtClean="0"/>
-              <a:t>Prepared statement</a:t>
-            </a:r>
-            <a:r>
-              <a:rPr lang="ko-KR" altLang="en-US" baseline="0" dirty="0" smtClean="0"/>
-              <a:t>에 조건을 </a:t>
-            </a:r>
-            <a:r>
-              <a:rPr lang="ko-KR" altLang="en-US" baseline="0" dirty="0" err="1" smtClean="0"/>
-              <a:t>입력할때는</a:t>
-            </a:r>
-            <a:r>
-              <a:rPr lang="ko-KR" altLang="en-US" baseline="0" dirty="0" smtClean="0"/>
-              <a:t> </a:t>
-            </a:r>
-            <a:r>
-              <a:rPr lang="en-US" altLang="ko-KR" baseline="0" dirty="0" smtClean="0"/>
-              <a:t>(</a:t>
-            </a:r>
-            <a:r>
-              <a:rPr lang="ko-KR" altLang="en-US" baseline="0" dirty="0" smtClean="0"/>
-              <a:t>클릭</a:t>
-            </a:r>
-            <a:r>
-              <a:rPr lang="en-US" altLang="ko-KR" baseline="0" dirty="0" smtClean="0"/>
-              <a:t>2) </a:t>
-            </a:r>
-            <a:r>
-              <a:rPr lang="ko-KR" altLang="en-US" baseline="0" dirty="0" smtClean="0"/>
-              <a:t>넘버링이 </a:t>
-            </a:r>
-            <a:r>
-              <a:rPr lang="en-US" altLang="ko-KR" baseline="0" dirty="0" smtClean="0"/>
-              <a:t>0 </a:t>
-            </a:r>
-            <a:r>
-              <a:rPr lang="ko-KR" altLang="en-US" baseline="0" dirty="0" smtClean="0"/>
-              <a:t>이 아니면 입력되는 조건으로 사용하고</a:t>
-            </a:r>
-            <a:r>
-              <a:rPr lang="en-US" altLang="ko-KR" baseline="0" dirty="0" smtClean="0"/>
-              <a:t>, </a:t>
-            </a:r>
-            <a:r>
-              <a:rPr lang="ko-KR" altLang="en-US" baseline="0" dirty="0" smtClean="0"/>
-              <a:t>물음표의 순서로도 사용됩니다</a:t>
-            </a:r>
-            <a:r>
-              <a:rPr lang="en-US" altLang="ko-KR" baseline="0" dirty="0" smtClean="0"/>
-              <a:t>. </a:t>
-            </a:r>
+            <a:endParaRPr lang="en-US" altLang="ko-KR" baseline="0" dirty="0" smtClean="0"/>
           </a:p>
         </p:txBody>
       </p:sp>
@@ -1747,7 +1691,7 @@
             <a:fld id="{0217327B-F913-468E-89AE-6D76E5DDF623}" type="slidenum">
               <a:rPr lang="ko-KR" altLang="en-US" smtClean="0"/>
               <a:pPr/>
-              <a:t>38</a:t>
+              <a:t>37</a:t>
             </a:fld>
             <a:endParaRPr lang="ko-KR" altLang="en-US"/>
           </a:p>
@@ -1756,7 +1700,7 @@
     </p:spTree>
     <p:extLst>
       <p:ext uri="{BB962C8B-B14F-4D97-AF65-F5344CB8AC3E}">
-        <p14:creationId xmlns:p14="http://schemas.microsoft.com/office/powerpoint/2010/main" val="2488888731"/>
+        <p14:creationId xmlns:p14="http://schemas.microsoft.com/office/powerpoint/2010/main" val="2388128179"/>
       </p:ext>
     </p:extLst>
   </p:cSld>
@@ -1812,17 +1756,104 @@
           <a:p>
             <a:r>
               <a:rPr lang="ko-KR" altLang="en-US" baseline="0" dirty="0" smtClean="0"/>
-              <a:t>검색된 값으로 </a:t>
-            </a:r>
+              <a:t>각 요소에 순서를 부여하기 위해 필터카운트와 요소 별 넘버링 변수를 만들었습니다</a:t>
+            </a:r>
+            <a:r>
+              <a:rPr lang="en-US" altLang="ko-KR" baseline="0" dirty="0" smtClean="0"/>
+              <a:t>.</a:t>
+            </a:r>
+          </a:p>
+          <a:p>
             <a:r>
               <a:rPr lang="ko-KR" altLang="en-US" baseline="0" dirty="0" err="1" smtClean="0"/>
-              <a:t>인스턴스를</a:t>
+              <a:t>첫번째</a:t>
             </a:r>
             <a:r>
               <a:rPr lang="ko-KR" altLang="en-US" baseline="0" dirty="0" smtClean="0"/>
-              <a:t> 만들어서 리스트에 저장하고 출력합니다</a:t>
-            </a:r>
-            <a:endParaRPr lang="en-US" altLang="ko-KR" baseline="0" dirty="0" smtClean="0"/>
+              <a:t> 조건의 넘버링은 </a:t>
+            </a:r>
+            <a:r>
+              <a:rPr lang="en-US" altLang="ko-KR" baseline="0" dirty="0" smtClean="0"/>
+              <a:t>1</a:t>
+            </a:r>
+            <a:r>
+              <a:rPr lang="ko-KR" altLang="en-US" baseline="0" dirty="0" smtClean="0"/>
+              <a:t>이 되겠고 또 다른 조건을 입력하면 필터카운트에서 늘어나서 </a:t>
+            </a:r>
+            <a:r>
+              <a:rPr lang="en-US" altLang="ko-KR" baseline="0" dirty="0" smtClean="0"/>
+              <a:t>2</a:t>
+            </a:r>
+            <a:r>
+              <a:rPr lang="ko-KR" altLang="en-US" baseline="0" dirty="0" smtClean="0"/>
+              <a:t>로 저장됩니다 </a:t>
+            </a:r>
+            <a:r>
+              <a:rPr lang="en-US" altLang="ko-KR" baseline="0" dirty="0" smtClean="0"/>
+              <a:t>(</a:t>
+            </a:r>
+            <a:r>
+              <a:rPr lang="ko-KR" altLang="en-US" baseline="0" dirty="0" smtClean="0"/>
+              <a:t>클릭</a:t>
+            </a:r>
+            <a:r>
+              <a:rPr lang="en-US" altLang="ko-KR" baseline="0" dirty="0" smtClean="0"/>
+              <a:t>1)</a:t>
+            </a:r>
+          </a:p>
+          <a:p>
+            <a:r>
+              <a:rPr lang="en-US" altLang="ko-KR" baseline="0" dirty="0" smtClean="0"/>
+              <a:t>Prepared statement</a:t>
+            </a:r>
+            <a:r>
+              <a:rPr lang="ko-KR" altLang="en-US" baseline="0" dirty="0" smtClean="0"/>
+              <a:t>에 조건을 </a:t>
+            </a:r>
+            <a:r>
+              <a:rPr lang="ko-KR" altLang="en-US" baseline="0" dirty="0" err="1" smtClean="0"/>
+              <a:t>입력할때는</a:t>
+            </a:r>
+            <a:r>
+              <a:rPr lang="ko-KR" altLang="en-US" baseline="0" dirty="0" smtClean="0"/>
+              <a:t> </a:t>
+            </a:r>
+            <a:r>
+              <a:rPr lang="en-US" altLang="ko-KR" baseline="0" dirty="0" smtClean="0"/>
+              <a:t>(</a:t>
+            </a:r>
+            <a:r>
+              <a:rPr lang="ko-KR" altLang="en-US" baseline="0" dirty="0" smtClean="0"/>
+              <a:t>클릭</a:t>
+            </a:r>
+            <a:r>
+              <a:rPr lang="en-US" altLang="ko-KR" baseline="0" dirty="0" smtClean="0"/>
+              <a:t>2) </a:t>
+            </a:r>
+            <a:r>
+              <a:rPr lang="ko-KR" altLang="en-US" baseline="0" dirty="0" smtClean="0"/>
+              <a:t>넘버링이 </a:t>
+            </a:r>
+            <a:r>
+              <a:rPr lang="en-US" altLang="ko-KR" baseline="0" dirty="0" smtClean="0"/>
+              <a:t>0 </a:t>
+            </a:r>
+            <a:r>
+              <a:rPr lang="ko-KR" altLang="en-US" baseline="0" dirty="0" smtClean="0"/>
+              <a:t>이 아니면 입력되는 조건으로 사용하고</a:t>
+            </a:r>
+            <a:r>
+              <a:rPr lang="en-US" altLang="ko-KR" baseline="0" dirty="0" smtClean="0"/>
+              <a:t>, </a:t>
+            </a:r>
+            <a:r>
+              <a:rPr lang="ko-KR" altLang="en-US" baseline="0" dirty="0" smtClean="0"/>
+              <a:t>물음표의 순서로도 사용됩니다</a:t>
+            </a:r>
+            <a:r>
+              <a:rPr lang="en-US" altLang="ko-KR" baseline="0" dirty="0" smtClean="0"/>
+              <a:t>. </a:t>
+            </a:r>
           </a:p>
         </p:txBody>
       </p:sp>
@@ -1844,7 +1875,7 @@
             <a:fld id="{0217327B-F913-468E-89AE-6D76E5DDF623}" type="slidenum">
               <a:rPr lang="ko-KR" altLang="en-US" smtClean="0"/>
               <a:pPr/>
-              <a:t>39</a:t>
+              <a:t>38</a:t>
             </a:fld>
             <a:endParaRPr lang="ko-KR" altLang="en-US"/>
           </a:p>
@@ -1853,7 +1884,7 @@
     </p:spTree>
     <p:extLst>
       <p:ext uri="{BB962C8B-B14F-4D97-AF65-F5344CB8AC3E}">
-        <p14:creationId xmlns:p14="http://schemas.microsoft.com/office/powerpoint/2010/main" val="2690648969"/>
+        <p14:creationId xmlns:p14="http://schemas.microsoft.com/office/powerpoint/2010/main" val="2488888731"/>
       </p:ext>
     </p:extLst>
   </p:cSld>
@@ -2002,6 +2033,103 @@
           <a:p>
             <a:r>
               <a:rPr lang="ko-KR" altLang="en-US" baseline="0" dirty="0" smtClean="0"/>
+              <a:t>검색된 값으로 </a:t>
+            </a:r>
+            <a:r>
+              <a:rPr lang="ko-KR" altLang="en-US" baseline="0" dirty="0" err="1" smtClean="0"/>
+              <a:t>인스턴스를</a:t>
+            </a:r>
+            <a:r>
+              <a:rPr lang="ko-KR" altLang="en-US" baseline="0" dirty="0" smtClean="0"/>
+              <a:t> 만들어서 리스트에 저장하고 출력합니다</a:t>
+            </a:r>
+            <a:endParaRPr lang="en-US" altLang="ko-KR" baseline="0" dirty="0" smtClean="0"/>
+          </a:p>
+        </p:txBody>
+      </p:sp>
+      <p:sp>
+        <p:nvSpPr>
+          <p:cNvPr id="4" name="슬라이드 번호 개체 틀 3"/>
+          <p:cNvSpPr>
+            <a:spLocks noGrp="1"/>
+          </p:cNvSpPr>
+          <p:nvPr>
+            <p:ph type="sldNum" sz="quarter" idx="10"/>
+          </p:nvPr>
+        </p:nvSpPr>
+        <p:spPr/>
+        <p:txBody>
+          <a:bodyPr/>
+          <a:lstStyle/>
+          <a:p>
+            <a:fld id="{0217327B-F913-468E-89AE-6D76E5DDF623}" type="slidenum">
+              <a:rPr lang="ko-KR" altLang="en-US" smtClean="0"/>
+              <a:pPr/>
+              <a:t>39</a:t>
+            </a:fld>
+            <a:endParaRPr lang="ko-KR" altLang="en-US"/>
+          </a:p>
+        </p:txBody>
+      </p:sp>
+    </p:spTree>
+    <p:extLst>
+      <p:ext uri="{BB962C8B-B14F-4D97-AF65-F5344CB8AC3E}">
+        <p14:creationId xmlns:p14="http://schemas.microsoft.com/office/powerpoint/2010/main" val="2690648969"/>
+      </p:ext>
+    </p:extLst>
+  </p:cSld>
+  <p:clrMapOvr>
+    <a:masterClrMapping/>
+  </p:clrMapOvr>
+</p:notes>
+</file>
+
+<file path=ppt/notesSlides/notesSlide21.xml><?xml version="1.0" encoding="utf-8"?>
+<p:notes xmlns:a="http://schemas.openxmlformats.org/drawingml/2006/main" xmlns:r="http://schemas.openxmlformats.org/officeDocument/2006/relationships" xmlns:p="http://schemas.openxmlformats.org/presentationml/2006/main">
+  <p:cSld>
+    <p:spTree>
+      <p:nvGrpSpPr>
+        <p:cNvPr id="1" name=""/>
+        <p:cNvGrpSpPr/>
+        <p:nvPr/>
+      </p:nvGrpSpPr>
+      <p:grpSpPr>
+        <a:xfrm>
+          <a:off x="0" y="0"/>
+          <a:ext cx="0" cy="0"/>
+          <a:chOff x="0" y="0"/>
+          <a:chExt cx="0" cy="0"/>
+        </a:xfrm>
+      </p:grpSpPr>
+      <p:sp>
+        <p:nvSpPr>
+          <p:cNvPr id="2" name="슬라이드 이미지 개체 틀 1"/>
+          <p:cNvSpPr>
+            <a:spLocks noGrp="1" noRot="1" noChangeAspect="1"/>
+          </p:cNvSpPr>
+          <p:nvPr>
+            <p:ph type="sldImg"/>
+          </p:nvPr>
+        </p:nvSpPr>
+        <p:spPr/>
+      </p:sp>
+      <p:sp>
+        <p:nvSpPr>
+          <p:cNvPr id="3" name="슬라이드 노트 개체 틀 2"/>
+          <p:cNvSpPr>
+            <a:spLocks noGrp="1"/>
+          </p:cNvSpPr>
+          <p:nvPr>
+            <p:ph type="body" idx="1"/>
+          </p:nvPr>
+        </p:nvSpPr>
+        <p:spPr/>
+        <p:txBody>
+          <a:bodyPr/>
+          <a:lstStyle/>
+          <a:p>
+            <a:r>
+              <a:rPr lang="ko-KR" altLang="en-US" baseline="0" dirty="0" smtClean="0"/>
               <a:t>퇴사를 신청 한 이후 관리자가 승인</a:t>
             </a:r>
             <a:r>
@@ -2052,6 +2180,143 @@
     <p:extLst>
       <p:ext uri="{BB962C8B-B14F-4D97-AF65-F5344CB8AC3E}">
         <p14:creationId xmlns:p14="http://schemas.microsoft.com/office/powerpoint/2010/main" val="82852808"/>
+      </p:ext>
+    </p:extLst>
+  </p:cSld>
+  <p:clrMapOvr>
+    <a:masterClrMapping/>
+  </p:clrMapOvr>
+</p:notes>
+</file>
+
+<file path=ppt/notesSlides/notesSlide22.xml><?xml version="1.0" encoding="utf-8"?>
+<p:notes xmlns:a="http://schemas.openxmlformats.org/drawingml/2006/main" xmlns:r="http://schemas.openxmlformats.org/officeDocument/2006/relationships" xmlns:p="http://schemas.openxmlformats.org/presentationml/2006/main">
+  <p:cSld>
+    <p:spTree>
+      <p:nvGrpSpPr>
+        <p:cNvPr id="1" name=""/>
+        <p:cNvGrpSpPr/>
+        <p:nvPr/>
+      </p:nvGrpSpPr>
+      <p:grpSpPr>
+        <a:xfrm>
+          <a:off x="0" y="0"/>
+          <a:ext cx="0" cy="0"/>
+          <a:chOff x="0" y="0"/>
+          <a:chExt cx="0" cy="0"/>
+        </a:xfrm>
+      </p:grpSpPr>
+      <p:sp>
+        <p:nvSpPr>
+          <p:cNvPr id="2" name="슬라이드 이미지 개체 틀 1"/>
+          <p:cNvSpPr>
+            <a:spLocks noGrp="1" noRot="1" noChangeAspect="1"/>
+          </p:cNvSpPr>
+          <p:nvPr>
+            <p:ph type="sldImg"/>
+          </p:nvPr>
+        </p:nvSpPr>
+        <p:spPr/>
+      </p:sp>
+      <p:sp>
+        <p:nvSpPr>
+          <p:cNvPr id="3" name="슬라이드 노트 개체 틀 2"/>
+          <p:cNvSpPr>
+            <a:spLocks noGrp="1"/>
+          </p:cNvSpPr>
+          <p:nvPr>
+            <p:ph type="body" idx="1"/>
+          </p:nvPr>
+        </p:nvSpPr>
+        <p:spPr/>
+        <p:txBody>
+          <a:bodyPr/>
+          <a:lstStyle/>
+          <a:p>
+            <a:r>
+              <a:rPr lang="ko-KR" altLang="en-US" dirty="0" smtClean="0"/>
+              <a:t>급여는 그룹함수로 업데이트 날짜가 가장 큰 </a:t>
+            </a:r>
+            <a:r>
+              <a:rPr lang="ko-KR" altLang="en-US" dirty="0" err="1" smtClean="0"/>
+              <a:t>히스토리</a:t>
+            </a:r>
+            <a:r>
+              <a:rPr lang="ko-KR" altLang="en-US" dirty="0" smtClean="0"/>
+              <a:t> 테이블에서 불러왔는데</a:t>
+            </a:r>
+            <a:r>
+              <a:rPr lang="en-US" altLang="ko-KR" dirty="0" smtClean="0"/>
+              <a:t>, </a:t>
+            </a:r>
+            <a:r>
+              <a:rPr lang="ko-KR" altLang="en-US" dirty="0" err="1" smtClean="0"/>
+              <a:t>히스토리</a:t>
+            </a:r>
+            <a:r>
+              <a:rPr lang="ko-KR" altLang="en-US" dirty="0" smtClean="0"/>
+              <a:t> 테이블엔 퇴사정보가 없어서 퇴사자가 포함되는 이슈가 발생했습니다</a:t>
+            </a:r>
+            <a:r>
+              <a:rPr lang="en-US" altLang="ko-KR" dirty="0" smtClean="0"/>
+              <a:t>. </a:t>
+            </a:r>
+            <a:r>
+              <a:rPr lang="ko-KR" altLang="en-US" dirty="0" smtClean="0"/>
+              <a:t>서브쿼리로 </a:t>
+            </a:r>
+            <a:r>
+              <a:rPr lang="ko-KR" altLang="en-US" dirty="0" err="1" smtClean="0"/>
+              <a:t>퇴사자를</a:t>
+            </a:r>
+            <a:r>
+              <a:rPr lang="ko-KR" altLang="en-US" dirty="0" smtClean="0"/>
+              <a:t> 제거하는 방식으로 </a:t>
+            </a:r>
+            <a:r>
+              <a:rPr lang="en-US" altLang="ko-KR" dirty="0" err="1" smtClean="0"/>
+              <a:t>sql</a:t>
+            </a:r>
+            <a:r>
+              <a:rPr lang="ko-KR" altLang="en-US" dirty="0" smtClean="0"/>
+              <a:t>을 짰습니다</a:t>
+            </a:r>
+            <a:r>
+              <a:rPr lang="en-US" altLang="ko-KR" dirty="0" smtClean="0"/>
+              <a:t>.</a:t>
+            </a:r>
+            <a:endParaRPr lang="ko-KR" altLang="en-US" dirty="0"/>
+          </a:p>
+        </p:txBody>
+      </p:sp>
+      <p:sp>
+        <p:nvSpPr>
+          <p:cNvPr id="4" name="슬라이드 번호 개체 틀 3"/>
+          <p:cNvSpPr>
+            <a:spLocks noGrp="1"/>
+          </p:cNvSpPr>
+          <p:nvPr>
+            <p:ph type="sldNum" sz="quarter" idx="10"/>
+          </p:nvPr>
+        </p:nvSpPr>
+        <p:spPr/>
+        <p:txBody>
+          <a:bodyPr/>
+          <a:lstStyle/>
+          <a:p>
+            <a:fld id="{0217327B-F913-468E-89AE-6D76E5DDF623}" type="slidenum">
+              <a:rPr lang="ko-KR" altLang="en-US" smtClean="0"/>
+              <a:pPr/>
+              <a:t>43</a:t>
+            </a:fld>
+            <a:endParaRPr lang="ko-KR" altLang="en-US"/>
+          </a:p>
+        </p:txBody>
+      </p:sp>
+    </p:spTree>
+    <p:extLst>
+      <p:ext uri="{BB962C8B-B14F-4D97-AF65-F5344CB8AC3E}">
+        <p14:creationId xmlns:p14="http://schemas.microsoft.com/office/powerpoint/2010/main" val="3542368996"/>
       </p:ext>
     </p:extLst>
   </p:cSld>
@@ -2232,7 +2497,11 @@
             </a:r>
             <a:r>
               <a:rPr lang="ko-KR" altLang="en-US" dirty="0" smtClean="0"/>
-              <a:t> 현재 연도</a:t>
+              <a:t> </a:t>
+            </a:r>
+            <a:r>
+              <a:rPr lang="ko-KR" altLang="en-US" dirty="0" smtClean="0"/>
+              <a:t>자바에서 구한 연도</a:t>
             </a:r>
             <a:r>
               <a:rPr lang="en-US" altLang="ko-KR" dirty="0" smtClean="0"/>
@@ -2357,7 +2626,11 @@
           <a:p>
             <a:r>
               <a:rPr lang="ko-KR" altLang="en-US" dirty="0" smtClean="0"/>
-              <a:t>부서이름을 입력하고 유효성을 확인 한 후</a:t>
+              <a:t>부서이름을 입력하고 유효성을 확인 한 </a:t>
+            </a:r>
+            <a:r>
+              <a:rPr lang="ko-KR" altLang="en-US" dirty="0" smtClean="0"/>
+              <a:t>후 부서번호를 구해</a:t>
             </a:r>
             <a:r>
               <a:rPr lang="en-US" altLang="ko-KR" dirty="0" smtClean="0"/>
@@ -2365,15 +2638,23 @@
             </a:r>
             <a:r>
               <a:rPr lang="ko-KR" altLang="en-US" dirty="0" smtClean="0"/>
-              <a:t> 사원정보와 </a:t>
+              <a:t> </a:t>
+            </a:r>
+            <a:r>
+              <a:rPr lang="ko-KR" altLang="en-US" dirty="0" smtClean="0"/>
+              <a:t>사원정보와 </a:t>
             </a:r>
             <a:r>
               <a:rPr lang="ko-KR" altLang="en-US" dirty="0" err="1" smtClean="0"/>
-              <a:t>히스토리가</a:t>
+              <a:t>히스토리에</a:t>
             </a:r>
             <a:r>
               <a:rPr lang="ko-KR" altLang="en-US" dirty="0" smtClean="0"/>
-              <a:t> 등록되게 했습니다</a:t>
+              <a:t> </a:t>
+            </a:r>
+            <a:r>
+              <a:rPr lang="ko-KR" altLang="en-US" dirty="0" smtClean="0"/>
+              <a:t>등록되게 했습니다</a:t>
             </a:r>
             <a:r>
               <a:rPr lang="en-US" altLang="ko-KR" dirty="0" smtClean="0"/>
@@ -2704,39 +2985,83 @@
           <a:p>
             <a:r>
               <a:rPr lang="ko-KR" altLang="en-US" dirty="0" smtClean="0"/>
-              <a:t>사원정보 삭제 </a:t>
+              <a:t>부서나 직급을 </a:t>
             </a:r>
             <a:r>
               <a:rPr lang="ko-KR" altLang="en-US" dirty="0" err="1" smtClean="0"/>
-              <a:t>메소드입니다</a:t>
+              <a:t>변경할때는</a:t>
+            </a:r>
+            <a:r>
+              <a:rPr lang="ko-KR" altLang="en-US" dirty="0" smtClean="0"/>
+              <a:t> </a:t>
             </a:r>
             <a:r>
               <a:rPr lang="en-US" altLang="ko-KR" dirty="0" smtClean="0"/>
-              <a:t>. </a:t>
+              <a:t>history</a:t>
             </a:r>
             <a:r>
               <a:rPr lang="ko-KR" altLang="en-US" dirty="0" smtClean="0"/>
-              <a:t>관리자가 실수로 입력했을 경우로 가정하고 만들었기 때문에 사원정보와</a:t>
-            </a:r>
-            <a:r>
-              <a:rPr lang="en-US" altLang="ko-KR" dirty="0" smtClean="0"/>
-              <a:t>,</a:t>
-            </a:r>
-            <a:r>
-              <a:rPr lang="en-US" altLang="ko-KR" baseline="0" dirty="0" smtClean="0"/>
-              <a:t> </a:t>
-            </a:r>
-            <a:r>
-              <a:rPr lang="ko-KR" altLang="en-US" dirty="0" err="1" smtClean="0"/>
-              <a:t>히스토리</a:t>
-            </a:r>
-            <a:r>
-              <a:rPr lang="ko-KR" altLang="en-US" dirty="0" smtClean="0"/>
-              <a:t> 데이터도 함께 삭제하도록 구성했습니다</a:t>
+              <a:t> 테이블에 추가가 됩니다</a:t>
             </a:r>
             <a:r>
               <a:rPr lang="en-US" altLang="ko-KR" dirty="0" smtClean="0"/>
               <a:t>.</a:t>
+            </a:r>
+          </a:p>
+          <a:p>
+            <a:r>
+              <a:rPr lang="ko-KR" altLang="en-US" dirty="0" smtClean="0"/>
+              <a:t>정보를 </a:t>
+            </a:r>
+            <a:r>
+              <a:rPr lang="ko-KR" altLang="en-US" dirty="0" err="1" smtClean="0"/>
+              <a:t>입력받고</a:t>
+            </a:r>
+            <a:r>
+              <a:rPr lang="ko-KR" altLang="en-US" dirty="0" smtClean="0"/>
+              <a:t> 변경하기 전</a:t>
+            </a:r>
+            <a:r>
+              <a:rPr lang="en-US" altLang="ko-KR" dirty="0" smtClean="0"/>
+              <a:t>, </a:t>
+            </a:r>
+            <a:r>
+              <a:rPr lang="ko-KR" altLang="en-US" dirty="0" smtClean="0"/>
+              <a:t>먼저 사원번호와 부서번호의 유효성을 확인하기 위해 </a:t>
+            </a:r>
+            <a:r>
+              <a:rPr lang="en-US" altLang="ko-KR" dirty="0" smtClean="0"/>
+              <a:t>select</a:t>
+            </a:r>
+            <a:r>
+              <a:rPr lang="ko-KR" altLang="en-US" dirty="0" smtClean="0"/>
+              <a:t>문을 실행합니다</a:t>
+            </a:r>
+            <a:r>
+              <a:rPr lang="en-US" altLang="ko-KR" dirty="0" smtClean="0"/>
+              <a:t>.</a:t>
+            </a:r>
+          </a:p>
+          <a:p>
+            <a:r>
+              <a:rPr lang="ko-KR" altLang="en-US" dirty="0" smtClean="0"/>
+              <a:t>유효하지 않으면 </a:t>
+            </a:r>
+            <a:r>
+              <a:rPr lang="en-US" altLang="ko-KR" dirty="0" smtClean="0"/>
+              <a:t>while</a:t>
+            </a:r>
+            <a:r>
+              <a:rPr lang="ko-KR" altLang="en-US" dirty="0" smtClean="0"/>
+              <a:t>문에서 </a:t>
+            </a:r>
+            <a:r>
+              <a:rPr lang="ko-KR" altLang="en-US" dirty="0" err="1" smtClean="0"/>
+              <a:t>빠져나오게</a:t>
+            </a:r>
+            <a:r>
+              <a:rPr lang="ko-KR" altLang="en-US" dirty="0" smtClean="0"/>
+              <a:t> 됩니다</a:t>
             </a:r>
             <a:endParaRPr lang="ko-KR" altLang="en-US" dirty="0"/>
           </a:p>
@@ -2769,7 +3094,7 @@
     </p:spTree>
     <p:extLst>
       <p:ext uri="{BB962C8B-B14F-4D97-AF65-F5344CB8AC3E}">
-        <p14:creationId xmlns:p14="http://schemas.microsoft.com/office/powerpoint/2010/main" val="2256915520"/>
+        <p14:creationId xmlns:p14="http://schemas.microsoft.com/office/powerpoint/2010/main" val="430309747"/>
       </p:ext>
     </p:extLst>
   </p:cSld>
@@ -2825,57 +3150,35 @@
           <a:p>
             <a:r>
               <a:rPr lang="ko-KR" altLang="en-US" dirty="0" smtClean="0"/>
-              <a:t>정보를 </a:t>
+              <a:t>유효성 검사가 완료되면 </a:t>
             </a:r>
             <a:r>
               <a:rPr lang="ko-KR" altLang="en-US" dirty="0" err="1" smtClean="0"/>
-              <a:t>입력받고</a:t>
+              <a:t>히스토리에</a:t>
             </a:r>
             <a:r>
               <a:rPr lang="ko-KR" altLang="en-US" dirty="0" smtClean="0"/>
-              <a:t> 변경하기 전</a:t>
+              <a:t> </a:t>
             </a:r>
             <a:r>
               <a:rPr lang="en-US" altLang="ko-KR" dirty="0" smtClean="0"/>
-              <a:t>, </a:t>
+              <a:t>insert</a:t>
             </a:r>
             <a:r>
               <a:rPr lang="ko-KR" altLang="en-US" dirty="0" smtClean="0"/>
-              <a:t>먼저 사원번호와 부서번호의 유효성을 확인하기 위해 </a:t>
+              <a:t>문과 </a:t>
+            </a:r>
+            <a:r>
+              <a:rPr lang="ko-KR" altLang="en-US" dirty="0" smtClean="0"/>
+              <a:t>사원정보에 </a:t>
             </a:r>
             <a:r>
               <a:rPr lang="en-US" altLang="ko-KR" dirty="0" smtClean="0"/>
-              <a:t>select</a:t>
+              <a:t>update</a:t>
             </a:r>
             <a:r>
               <a:rPr lang="ko-KR" altLang="en-US" dirty="0" smtClean="0"/>
               <a:t>문을 실행합니다</a:t>
-            </a:r>
-            <a:r>
-              <a:rPr lang="en-US" altLang="ko-KR" dirty="0" smtClean="0"/>
-              <a:t>.</a:t>
-            </a:r>
-          </a:p>
-          <a:p>
-            <a:r>
-              <a:rPr lang="ko-KR" altLang="en-US" dirty="0" smtClean="0"/>
-              <a:t>유효하지 않으면 </a:t>
-            </a:r>
-            <a:r>
-              <a:rPr lang="en-US" altLang="ko-KR" dirty="0" smtClean="0"/>
-              <a:t>while</a:t>
-            </a:r>
-            <a:r>
-              <a:rPr lang="ko-KR" altLang="en-US" dirty="0" smtClean="0"/>
-              <a:t>문에서 </a:t>
-            </a:r>
-            <a:r>
-              <a:rPr lang="ko-KR" altLang="en-US" dirty="0" err="1" smtClean="0"/>
-              <a:t>빠져나오게</a:t>
-            </a:r>
-            <a:r>
-              <a:rPr lang="ko-KR" altLang="en-US" dirty="0" smtClean="0"/>
-              <a:t> 됩니다</a:t>
             </a:r>
             <a:endParaRPr lang="ko-KR" altLang="en-US" dirty="0"/>
           </a:p>
@@ -2908,7 +3211,7 @@
     </p:spTree>
     <p:extLst>
       <p:ext uri="{BB962C8B-B14F-4D97-AF65-F5344CB8AC3E}">
-        <p14:creationId xmlns:p14="http://schemas.microsoft.com/office/powerpoint/2010/main" val="430309747"/>
+        <p14:creationId xmlns:p14="http://schemas.microsoft.com/office/powerpoint/2010/main" val="2163391732"/>
       </p:ext>
     </p:extLst>
   </p:cSld>
@@ -3100,7 +3403,7 @@
             <a:fld id="{1554ACBD-FE76-428F-92B7-8CF735459289}" type="datetimeFigureOut">
               <a:rPr lang="ko-KR" altLang="en-US" smtClean="0"/>
               <a:pPr/>
-              <a:t>2022-10-20</a:t>
+              <a:t>2022-10-21</a:t>
             </a:fld>
             <a:endParaRPr lang="ko-KR" altLang="en-US"/>
           </a:p>
@@ -3274,7 +3577,7 @@
             <a:fld id="{1554ACBD-FE76-428F-92B7-8CF735459289}" type="datetimeFigureOut">
               <a:rPr lang="ko-KR" altLang="en-US" smtClean="0"/>
               <a:pPr/>
-              <a:t>2022-10-20</a:t>
+              <a:t>2022-10-21</a:t>
             </a:fld>
             <a:endParaRPr lang="ko-KR" altLang="en-US"/>
           </a:p>
@@ -3458,7 +3761,7 @@
             <a:fld id="{1554ACBD-FE76-428F-92B7-8CF735459289}" type="datetimeFigureOut">
               <a:rPr lang="ko-KR" altLang="en-US" smtClean="0"/>
               <a:pPr/>
-              <a:t>2022-10-20</a:t>
+              <a:t>2022-10-21</a:t>
             </a:fld>
             <a:endParaRPr lang="ko-KR" altLang="en-US"/>
           </a:p>
@@ -3596,7 +3899,7 @@
             <a:fld id="{1554ACBD-FE76-428F-92B7-8CF735459289}" type="datetimeFigureOut">
               <a:rPr lang="ko-KR" altLang="en-US" smtClean="0"/>
               <a:pPr/>
-              <a:t>2022-10-20</a:t>
+              <a:t>2022-10-21</a:t>
             </a:fld>
             <a:endParaRPr lang="ko-KR" altLang="en-US"/>
           </a:p>
@@ -3902,8 +4205,8 @@
 </file>
 
 <file path=ppt/slideLayouts/slideLayout3.xml><?xml version="1.0" encoding="utf-8"?>
-<p:sldLayout xmlns:a="http://schemas.openxmlformats.org/drawingml/2006/main" xmlns:r="http://schemas.openxmlformats.org/officeDocument/2006/relationships" xmlns:p="http://schemas.openxmlformats.org/presentationml/2006/main" type="secHead" preserve="1">
-  <p:cSld name="구역 머리글">
+<p:sldLayout xmlns:a="http://schemas.openxmlformats.org/drawingml/2006/main" xmlns:r="http://schemas.openxmlformats.org/officeDocument/2006/relationships" xmlns:p="http://schemas.openxmlformats.org/presentationml/2006/main" preserve="1" userDrawn="1">
+  <p:cSld name="사용자 지정 레이아웃">
     <p:spTree>
       <p:nvGrpSpPr>
         <p:cNvPr id="1" name=""/>
@@ -3920,6 +4223,55 @@
       </p:grpSpPr>
       <p:sp>
         <p:nvSpPr>
+          <p:cNvPr id="6" name="직사각형 5"/>
+          <p:cNvSpPr/>
+          <p:nvPr userDrawn="1"/>
+        </p:nvSpPr>
+        <p:spPr>
+          <a:xfrm>
+            <a:off x="3132000" y="1131750"/>
+            <a:ext cx="2880000" cy="2880000"/>
+          </a:xfrm>
+          <a:prstGeom prst="rect">
+            <a:avLst/>
+          </a:prstGeom>
+          <a:solidFill>
+            <a:srgbClr val="DF2D32"/>
+          </a:solidFill>
+          <a:ln>
+            <a:noFill/>
+          </a:ln>
+        </p:spPr>
+        <p:style>
+          <a:lnRef idx="2">
+            <a:schemeClr val="accent1">
+              <a:shade val="50000"/>
+            </a:schemeClr>
+          </a:lnRef>
+          <a:fillRef idx="1">
+            <a:schemeClr val="accent1"/>
+          </a:fillRef>
+          <a:effectRef idx="0">
+            <a:schemeClr val="accent1"/>
+          </a:effectRef>
+          <a:fontRef idx="minor">
+            <a:schemeClr val="lt1"/>
+          </a:fontRef>
+        </p:style>
+        <p:txBody>
+          <a:bodyPr rtlCol="0" anchor="ctr"/>
+          <a:lstStyle/>
+          <a:p>
+            <a:pPr algn="ctr"/>
+            <a:endParaRPr lang="ko-KR" altLang="en-US" sz="4000" dirty="0">
+              <a:latin typeface="a시월구일3" panose="02020600000000000000" pitchFamily="18" charset="-127"/>
+              <a:ea typeface="a시월구일3" panose="02020600000000000000" pitchFamily="18" charset="-127"/>
+            </a:endParaRPr>
+          </a:p>
+        </p:txBody>
+      </p:sp>
+      <p:sp>
+        <p:nvSpPr>
           <p:cNvPr id="2" name="제목 1"/>
           <p:cNvSpPr>
             <a:spLocks noGrp="1"/>
@@ -3930,148 +4282,35 @@
         </p:nvSpPr>
         <p:spPr>
           <a:xfrm>
-            <a:off x="722313" y="3305176"/>
-            <a:ext cx="7772400" cy="1021556"/>
+            <a:off x="3132000" y="1131750"/>
+            <a:ext cx="2880000" cy="2880000"/>
           </a:xfrm>
         </p:spPr>
         <p:txBody>
-          <a:bodyPr anchor="t"/>
+          <a:bodyPr/>
           <a:lstStyle>
-            <a:lvl1pPr algn="l">
-              <a:defRPr sz="4000" b="1" cap="all"/>
+            <a:lvl1pPr algn="ctr">
+              <a:defRPr>
+                <a:solidFill>
+                  <a:srgbClr val="FFFCD9"/>
+                </a:solidFill>
+                <a:latin typeface="a시월구일3" panose="02020600000000000000" pitchFamily="18" charset="-127"/>
+                <a:ea typeface="a시월구일3" panose="02020600000000000000" pitchFamily="18" charset="-127"/>
+              </a:defRPr>
             </a:lvl1pPr>
           </a:lstStyle>
           <a:p>
             <a:r>
-              <a:rPr lang="ko-KR" altLang="en-US" smtClean="0"/>
+              <a:rPr lang="ko-KR" altLang="en-US" dirty="0" smtClean="0"/>
               <a:t>마스터 제목 스타일 편집</a:t>
             </a:r>
-            <a:endParaRPr lang="ko-KR" altLang="en-US"/>
+            <a:endParaRPr lang="ko-KR" altLang="en-US" dirty="0"/>
           </a:p>
         </p:txBody>
       </p:sp>
       <p:sp>
         <p:nvSpPr>
-          <p:cNvPr id="3" name="텍스트 개체 틀 2"/>
-          <p:cNvSpPr>
-            <a:spLocks noGrp="1"/>
-          </p:cNvSpPr>
-          <p:nvPr>
-            <p:ph type="body" idx="1"/>
-          </p:nvPr>
-        </p:nvSpPr>
-        <p:spPr>
-          <a:xfrm>
-            <a:off x="722313" y="2180035"/>
-            <a:ext cx="7772400" cy="1125140"/>
-          </a:xfrm>
-        </p:spPr>
-        <p:txBody>
-          <a:bodyPr anchor="b"/>
-          <a:lstStyle>
-            <a:lvl1pPr marL="0" indent="0">
-              <a:buNone/>
-              <a:defRPr sz="2000">
-                <a:solidFill>
-                  <a:schemeClr val="tx1">
-                    <a:tint val="75000"/>
-                  </a:schemeClr>
-                </a:solidFill>
-              </a:defRPr>
-            </a:lvl1pPr>
-            <a:lvl2pPr marL="457200" indent="0">
-              <a:buNone/>
-              <a:defRPr sz="1800">
-                <a:solidFill>
-                  <a:schemeClr val="tx1">
-                    <a:tint val="75000"/>
-                  </a:schemeClr>
-                </a:solidFill>
-              </a:defRPr>
-            </a:lvl2pPr>
-            <a:lvl3pPr marL="914400" indent="0">
-              <a:buNone/>
-              <a:defRPr sz="1600">
-                <a:solidFill>
-                  <a:schemeClr val="tx1">
-                    <a:tint val="75000"/>
-                  </a:schemeClr>
-                </a:solidFill>
-              </a:defRPr>
-            </a:lvl3pPr>
-            <a:lvl4pPr marL="1371600" indent="0">
-              <a:buNone/>
-              <a:defRPr sz="1400">
-                <a:solidFill>
-                  <a:schemeClr val="tx1">
-                    <a:tint val="75000"/>
-                  </a:schemeClr>
-                </a:solidFill>
-              </a:defRPr>
-            </a:lvl4pPr>
-            <a:lvl5pPr marL="1828800" indent="0">
-              <a:buNone/>
-              <a:defRPr sz="1400">
-                <a:solidFill>
-                  <a:schemeClr val="tx1">
-                    <a:tint val="75000"/>
-                  </a:schemeClr>
-                </a:solidFill>
-              </a:defRPr>
-            </a:lvl5pPr>
-            <a:lvl6pPr marL="2286000" indent="0">
-              <a:buNone/>
-              <a:defRPr sz="1400">
-                <a:solidFill>
-                  <a:schemeClr val="tx1">
-                    <a:tint val="75000"/>
-                  </a:schemeClr>
-                </a:solidFill>
-              </a:defRPr>
-            </a:lvl6pPr>
-            <a:lvl7pPr marL="2743200" indent="0">
-              <a:buNone/>
-              <a:defRPr sz="1400">
-                <a:solidFill>
-                  <a:schemeClr val="tx1">
-                    <a:tint val="75000"/>
-                  </a:schemeClr>
-                </a:solidFill>
-              </a:defRPr>
-            </a:lvl7pPr>
-            <a:lvl8pPr marL="3200400" indent="0">
-              <a:buNone/>
-              <a:defRPr sz="1400">
-                <a:solidFill>
-                  <a:schemeClr val="tx1">
-                    <a:tint val="75000"/>
-                  </a:schemeClr>
-                </a:solidFill>
-              </a:defRPr>
-            </a:lvl8pPr>
-            <a:lvl9pPr marL="3657600" indent="0">
-              <a:buNone/>
-              <a:defRPr sz="1400">
-                <a:solidFill>
-                  <a:schemeClr val="tx1">
-                    <a:tint val="75000"/>
-                  </a:schemeClr>
-                </a:solidFill>
-              </a:defRPr>
-            </a:lvl9pPr>
-          </a:lstStyle>
-          <a:p>
-            <a:pPr lvl="0"/>
-            <a:r>
-              <a:rPr lang="ko-KR" altLang="en-US" smtClean="0"/>
-              <a:t>마스터 텍스트 스타일을 편집합니다</a:t>
-            </a:r>
-          </a:p>
-        </p:txBody>
-      </p:sp>
-      <p:sp>
-        <p:nvSpPr>
-          <p:cNvPr id="4" name="날짜 개체 틀 3"/>
+          <p:cNvPr id="3" name="날짜 개체 틀 2"/>
           <p:cNvSpPr>
             <a:spLocks noGrp="1"/>
           </p:cNvSpPr>
@@ -4087,7 +4326,7 @@
             <a:fld id="{1554ACBD-FE76-428F-92B7-8CF735459289}" type="datetimeFigureOut">
               <a:rPr lang="ko-KR" altLang="en-US" smtClean="0"/>
               <a:pPr/>
-              <a:t>2022-10-20</a:t>
+              <a:t>2022-10-21</a:t>
             </a:fld>
             <a:endParaRPr lang="ko-KR" altLang="en-US"/>
           </a:p>
@@ -4095,7 +4334,7 @@
       </p:sp>
       <p:sp>
         <p:nvSpPr>
-          <p:cNvPr id="5" name="바닥글 개체 틀 4"/>
+          <p:cNvPr id="4" name="바닥글 개체 틀 3"/>
           <p:cNvSpPr>
             <a:spLocks noGrp="1"/>
           </p:cNvSpPr>
@@ -4114,7 +4353,7 @@
       </p:sp>
       <p:sp>
         <p:nvSpPr>
-          <p:cNvPr id="6" name="슬라이드 번호 개체 틀 5"/>
+          <p:cNvPr id="5" name="슬라이드 번호 개체 틀 4"/>
           <p:cNvSpPr>
             <a:spLocks noGrp="1"/>
           </p:cNvSpPr>
@@ -4137,6 +4376,11 @@
         </p:txBody>
       </p:sp>
     </p:spTree>
+    <p:extLst>
+      <p:ext uri="{BB962C8B-B14F-4D97-AF65-F5344CB8AC3E}">
+        <p14:creationId xmlns:p14="http://schemas.microsoft.com/office/powerpoint/2010/main" val="2964930888"/>
+      </p:ext>
+    </p:extLst>
   </p:cSld>
   <p:clrMapOvr>
     <a:masterClrMapping/>
@@ -4379,7 +4623,7 @@
             <a:fld id="{1554ACBD-FE76-428F-92B7-8CF735459289}" type="datetimeFigureOut">
               <a:rPr lang="ko-KR" altLang="en-US" smtClean="0"/>
               <a:pPr/>
-              <a:t>2022-10-20</a:t>
+              <a:t>2022-10-21</a:t>
             </a:fld>
             <a:endParaRPr lang="ko-KR" altLang="en-US"/>
           </a:p>
@@ -4805,7 +5049,7 @@
             <a:fld id="{1554ACBD-FE76-428F-92B7-8CF735459289}" type="datetimeFigureOut">
               <a:rPr lang="ko-KR" altLang="en-US" smtClean="0"/>
               <a:pPr/>
-              <a:t>2022-10-20</a:t>
+              <a:t>2022-10-21</a:t>
             </a:fld>
             <a:endParaRPr lang="ko-KR" altLang="en-US"/>
           </a:p>
@@ -4859,6 +5103,13 @@
   <p:clrMapOvr>
     <a:masterClrMapping/>
   </p:clrMapOvr>
+  <p:timing>
+    <p:tnLst>
+      <p:par>
+        <p:cTn id="1" dur="indefinite" restart="never" nodeType="tmRoot"/>
+      </p:par>
+    </p:tnLst>
+  </p:timing>
 </p:sldLayout>
 </file>
 
@@ -4920,7 +5171,7 @@
             <a:fld id="{1554ACBD-FE76-428F-92B7-8CF735459289}" type="datetimeFigureOut">
               <a:rPr lang="ko-KR" altLang="en-US" smtClean="0"/>
               <a:pPr/>
-              <a:t>2022-10-20</a:t>
+              <a:t>2022-10-21</a:t>
             </a:fld>
             <a:endParaRPr lang="ko-KR" altLang="en-US"/>
           </a:p>
@@ -5019,7 +5270,7 @@
             <a:fld id="{1554ACBD-FE76-428F-92B7-8CF735459289}" type="datetimeFigureOut">
               <a:rPr lang="ko-KR" altLang="en-US" smtClean="0"/>
               <a:pPr/>
-              <a:t>2022-10-20</a:t>
+              <a:t>2022-10-21</a:t>
             </a:fld>
             <a:endParaRPr lang="ko-KR" altLang="en-US"/>
           </a:p>
@@ -5450,7 +5701,7 @@
             <a:fld id="{1554ACBD-FE76-428F-92B7-8CF735459289}" type="datetimeFigureOut">
               <a:rPr lang="ko-KR" altLang="en-US" smtClean="0"/>
               <a:pPr/>
-              <a:t>2022-10-20</a:t>
+              <a:t>2022-10-21</a:t>
             </a:fld>
             <a:endParaRPr lang="ko-KR" altLang="en-US"/>
           </a:p>
@@ -5707,7 +5958,7 @@
             <a:fld id="{1554ACBD-FE76-428F-92B7-8CF735459289}" type="datetimeFigureOut">
               <a:rPr lang="ko-KR" altLang="en-US" smtClean="0"/>
               <a:pPr/>
-              <a:t>2022-10-20</a:t>
+              <a:t>2022-10-21</a:t>
             </a:fld>
             <a:endParaRPr lang="ko-KR" altLang="en-US"/>
           </a:p>
@@ -5920,7 +6171,7 @@
             <a:fld id="{1554ACBD-FE76-428F-92B7-8CF735459289}" type="datetimeFigureOut">
               <a:rPr lang="ko-KR" altLang="en-US" smtClean="0"/>
               <a:pPr/>
-              <a:t>2022-10-20</a:t>
+              <a:t>2022-10-21</a:t>
             </a:fld>
             <a:endParaRPr lang="ko-KR" altLang="en-US"/>
           </a:p>
@@ -6011,7 +6262,7 @@
   <p:sldLayoutIdLst>
     <p:sldLayoutId id="2147483649" r:id="rId1"/>
     <p:sldLayoutId id="2147483660" r:id="rId2"/>
-    <p:sldLayoutId id="2147483651" r:id="rId3"/>
+    <p:sldLayoutId id="2147483661" r:id="rId3"/>
     <p:sldLayoutId id="2147483652" r:id="rId4"/>
     <p:sldLayoutId id="2147483653" r:id="rId5"/>
     <p:sldLayoutId id="2147483654" r:id="rId6"/>
@@ -11886,42 +12137,20 @@
             <p:ph type="title"/>
           </p:nvPr>
         </p:nvSpPr>
-        <p:spPr/>
+        <p:spPr>
+          <a:xfrm>
+            <a:off x="3132000" y="1131590"/>
+            <a:ext cx="2880000" cy="2880000"/>
+          </a:xfrm>
+        </p:spPr>
         <p:txBody>
           <a:bodyPr/>
           <a:lstStyle/>
           <a:p>
             <a:r>
-              <a:rPr lang="ko-KR" altLang="en-US" dirty="0" smtClean="0">
-                <a:solidFill>
-                  <a:srgbClr val="003D91"/>
-                </a:solidFill>
-              </a:rPr>
-              <a:t>개인발표</a:t>
-            </a:r>
-            <a:endParaRPr lang="ko-KR" altLang="en-US" dirty="0">
-              <a:solidFill>
-                <a:srgbClr val="003D91"/>
-              </a:solidFill>
-            </a:endParaRPr>
-          </a:p>
-        </p:txBody>
-      </p:sp>
-      <p:sp>
-        <p:nvSpPr>
-          <p:cNvPr id="5" name="텍스트 개체 틀 4"/>
-          <p:cNvSpPr>
-            <a:spLocks noGrp="1"/>
-          </p:cNvSpPr>
-          <p:nvPr>
-            <p:ph type="body" idx="1"/>
-          </p:nvPr>
-        </p:nvSpPr>
-        <p:spPr/>
-        <p:txBody>
-          <a:bodyPr/>
-          <a:lstStyle/>
-          <a:p>
+              <a:rPr lang="ko-KR" altLang="en-US" dirty="0" smtClean="0"/>
+              <a:t>사원정보</a:t>
+            </a:r>
             <a:endParaRPr lang="ko-KR" altLang="en-US" dirty="0"/>
           </a:p>
         </p:txBody>
@@ -11929,7 +12158,7 @@
     </p:spTree>
     <p:extLst>
       <p:ext uri="{BB962C8B-B14F-4D97-AF65-F5344CB8AC3E}">
-        <p14:creationId xmlns:p14="http://schemas.microsoft.com/office/powerpoint/2010/main" val="1431836246"/>
+        <p14:creationId xmlns:p14="http://schemas.microsoft.com/office/powerpoint/2010/main" val="3012502461"/>
       </p:ext>
     </p:extLst>
   </p:cSld>
@@ -14058,7 +14287,7 @@
           <a:p>
             <a:pPr algn="ctr"/>
             <a:r>
-              <a:rPr lang="ko-KR" altLang="en-US" sz="1600" b="1" dirty="0" smtClean="0">
+              <a:rPr lang="ko-KR" altLang="en-US" sz="1600" dirty="0" smtClean="0">
                 <a:solidFill>
                   <a:srgbClr val="C00000"/>
                 </a:solidFill>
@@ -14068,7 +14297,7 @@
               <a:t>사원정보 입력 </a:t>
             </a:r>
             <a:r>
-              <a:rPr lang="en-US" altLang="ko-KR" sz="1600" b="1" dirty="0" smtClean="0">
+              <a:rPr lang="en-US" altLang="ko-KR" sz="1600" dirty="0" smtClean="0">
                 <a:solidFill>
                   <a:srgbClr val="C00000"/>
                 </a:solidFill>
@@ -14078,7 +14307,7 @@
               <a:t>SQL</a:t>
             </a:r>
             <a:r>
-              <a:rPr lang="ko-KR" altLang="en-US" sz="1600" b="1" dirty="0">
+              <a:rPr lang="ko-KR" altLang="en-US" sz="1600" dirty="0">
                 <a:solidFill>
                   <a:srgbClr val="C00000"/>
                 </a:solidFill>
@@ -14087,7 +14316,7 @@
               </a:rPr>
               <a:t>문</a:t>
             </a:r>
-            <a:endParaRPr lang="en-US" altLang="ko-KR" sz="1600" b="1" dirty="0" smtClean="0">
+            <a:endParaRPr lang="en-US" altLang="ko-KR" sz="1600" dirty="0" smtClean="0">
               <a:solidFill>
                 <a:srgbClr val="C00000"/>
               </a:solidFill>
@@ -14126,7 +14355,7 @@
           <a:p>
             <a:pPr algn="ctr"/>
             <a:r>
-              <a:rPr lang="ko-KR" altLang="en-US" sz="1600" b="1" smtClean="0">
+              <a:rPr lang="ko-KR" altLang="en-US" sz="1600" dirty="0" smtClean="0">
                 <a:solidFill>
                   <a:srgbClr val="C00000"/>
                 </a:solidFill>
@@ -14135,7 +14364,7 @@
               </a:rPr>
               <a:t>사원번호에 이용될 시퀀스</a:t>
             </a:r>
-            <a:endParaRPr lang="en-US" altLang="ko-KR" sz="1600" b="1" dirty="0" smtClean="0">
+            <a:endParaRPr lang="en-US" altLang="ko-KR" sz="1600" dirty="0" smtClean="0">
               <a:solidFill>
                 <a:srgbClr val="C00000"/>
               </a:solidFill>
@@ -14240,8 +14469,8 @@
         </p:nvSpPr>
         <p:spPr>
           <a:xfrm>
-            <a:off x="-180528" y="1354656"/>
-            <a:ext cx="4464496" cy="338554"/>
+            <a:off x="90704" y="1354656"/>
+            <a:ext cx="2825112" cy="338554"/>
           </a:xfrm>
           <a:prstGeom prst="rect">
             <a:avLst/>
@@ -14261,6 +14490,16 @@
           <a:p>
             <a:pPr algn="ctr"/>
             <a:r>
+              <a:rPr lang="en-US" altLang="ko-KR" sz="1600" dirty="0" smtClean="0">
+                <a:solidFill>
+                  <a:srgbClr val="00257B"/>
+                </a:solidFill>
+                <a:latin typeface="a아시아헤드1" panose="02020600000000000000" pitchFamily="18" charset="-127"/>
+                <a:ea typeface="a아시아헤드1" panose="02020600000000000000" pitchFamily="18" charset="-127"/>
+              </a:rPr>
+              <a:t>JAVA</a:t>
+            </a:r>
+            <a:r>
               <a:rPr lang="ko-KR" altLang="en-US" sz="1600" dirty="0" smtClean="0">
                 <a:solidFill>
                   <a:srgbClr val="00257B"/>
@@ -14268,17 +14507,7 @@
                 <a:latin typeface="a아시아헤드1" panose="02020600000000000000" pitchFamily="18" charset="-127"/>
                 <a:ea typeface="a아시아헤드1" panose="02020600000000000000" pitchFamily="18" charset="-127"/>
               </a:rPr>
-              <a:t>사원정보 </a:t>
-            </a:r>
-            <a:r>
-              <a:rPr lang="en-US" altLang="ko-KR" sz="1600" dirty="0" smtClean="0">
-                <a:solidFill>
-                  <a:srgbClr val="00257B"/>
-                </a:solidFill>
-                <a:latin typeface="a아시아헤드1" panose="02020600000000000000" pitchFamily="18" charset="-127"/>
-                <a:ea typeface="a아시아헤드1" panose="02020600000000000000" pitchFamily="18" charset="-127"/>
-              </a:rPr>
-              <a:t>DAO</a:t>
+              <a:t>에서 현재 </a:t>
             </a:r>
             <a:r>
               <a:rPr lang="ko-KR" altLang="en-US" sz="1600" dirty="0" smtClean="0">
@@ -14288,7 +14517,7 @@
                 <a:latin typeface="a아시아헤드1" panose="02020600000000000000" pitchFamily="18" charset="-127"/>
                 <a:ea typeface="a아시아헤드1" panose="02020600000000000000" pitchFamily="18" charset="-127"/>
               </a:rPr>
-              <a:t>클래스에서 현재 날짜 구해서 대입</a:t>
+              <a:t>날짜 구해서 대입</a:t>
             </a:r>
             <a:endParaRPr lang="en-US" altLang="ko-KR" sz="1600" dirty="0" smtClean="0">
               <a:solidFill>
@@ -15339,123 +15568,6 @@
       </p:grpSpPr>
       <p:sp>
         <p:nvSpPr>
-          <p:cNvPr id="4" name="제목 3"/>
-          <p:cNvSpPr>
-            <a:spLocks noGrp="1"/>
-          </p:cNvSpPr>
-          <p:nvPr>
-            <p:ph type="title"/>
-          </p:nvPr>
-        </p:nvSpPr>
-        <p:spPr/>
-        <p:txBody>
-          <a:bodyPr/>
-          <a:lstStyle/>
-          <a:p>
-            <a:r>
-              <a:rPr lang="ko-KR" altLang="en-US" dirty="0" smtClean="0"/>
-              <a:t>인사 </a:t>
-            </a:r>
-            <a:r>
-              <a:rPr lang="en-US" altLang="ko-KR" dirty="0" smtClean="0"/>
-              <a:t>- </a:t>
-            </a:r>
-            <a:r>
-              <a:rPr lang="ko-KR" altLang="en-US" dirty="0" smtClean="0"/>
-              <a:t>사원정보</a:t>
-            </a:r>
-            <a:endParaRPr lang="ko-KR" altLang="en-US" dirty="0"/>
-          </a:p>
-        </p:txBody>
-      </p:sp>
-      <p:sp>
-        <p:nvSpPr>
-          <p:cNvPr id="5" name="텍스트 개체 틀 4"/>
-          <p:cNvSpPr>
-            <a:spLocks noGrp="1"/>
-          </p:cNvSpPr>
-          <p:nvPr>
-            <p:ph type="body" sz="quarter" idx="13"/>
-          </p:nvPr>
-        </p:nvSpPr>
-        <p:spPr/>
-        <p:txBody>
-          <a:bodyPr>
-            <a:normAutofit lnSpcReduction="10000"/>
-          </a:bodyPr>
-          <a:lstStyle/>
-          <a:p>
-            <a:r>
-              <a:rPr lang="ko-KR" altLang="en-US" dirty="0" smtClean="0"/>
-              <a:t>사원정보 삭제</a:t>
-            </a:r>
-            <a:endParaRPr lang="ko-KR" altLang="en-US" dirty="0"/>
-          </a:p>
-        </p:txBody>
-      </p:sp>
-      <p:pic>
-        <p:nvPicPr>
-          <p:cNvPr id="3" name="그림 2"/>
-          <p:cNvPicPr>
-            <a:picLocks noChangeAspect="1"/>
-          </p:cNvPicPr>
-          <p:nvPr/>
-        </p:nvPicPr>
-        <p:blipFill>
-          <a:blip r:embed="rId3"/>
-          <a:stretch>
-            <a:fillRect/>
-          </a:stretch>
-        </p:blipFill>
-        <p:spPr>
-          <a:xfrm>
-            <a:off x="755576" y="1183643"/>
-            <a:ext cx="7920880" cy="3739264"/>
-          </a:xfrm>
-          <a:prstGeom prst="rect">
-            <a:avLst/>
-          </a:prstGeom>
-        </p:spPr>
-      </p:pic>
-    </p:spTree>
-    <p:extLst>
-      <p:ext uri="{BB962C8B-B14F-4D97-AF65-F5344CB8AC3E}">
-        <p14:creationId xmlns:p14="http://schemas.microsoft.com/office/powerpoint/2010/main" val="886326569"/>
-      </p:ext>
-    </p:extLst>
-  </p:cSld>
-  <p:clrMapOvr>
-    <a:masterClrMapping/>
-  </p:clrMapOvr>
-  <p:timing>
-    <p:tnLst>
-      <p:par>
-        <p:cTn id="1" dur="indefinite" restart="never" nodeType="tmRoot"/>
-      </p:par>
-    </p:tnLst>
-  </p:timing>
-</p:sld>
-</file>
-
-<file path=ppt/slides/slide25.xml><?xml version="1.0" encoding="utf-8"?>
-<p:sld xmlns:a="http://schemas.openxmlformats.org/drawingml/2006/main" xmlns:r="http://schemas.openxmlformats.org/officeDocument/2006/relationships" xmlns:p="http://schemas.openxmlformats.org/presentationml/2006/main">
-  <p:cSld>
-    <p:spTree>
-      <p:nvGrpSpPr>
-        <p:cNvPr id="1" name=""/>
-        <p:cNvGrpSpPr/>
-        <p:nvPr/>
-      </p:nvGrpSpPr>
-      <p:grpSpPr>
-        <a:xfrm>
-          <a:off x="0" y="0"/>
-          <a:ext cx="0" cy="0"/>
-          <a:chOff x="0" y="0"/>
-          <a:chExt cx="0" cy="0"/>
-        </a:xfrm>
-      </p:grpSpPr>
-      <p:sp>
-        <p:nvSpPr>
           <p:cNvPr id="2" name="제목 1"/>
           <p:cNvSpPr>
             <a:spLocks noGrp="1"/>
@@ -15833,7 +15945,7 @@
 </p:sld>
 </file>
 
-<file path=ppt/slides/slide26.xml><?xml version="1.0" encoding="utf-8"?>
+<file path=ppt/slides/slide25.xml><?xml version="1.0" encoding="utf-8"?>
 <p:sld xmlns:a="http://schemas.openxmlformats.org/drawingml/2006/main" xmlns:r="http://schemas.openxmlformats.org/officeDocument/2006/relationships" xmlns:p="http://schemas.openxmlformats.org/presentationml/2006/main">
   <p:cSld>
     <p:spTree>
@@ -16150,6 +16262,123 @@
 </p:sld>
 </file>
 
+<file path=ppt/slides/slide26.xml><?xml version="1.0" encoding="utf-8"?>
+<p:sld xmlns:a="http://schemas.openxmlformats.org/drawingml/2006/main" xmlns:r="http://schemas.openxmlformats.org/officeDocument/2006/relationships" xmlns:p="http://schemas.openxmlformats.org/presentationml/2006/main">
+  <p:cSld>
+    <p:spTree>
+      <p:nvGrpSpPr>
+        <p:cNvPr id="1" name=""/>
+        <p:cNvGrpSpPr/>
+        <p:nvPr/>
+      </p:nvGrpSpPr>
+      <p:grpSpPr>
+        <a:xfrm>
+          <a:off x="0" y="0"/>
+          <a:ext cx="0" cy="0"/>
+          <a:chOff x="0" y="0"/>
+          <a:chExt cx="0" cy="0"/>
+        </a:xfrm>
+      </p:grpSpPr>
+      <p:sp>
+        <p:nvSpPr>
+          <p:cNvPr id="4" name="제목 3"/>
+          <p:cNvSpPr>
+            <a:spLocks noGrp="1"/>
+          </p:cNvSpPr>
+          <p:nvPr>
+            <p:ph type="title"/>
+          </p:nvPr>
+        </p:nvSpPr>
+        <p:spPr/>
+        <p:txBody>
+          <a:bodyPr/>
+          <a:lstStyle/>
+          <a:p>
+            <a:r>
+              <a:rPr lang="ko-KR" altLang="en-US" dirty="0" smtClean="0"/>
+              <a:t>인사 </a:t>
+            </a:r>
+            <a:r>
+              <a:rPr lang="en-US" altLang="ko-KR" dirty="0" smtClean="0"/>
+              <a:t>- </a:t>
+            </a:r>
+            <a:r>
+              <a:rPr lang="ko-KR" altLang="en-US" dirty="0" smtClean="0"/>
+              <a:t>사원정보</a:t>
+            </a:r>
+            <a:endParaRPr lang="ko-KR" altLang="en-US" dirty="0"/>
+          </a:p>
+        </p:txBody>
+      </p:sp>
+      <p:sp>
+        <p:nvSpPr>
+          <p:cNvPr id="5" name="텍스트 개체 틀 4"/>
+          <p:cNvSpPr>
+            <a:spLocks noGrp="1"/>
+          </p:cNvSpPr>
+          <p:nvPr>
+            <p:ph type="body" sz="quarter" idx="13"/>
+          </p:nvPr>
+        </p:nvSpPr>
+        <p:spPr/>
+        <p:txBody>
+          <a:bodyPr>
+            <a:normAutofit lnSpcReduction="10000"/>
+          </a:bodyPr>
+          <a:lstStyle/>
+          <a:p>
+            <a:r>
+              <a:rPr lang="ko-KR" altLang="en-US" dirty="0" smtClean="0"/>
+              <a:t>사원정보 삭제</a:t>
+            </a:r>
+            <a:endParaRPr lang="ko-KR" altLang="en-US" dirty="0"/>
+          </a:p>
+        </p:txBody>
+      </p:sp>
+      <p:pic>
+        <p:nvPicPr>
+          <p:cNvPr id="3" name="그림 2"/>
+          <p:cNvPicPr>
+            <a:picLocks noChangeAspect="1"/>
+          </p:cNvPicPr>
+          <p:nvPr/>
+        </p:nvPicPr>
+        <p:blipFill>
+          <a:blip r:embed="rId3"/>
+          <a:stretch>
+            <a:fillRect/>
+          </a:stretch>
+        </p:blipFill>
+        <p:spPr>
+          <a:xfrm>
+            <a:off x="755576" y="1183643"/>
+            <a:ext cx="7920880" cy="3739264"/>
+          </a:xfrm>
+          <a:prstGeom prst="rect">
+            <a:avLst/>
+          </a:prstGeom>
+        </p:spPr>
+      </p:pic>
+    </p:spTree>
+    <p:extLst>
+      <p:ext uri="{BB962C8B-B14F-4D97-AF65-F5344CB8AC3E}">
+        <p14:creationId xmlns:p14="http://schemas.microsoft.com/office/powerpoint/2010/main" val="886326569"/>
+      </p:ext>
+    </p:extLst>
+  </p:cSld>
+  <p:clrMapOvr>
+    <a:masterClrMapping/>
+  </p:clrMapOvr>
+  <p:timing>
+    <p:tnLst>
+      <p:par>
+        <p:cTn id="1" dur="indefinite" restart="never" nodeType="tmRoot"/>
+      </p:par>
+    </p:tnLst>
+  </p:timing>
+</p:sld>
+</file>
+
 <file path=ppt/slides/slide27.xml><?xml version="1.0" encoding="utf-8"?>
 <p:sld xmlns:a="http://schemas.openxmlformats.org/drawingml/2006/main" xmlns:r="http://schemas.openxmlformats.org/officeDocument/2006/relationships" xmlns:p="http://schemas.openxmlformats.org/presentationml/2006/main">
   <p:cSld>
@@ -16289,7 +16518,7 @@
       </p:grpSpPr>
       <p:sp>
         <p:nvSpPr>
-          <p:cNvPr id="2" name="제목 1"/>
+          <p:cNvPr id="4" name="제목 3"/>
           <p:cNvSpPr>
             <a:spLocks noGrp="1"/>
           </p:cNvSpPr>
@@ -16297,108 +16526,28 @@
             <p:ph type="title"/>
           </p:nvPr>
         </p:nvSpPr>
-        <p:spPr/>
+        <p:spPr>
+          <a:xfrm>
+            <a:off x="3132000" y="1131590"/>
+            <a:ext cx="2880000" cy="2880000"/>
+          </a:xfrm>
+        </p:spPr>
         <p:txBody>
           <a:bodyPr/>
           <a:lstStyle/>
           <a:p>
             <a:r>
               <a:rPr lang="ko-KR" altLang="en-US" dirty="0" smtClean="0"/>
-              <a:t>인사 </a:t>
-            </a:r>
-            <a:r>
-              <a:rPr lang="en-US" altLang="ko-KR" dirty="0" smtClean="0"/>
-              <a:t>- </a:t>
-            </a:r>
-            <a:r>
-              <a:rPr lang="ko-KR" altLang="en-US" dirty="0" smtClean="0"/>
-              <a:t>부서</a:t>
+              <a:t>로그인</a:t>
             </a:r>
             <a:endParaRPr lang="ko-KR" altLang="en-US" dirty="0"/>
           </a:p>
         </p:txBody>
       </p:sp>
-      <p:sp>
-        <p:nvSpPr>
-          <p:cNvPr id="3" name="텍스트 개체 틀 2"/>
-          <p:cNvSpPr>
-            <a:spLocks noGrp="1"/>
-          </p:cNvSpPr>
-          <p:nvPr>
-            <p:ph type="body" sz="quarter" idx="13"/>
-          </p:nvPr>
-        </p:nvSpPr>
-        <p:spPr/>
-        <p:txBody>
-          <a:bodyPr>
-            <a:normAutofit lnSpcReduction="10000"/>
-          </a:bodyPr>
-          <a:lstStyle/>
-          <a:p>
-            <a:r>
-              <a:rPr lang="ko-KR" altLang="en-US" dirty="0"/>
-              <a:t>테이블 </a:t>
-            </a:r>
-            <a:r>
-              <a:rPr lang="en-US" altLang="ko-KR" dirty="0"/>
-              <a:t>SQL</a:t>
-            </a:r>
-            <a:endParaRPr lang="ko-KR" altLang="en-US" dirty="0"/>
-          </a:p>
-        </p:txBody>
-      </p:sp>
-      <p:pic>
-        <p:nvPicPr>
-          <p:cNvPr id="4" name="그림 3"/>
-          <p:cNvPicPr>
-            <a:picLocks noChangeAspect="1"/>
-          </p:cNvPicPr>
-          <p:nvPr/>
-        </p:nvPicPr>
-        <p:blipFill>
-          <a:blip r:embed="rId3"/>
-          <a:stretch>
-            <a:fillRect/>
-          </a:stretch>
-        </p:blipFill>
-        <p:spPr>
-          <a:xfrm>
-            <a:off x="179512" y="2355726"/>
-            <a:ext cx="8801100" cy="1362075"/>
-          </a:xfrm>
-          <a:prstGeom prst="rect">
-            <a:avLst/>
-          </a:prstGeom>
-        </p:spPr>
-      </p:pic>
-      <p:pic>
-        <p:nvPicPr>
-          <p:cNvPr id="5" name="그림 4"/>
-          <p:cNvPicPr>
-            <a:picLocks noChangeAspect="1"/>
-          </p:cNvPicPr>
-          <p:nvPr/>
-        </p:nvPicPr>
-        <p:blipFill>
-          <a:blip r:embed="rId4"/>
-          <a:stretch>
-            <a:fillRect/>
-          </a:stretch>
-        </p:blipFill>
-        <p:spPr>
-          <a:xfrm>
-            <a:off x="2915816" y="1276868"/>
-            <a:ext cx="3762375" cy="800100"/>
-          </a:xfrm>
-          <a:prstGeom prst="rect">
-            <a:avLst/>
-          </a:prstGeom>
-        </p:spPr>
-      </p:pic>
     </p:spTree>
     <p:extLst>
       <p:ext uri="{BB962C8B-B14F-4D97-AF65-F5344CB8AC3E}">
-        <p14:creationId xmlns:p14="http://schemas.microsoft.com/office/powerpoint/2010/main" val="3342015325"/>
+        <p14:creationId xmlns:p14="http://schemas.microsoft.com/office/powerpoint/2010/main" val="2920233954"/>
       </p:ext>
     </p:extLst>
   </p:cSld>
@@ -16434,7 +16583,7 @@
       </p:grpSpPr>
       <p:sp>
         <p:nvSpPr>
-          <p:cNvPr id="2" name="제목 1"/>
+          <p:cNvPr id="4" name="제목 3"/>
           <p:cNvSpPr>
             <a:spLocks noGrp="1"/>
           </p:cNvSpPr>
@@ -16442,51 +16591,28 @@
             <p:ph type="title"/>
           </p:nvPr>
         </p:nvSpPr>
-        <p:spPr/>
+        <p:spPr>
+          <a:xfrm>
+            <a:off x="3132000" y="1131590"/>
+            <a:ext cx="2880000" cy="2880000"/>
+          </a:xfrm>
+        </p:spPr>
         <p:txBody>
           <a:bodyPr/>
           <a:lstStyle/>
           <a:p>
             <a:r>
-              <a:rPr lang="ko-KR" altLang="en-US" dirty="0"/>
-              <a:t>인사 </a:t>
-            </a:r>
-            <a:r>
-              <a:rPr lang="en-US" altLang="ko-KR" dirty="0"/>
-              <a:t>- </a:t>
-            </a:r>
-            <a:r>
-              <a:rPr lang="ko-KR" altLang="en-US" dirty="0"/>
+              <a:rPr lang="ko-KR" altLang="en-US" dirty="0" smtClean="0"/>
               <a:t>부서</a:t>
             </a:r>
-          </a:p>
-        </p:txBody>
-      </p:sp>
-      <p:sp>
-        <p:nvSpPr>
-          <p:cNvPr id="3" name="텍스트 개체 틀 2"/>
-          <p:cNvSpPr>
-            <a:spLocks noGrp="1"/>
-          </p:cNvSpPr>
-          <p:nvPr>
-            <p:ph type="body" sz="quarter" idx="13"/>
-          </p:nvPr>
-        </p:nvSpPr>
-        <p:spPr/>
-        <p:txBody>
-          <a:bodyPr>
-            <a:normAutofit lnSpcReduction="10000"/>
-          </a:bodyPr>
-          <a:lstStyle/>
-          <a:p>
-            <a:endParaRPr lang="ko-KR" altLang="en-US"/>
+            <a:endParaRPr lang="ko-KR" altLang="en-US" dirty="0"/>
           </a:p>
         </p:txBody>
       </p:sp>
     </p:spTree>
     <p:extLst>
       <p:ext uri="{BB962C8B-B14F-4D97-AF65-F5344CB8AC3E}">
-        <p14:creationId xmlns:p14="http://schemas.microsoft.com/office/powerpoint/2010/main" val="177179964"/>
+        <p14:creationId xmlns:p14="http://schemas.microsoft.com/office/powerpoint/2010/main" val="250740918"/>
       </p:ext>
     </p:extLst>
   </p:cSld>
@@ -18478,17 +18604,18 @@
           <a:lstStyle/>
           <a:p>
             <a:r>
-              <a:rPr lang="ko-KR" altLang="en-US" dirty="0"/>
+              <a:rPr lang="ko-KR" altLang="en-US" dirty="0" smtClean="0"/>
               <a:t>인사 </a:t>
             </a:r>
             <a:r>
-              <a:rPr lang="en-US" altLang="ko-KR" dirty="0"/>
+              <a:rPr lang="en-US" altLang="ko-KR" dirty="0" smtClean="0"/>
               <a:t>- </a:t>
             </a:r>
             <a:r>
-              <a:rPr lang="ko-KR" altLang="en-US" dirty="0"/>
+              <a:rPr lang="ko-KR" altLang="en-US" dirty="0" smtClean="0"/>
               <a:t>부서</a:t>
             </a:r>
+            <a:endParaRPr lang="ko-KR" altLang="en-US" dirty="0"/>
           </a:p>
         </p:txBody>
       </p:sp>
@@ -18509,14 +18636,70 @@
           </a:bodyPr>
           <a:lstStyle/>
           <a:p>
-            <a:endParaRPr lang="ko-KR" altLang="en-US"/>
+            <a:r>
+              <a:rPr lang="ko-KR" altLang="en-US" dirty="0"/>
+              <a:t>테이블 </a:t>
+            </a:r>
+            <a:r>
+              <a:rPr lang="en-US" altLang="ko-KR" dirty="0"/>
+              <a:t>SQL</a:t>
+            </a:r>
+            <a:endParaRPr lang="ko-KR" altLang="en-US" dirty="0"/>
           </a:p>
         </p:txBody>
       </p:sp>
+      <p:pic>
+        <p:nvPicPr>
+          <p:cNvPr id="4" name="그림 3"/>
+          <p:cNvPicPr>
+            <a:picLocks noChangeAspect="1"/>
+          </p:cNvPicPr>
+          <p:nvPr/>
+        </p:nvPicPr>
+        <p:blipFill>
+          <a:blip r:embed="rId3"/>
+          <a:stretch>
+            <a:fillRect/>
+          </a:stretch>
+        </p:blipFill>
+        <p:spPr>
+          <a:xfrm>
+            <a:off x="179512" y="2355726"/>
+            <a:ext cx="8801100" cy="1362075"/>
+          </a:xfrm>
+          <a:prstGeom prst="rect">
+            <a:avLst/>
+          </a:prstGeom>
+        </p:spPr>
+      </p:pic>
+      <p:pic>
+        <p:nvPicPr>
+          <p:cNvPr id="5" name="그림 4"/>
+          <p:cNvPicPr>
+            <a:picLocks noChangeAspect="1"/>
+          </p:cNvPicPr>
+          <p:nvPr/>
+        </p:nvPicPr>
+        <p:blipFill>
+          <a:blip r:embed="rId4"/>
+          <a:stretch>
+            <a:fillRect/>
+          </a:stretch>
+        </p:blipFill>
+        <p:spPr>
+          <a:xfrm>
+            <a:off x="2915816" y="1276868"/>
+            <a:ext cx="3762375" cy="800100"/>
+          </a:xfrm>
+          <a:prstGeom prst="rect">
+            <a:avLst/>
+          </a:prstGeom>
+        </p:spPr>
+      </p:pic>
     </p:spTree>
     <p:extLst>
       <p:ext uri="{BB962C8B-B14F-4D97-AF65-F5344CB8AC3E}">
-        <p14:creationId xmlns:p14="http://schemas.microsoft.com/office/powerpoint/2010/main" val="2629022828"/>
+        <p14:creationId xmlns:p14="http://schemas.microsoft.com/office/powerpoint/2010/main" val="3342015325"/>
       </p:ext>
     </p:extLst>
   </p:cSld>
@@ -18550,6 +18733,30 @@
           <a:chExt cx="0" cy="0"/>
         </a:xfrm>
       </p:grpSpPr>
+      <p:pic>
+        <p:nvPicPr>
+          <p:cNvPr id="8" name="그림 7"/>
+          <p:cNvPicPr>
+            <a:picLocks noChangeAspect="1"/>
+          </p:cNvPicPr>
+          <p:nvPr/>
+        </p:nvPicPr>
+        <p:blipFill>
+          <a:blip r:embed="rId3"/>
+          <a:stretch>
+            <a:fillRect/>
+          </a:stretch>
+        </p:blipFill>
+        <p:spPr>
+          <a:xfrm>
+            <a:off x="2016224" y="1400175"/>
+            <a:ext cx="6200775" cy="2686050"/>
+          </a:xfrm>
+          <a:prstGeom prst="rect">
+            <a:avLst/>
+          </a:prstGeom>
+        </p:spPr>
+      </p:pic>
       <p:sp>
         <p:nvSpPr>
           <p:cNvPr id="2" name="제목 1"/>
@@ -18597,14 +18804,132 @@
           </a:bodyPr>
           <a:lstStyle/>
           <a:p>
+            <a:r>
+              <a:rPr lang="ko-KR" altLang="en-US" dirty="0" smtClean="0"/>
+              <a:t>부서검색</a:t>
+            </a:r>
+            <a:endParaRPr lang="ko-KR" altLang="en-US" dirty="0"/>
+          </a:p>
+        </p:txBody>
+      </p:sp>
+      <p:sp>
+        <p:nvSpPr>
+          <p:cNvPr id="5" name="직사각형 4"/>
+          <p:cNvSpPr/>
+          <p:nvPr/>
+        </p:nvSpPr>
+        <p:spPr>
+          <a:xfrm>
+            <a:off x="2273318" y="2067694"/>
+            <a:ext cx="5686586" cy="742374"/>
+          </a:xfrm>
+          <a:prstGeom prst="rect">
+            <a:avLst/>
+          </a:prstGeom>
+          <a:noFill/>
+          <a:ln>
+            <a:solidFill>
+              <a:srgbClr val="C00000"/>
+            </a:solidFill>
+          </a:ln>
+        </p:spPr>
+        <p:style>
+          <a:lnRef idx="2">
+            <a:schemeClr val="accent1">
+              <a:shade val="50000"/>
+            </a:schemeClr>
+          </a:lnRef>
+          <a:fillRef idx="1">
+            <a:schemeClr val="accent1"/>
+          </a:fillRef>
+          <a:effectRef idx="0">
+            <a:schemeClr val="accent1"/>
+          </a:effectRef>
+          <a:fontRef idx="minor">
+            <a:schemeClr val="lt1"/>
+          </a:fontRef>
+        </p:style>
+        <p:txBody>
+          <a:bodyPr rtlCol="0" anchor="ctr"/>
+          <a:lstStyle/>
+          <a:p>
+            <a:pPr algn="ctr"/>
             <a:endParaRPr lang="ko-KR" altLang="en-US"/>
+          </a:p>
+        </p:txBody>
+      </p:sp>
+      <p:sp>
+        <p:nvSpPr>
+          <p:cNvPr id="7" name="TextBox 6"/>
+          <p:cNvSpPr txBox="1"/>
+          <p:nvPr/>
+        </p:nvSpPr>
+        <p:spPr>
+          <a:xfrm>
+            <a:off x="0" y="2090402"/>
+            <a:ext cx="2016224" cy="338554"/>
+          </a:xfrm>
+          <a:prstGeom prst="rect">
+            <a:avLst/>
+          </a:prstGeom>
+          <a:solidFill>
+            <a:schemeClr val="bg1">
+              <a:lumMod val="95000"/>
+              <a:alpha val="50000"/>
+            </a:schemeClr>
+          </a:solidFill>
+        </p:spPr>
+        <p:txBody>
+          <a:bodyPr wrap="square" rtlCol="0">
+            <a:spAutoFit/>
+          </a:bodyPr>
+          <a:lstStyle/>
+          <a:p>
+            <a:pPr algn="ctr"/>
+            <a:r>
+              <a:rPr lang="en-US" altLang="ko-KR" sz="1600" dirty="0" smtClean="0">
+                <a:solidFill>
+                  <a:srgbClr val="C00000"/>
+                </a:solidFill>
+                <a:latin typeface="a아시아헤드1" panose="02020600000000000000" pitchFamily="18" charset="-127"/>
+                <a:ea typeface="a아시아헤드1" panose="02020600000000000000" pitchFamily="18" charset="-127"/>
+              </a:rPr>
+              <a:t>group</a:t>
+            </a:r>
+            <a:r>
+              <a:rPr lang="en-US" altLang="ko-KR" sz="1600" dirty="0" smtClean="0">
+                <a:solidFill>
+                  <a:srgbClr val="C00000"/>
+                </a:solidFill>
+                <a:latin typeface="a아시아헤드1" panose="02020600000000000000" pitchFamily="18" charset="-127"/>
+                <a:ea typeface="a아시아헤드1" panose="02020600000000000000" pitchFamily="18" charset="-127"/>
+              </a:rPr>
+              <a:t> </a:t>
+            </a:r>
+            <a:r>
+              <a:rPr lang="ko-KR" altLang="en-US" sz="1600" dirty="0" smtClean="0">
+                <a:solidFill>
+                  <a:srgbClr val="C00000"/>
+                </a:solidFill>
+                <a:latin typeface="a아시아헤드1" panose="02020600000000000000" pitchFamily="18" charset="-127"/>
+                <a:ea typeface="a아시아헤드1" panose="02020600000000000000" pitchFamily="18" charset="-127"/>
+              </a:rPr>
+              <a:t>된 가상테이블</a:t>
+            </a:r>
+            <a:endParaRPr lang="en-US" altLang="ko-KR" sz="1600" dirty="0" smtClean="0">
+              <a:solidFill>
+                <a:srgbClr val="C00000"/>
+              </a:solidFill>
+              <a:latin typeface="a아시아헤드1" panose="02020600000000000000" pitchFamily="18" charset="-127"/>
+              <a:ea typeface="a아시아헤드1" panose="02020600000000000000" pitchFamily="18" charset="-127"/>
+            </a:endParaRPr>
           </a:p>
         </p:txBody>
       </p:sp>
     </p:spTree>
     <p:extLst>
       <p:ext uri="{BB962C8B-B14F-4D97-AF65-F5344CB8AC3E}">
-        <p14:creationId xmlns:p14="http://schemas.microsoft.com/office/powerpoint/2010/main" val="3704141339"/>
+        <p14:creationId xmlns:p14="http://schemas.microsoft.com/office/powerpoint/2010/main" val="3494759039"/>
       </p:ext>
     </p:extLst>
   </p:cSld>
@@ -18640,7 +18965,7 @@
       </p:grpSpPr>
       <p:sp>
         <p:nvSpPr>
-          <p:cNvPr id="2" name="제목 1"/>
+          <p:cNvPr id="4" name="제목 3"/>
           <p:cNvSpPr>
             <a:spLocks noGrp="1"/>
           </p:cNvSpPr>
@@ -18654,45 +18979,17 @@
           <a:lstStyle/>
           <a:p>
             <a:r>
-              <a:rPr lang="ko-KR" altLang="en-US" dirty="0"/>
-              <a:t>인사 </a:t>
-            </a:r>
-            <a:r>
-              <a:rPr lang="en-US" altLang="ko-KR" dirty="0"/>
-              <a:t>- </a:t>
-            </a:r>
-            <a:r>
-              <a:rPr lang="ko-KR" altLang="en-US" dirty="0"/>
-              <a:t>부서</a:t>
-            </a:r>
-          </a:p>
-        </p:txBody>
-      </p:sp>
-      <p:sp>
-        <p:nvSpPr>
-          <p:cNvPr id="3" name="텍스트 개체 틀 2"/>
-          <p:cNvSpPr>
-            <a:spLocks noGrp="1"/>
-          </p:cNvSpPr>
-          <p:nvPr>
-            <p:ph type="body" sz="quarter" idx="13"/>
-          </p:nvPr>
-        </p:nvSpPr>
-        <p:spPr/>
-        <p:txBody>
-          <a:bodyPr>
-            <a:normAutofit lnSpcReduction="10000"/>
-          </a:bodyPr>
-          <a:lstStyle/>
-          <a:p>
-            <a:endParaRPr lang="ko-KR" altLang="en-US"/>
+              <a:rPr lang="ko-KR" altLang="en-US" dirty="0" smtClean="0"/>
+              <a:t>퇴사정보</a:t>
+            </a:r>
+            <a:endParaRPr lang="ko-KR" altLang="en-US" dirty="0"/>
           </a:p>
         </p:txBody>
       </p:sp>
     </p:spTree>
     <p:extLst>
       <p:ext uri="{BB962C8B-B14F-4D97-AF65-F5344CB8AC3E}">
-        <p14:creationId xmlns:p14="http://schemas.microsoft.com/office/powerpoint/2010/main" val="1648408742"/>
+        <p14:creationId xmlns:p14="http://schemas.microsoft.com/office/powerpoint/2010/main" val="1661175547"/>
       </p:ext>
     </p:extLst>
   </p:cSld>
@@ -21992,14 +22289,14 @@
           <p:nvPr>
             <p:extLst>
               <p:ext uri="{D42A27DB-BD31-4B8C-83A1-F6EECF244321}">
-                <p14:modId xmlns:p14="http://schemas.microsoft.com/office/powerpoint/2010/main" val="187961245"/>
+                <p14:modId xmlns:p14="http://schemas.microsoft.com/office/powerpoint/2010/main" val="2865284527"/>
               </p:ext>
             </p:extLst>
           </p:nvPr>
         </p:nvGraphicFramePr>
         <p:xfrm>
-          <a:off x="395536" y="1779661"/>
-          <a:ext cx="8071868" cy="3042920"/>
+          <a:off x="1835695" y="470072"/>
+          <a:ext cx="7148049" cy="4621958"/>
         </p:xfrm>
         <a:graphic>
           <a:graphicData uri="http://schemas.openxmlformats.org/drawingml/2006/table">
@@ -22009,16 +22306,16 @@
                 <a:tableStyleId>{5C22544A-7EE6-4342-B048-85BDC9FD1C3A}</a:tableStyleId>
               </a:tblPr>
               <a:tblGrid>
-                <a:gridCol w="1025861"/>
-                <a:gridCol w="127263"/>
-                <a:gridCol w="1153124"/>
-                <a:gridCol w="1153124"/>
-                <a:gridCol w="1153124"/>
-                <a:gridCol w="1153124"/>
-                <a:gridCol w="1153124"/>
-                <a:gridCol w="1153124"/>
+                <a:gridCol w="906773"/>
+                <a:gridCol w="125704"/>
+                <a:gridCol w="1019262"/>
+                <a:gridCol w="1019262"/>
+                <a:gridCol w="1019262"/>
+                <a:gridCol w="1019262"/>
+                <a:gridCol w="1019262"/>
+                <a:gridCol w="1019262"/>
               </a:tblGrid>
-              <a:tr h="326111">
+              <a:tr h="485004">
                 <a:tc>
                   <a:txBody>
                     <a:bodyPr/>
@@ -22598,7 +22895,7 @@
                   </a:tcPr>
                 </a:tc>
               </a:tr>
-              <a:tr h="370840">
+              <a:tr h="674038">
                 <a:tc>
                   <a:txBody>
                     <a:bodyPr/>
@@ -23252,7 +23549,7 @@
                   </a:tcPr>
                 </a:tc>
               </a:tr>
-              <a:tr h="370840">
+              <a:tr h="536442">
                 <a:tc>
                   <a:txBody>
                     <a:bodyPr/>
@@ -23832,7 +24129,7 @@
                   </a:tcPr>
                 </a:tc>
               </a:tr>
-              <a:tr h="239720">
+              <a:tr h="543693">
                 <a:tc gridSpan="3">
                   <a:txBody>
                     <a:bodyPr/>
@@ -24320,7 +24617,7 @@
                   </a:tcPr>
                 </a:tc>
               </a:tr>
-              <a:tr h="239720">
+              <a:tr h="859778">
                 <a:tc gridSpan="3">
                   <a:txBody>
                     <a:bodyPr/>
@@ -24898,7 +25195,7 @@
                   </a:tcPr>
                 </a:tc>
               </a:tr>
-              <a:tr h="370840">
+              <a:tr h="536442">
                 <a:tc gridSpan="2">
                   <a:txBody>
                     <a:bodyPr/>
@@ -25416,7 +25713,7 @@
                   </a:tcPr>
                 </a:tc>
               </a:tr>
-              <a:tr h="282632">
+              <a:tr h="545650">
                 <a:tc gridSpan="2">
                   <a:txBody>
                     <a:bodyPr/>
@@ -25948,7 +26245,7 @@
                   </a:tcPr>
                 </a:tc>
               </a:tr>
-              <a:tr h="282632">
+              <a:tr h="440911">
                 <a:tc gridSpan="2">
                   <a:txBody>
                     <a:bodyPr/>
@@ -26413,6 +26710,792 @@
     <p:extLst>
       <p:ext uri="{BB962C8B-B14F-4D97-AF65-F5344CB8AC3E}">
         <p14:creationId xmlns:p14="http://schemas.microsoft.com/office/powerpoint/2010/main" val="2997760758"/>
+      </p:ext>
+    </p:extLst>
+  </p:cSld>
+  <p:clrMapOvr>
+    <a:masterClrMapping/>
+  </p:clrMapOvr>
+  <p:timing>
+    <p:tnLst>
+      <p:par>
+        <p:cTn id="1" dur="indefinite" restart="never" nodeType="tmRoot"/>
+      </p:par>
+    </p:tnLst>
+  </p:timing>
+</p:sld>
+</file>
+
+<file path=ppt/slides/slide41.xml><?xml version="1.0" encoding="utf-8"?>
+<p:sld xmlns:a="http://schemas.openxmlformats.org/drawingml/2006/main" xmlns:r="http://schemas.openxmlformats.org/officeDocument/2006/relationships" xmlns:p="http://schemas.openxmlformats.org/presentationml/2006/main">
+  <p:cSld>
+    <p:spTree>
+      <p:nvGrpSpPr>
+        <p:cNvPr id="1" name=""/>
+        <p:cNvGrpSpPr/>
+        <p:nvPr/>
+      </p:nvGrpSpPr>
+      <p:grpSpPr>
+        <a:xfrm>
+          <a:off x="0" y="0"/>
+          <a:ext cx="0" cy="0"/>
+          <a:chOff x="0" y="0"/>
+          <a:chExt cx="0" cy="0"/>
+        </a:xfrm>
+      </p:grpSpPr>
+      <p:sp>
+        <p:nvSpPr>
+          <p:cNvPr id="4" name="제목 3"/>
+          <p:cNvSpPr>
+            <a:spLocks noGrp="1"/>
+          </p:cNvSpPr>
+          <p:nvPr>
+            <p:ph type="title"/>
+          </p:nvPr>
+        </p:nvSpPr>
+        <p:spPr/>
+        <p:txBody>
+          <a:bodyPr/>
+          <a:lstStyle/>
+          <a:p>
+            <a:r>
+              <a:rPr lang="ko-KR" altLang="en-US" dirty="0" smtClean="0"/>
+              <a:t>인사평가</a:t>
+            </a:r>
+            <a:endParaRPr lang="ko-KR" altLang="en-US" dirty="0"/>
+          </a:p>
+        </p:txBody>
+      </p:sp>
+    </p:spTree>
+    <p:extLst>
+      <p:ext uri="{BB962C8B-B14F-4D97-AF65-F5344CB8AC3E}">
+        <p14:creationId xmlns:p14="http://schemas.microsoft.com/office/powerpoint/2010/main" val="724643953"/>
+      </p:ext>
+    </p:extLst>
+  </p:cSld>
+  <p:clrMapOvr>
+    <a:masterClrMapping/>
+  </p:clrMapOvr>
+  <p:timing>
+    <p:tnLst>
+      <p:par>
+        <p:cTn id="1" dur="indefinite" restart="never" nodeType="tmRoot"/>
+      </p:par>
+    </p:tnLst>
+  </p:timing>
+</p:sld>
+</file>
+
+<file path=ppt/slides/slide42.xml><?xml version="1.0" encoding="utf-8"?>
+<p:sld xmlns:a="http://schemas.openxmlformats.org/drawingml/2006/main" xmlns:r="http://schemas.openxmlformats.org/officeDocument/2006/relationships" xmlns:p="http://schemas.openxmlformats.org/presentationml/2006/main">
+  <p:cSld>
+    <p:spTree>
+      <p:nvGrpSpPr>
+        <p:cNvPr id="1" name=""/>
+        <p:cNvGrpSpPr/>
+        <p:nvPr/>
+      </p:nvGrpSpPr>
+      <p:grpSpPr>
+        <a:xfrm>
+          <a:off x="0" y="0"/>
+          <a:ext cx="0" cy="0"/>
+          <a:chOff x="0" y="0"/>
+          <a:chExt cx="0" cy="0"/>
+        </a:xfrm>
+      </p:grpSpPr>
+      <p:sp>
+        <p:nvSpPr>
+          <p:cNvPr id="4" name="제목 3"/>
+          <p:cNvSpPr>
+            <a:spLocks noGrp="1"/>
+          </p:cNvSpPr>
+          <p:nvPr>
+            <p:ph type="title"/>
+          </p:nvPr>
+        </p:nvSpPr>
+        <p:spPr/>
+        <p:txBody>
+          <a:bodyPr/>
+          <a:lstStyle/>
+          <a:p>
+            <a:r>
+              <a:rPr lang="ko-KR" altLang="en-US" dirty="0" smtClean="0"/>
+              <a:t>급여</a:t>
+            </a:r>
+            <a:r>
+              <a:rPr lang="en-US" altLang="ko-KR" dirty="0" smtClean="0"/>
+              <a:t>/</a:t>
+            </a:r>
+            <a:r>
+              <a:rPr lang="ko-KR" altLang="en-US" dirty="0" smtClean="0"/>
+              <a:t>수당</a:t>
+            </a:r>
+            <a:endParaRPr lang="ko-KR" altLang="en-US" dirty="0"/>
+          </a:p>
+        </p:txBody>
+      </p:sp>
+    </p:spTree>
+    <p:extLst>
+      <p:ext uri="{BB962C8B-B14F-4D97-AF65-F5344CB8AC3E}">
+        <p14:creationId xmlns:p14="http://schemas.microsoft.com/office/powerpoint/2010/main" val="4146504277"/>
+      </p:ext>
+    </p:extLst>
+  </p:cSld>
+  <p:clrMapOvr>
+    <a:masterClrMapping/>
+  </p:clrMapOvr>
+  <p:timing>
+    <p:tnLst>
+      <p:par>
+        <p:cTn id="1" dur="indefinite" restart="never" nodeType="tmRoot"/>
+      </p:par>
+    </p:tnLst>
+  </p:timing>
+</p:sld>
+</file>
+
+<file path=ppt/slides/slide43.xml><?xml version="1.0" encoding="utf-8"?>
+<p:sld xmlns:a="http://schemas.openxmlformats.org/drawingml/2006/main" xmlns:r="http://schemas.openxmlformats.org/officeDocument/2006/relationships" xmlns:p="http://schemas.openxmlformats.org/presentationml/2006/main">
+  <p:cSld>
+    <p:spTree>
+      <p:nvGrpSpPr>
+        <p:cNvPr id="1" name=""/>
+        <p:cNvGrpSpPr/>
+        <p:nvPr/>
+      </p:nvGrpSpPr>
+      <p:grpSpPr>
+        <a:xfrm>
+          <a:off x="0" y="0"/>
+          <a:ext cx="0" cy="0"/>
+          <a:chOff x="0" y="0"/>
+          <a:chExt cx="0" cy="0"/>
+        </a:xfrm>
+      </p:grpSpPr>
+      <p:pic>
+        <p:nvPicPr>
+          <p:cNvPr id="7" name="그림 6"/>
+          <p:cNvPicPr>
+            <a:picLocks noChangeAspect="1"/>
+          </p:cNvPicPr>
+          <p:nvPr/>
+        </p:nvPicPr>
+        <p:blipFill>
+          <a:blip r:embed="rId3"/>
+          <a:stretch>
+            <a:fillRect/>
+          </a:stretch>
+        </p:blipFill>
+        <p:spPr>
+          <a:xfrm>
+            <a:off x="251520" y="1779662"/>
+            <a:ext cx="8560010" cy="2427734"/>
+          </a:xfrm>
+          <a:prstGeom prst="rect">
+            <a:avLst/>
+          </a:prstGeom>
+        </p:spPr>
+      </p:pic>
+      <p:sp>
+        <p:nvSpPr>
+          <p:cNvPr id="2" name="제목 1"/>
+          <p:cNvSpPr>
+            <a:spLocks noGrp="1"/>
+          </p:cNvSpPr>
+          <p:nvPr>
+            <p:ph type="title"/>
+          </p:nvPr>
+        </p:nvSpPr>
+        <p:spPr/>
+        <p:txBody>
+          <a:bodyPr/>
+          <a:lstStyle/>
+          <a:p>
+            <a:r>
+              <a:rPr lang="ko-KR" altLang="en-US" dirty="0"/>
+              <a:t>인사 </a:t>
+            </a:r>
+            <a:r>
+              <a:rPr lang="en-US" altLang="ko-KR" dirty="0" smtClean="0"/>
+              <a:t>– </a:t>
+            </a:r>
+            <a:r>
+              <a:rPr lang="ko-KR" altLang="en-US" dirty="0" smtClean="0"/>
+              <a:t>급여 </a:t>
+            </a:r>
+            <a:r>
+              <a:rPr lang="en-US" altLang="ko-KR" dirty="0" smtClean="0"/>
+              <a:t>/ </a:t>
+            </a:r>
+            <a:r>
+              <a:rPr lang="ko-KR" altLang="en-US" dirty="0" smtClean="0"/>
+              <a:t>수당</a:t>
+            </a:r>
+            <a:endParaRPr lang="ko-KR" altLang="en-US" dirty="0"/>
+          </a:p>
+        </p:txBody>
+      </p:sp>
+      <p:sp>
+        <p:nvSpPr>
+          <p:cNvPr id="3" name="텍스트 개체 틀 2"/>
+          <p:cNvSpPr>
+            <a:spLocks noGrp="1"/>
+          </p:cNvSpPr>
+          <p:nvPr>
+            <p:ph type="body" sz="quarter" idx="13"/>
+          </p:nvPr>
+        </p:nvSpPr>
+        <p:spPr/>
+        <p:txBody>
+          <a:bodyPr>
+            <a:normAutofit lnSpcReduction="10000"/>
+          </a:bodyPr>
+          <a:lstStyle/>
+          <a:p>
+            <a:r>
+              <a:rPr lang="ko-KR" altLang="en-US" dirty="0" smtClean="0"/>
+              <a:t>급여 지급</a:t>
+            </a:r>
+            <a:endParaRPr lang="ko-KR" altLang="en-US" dirty="0"/>
+          </a:p>
+        </p:txBody>
+      </p:sp>
+      <p:sp>
+        <p:nvSpPr>
+          <p:cNvPr id="4" name="TextBox 3"/>
+          <p:cNvSpPr txBox="1"/>
+          <p:nvPr/>
+        </p:nvSpPr>
+        <p:spPr>
+          <a:xfrm>
+            <a:off x="1089209" y="4207396"/>
+            <a:ext cx="2834719" cy="338554"/>
+          </a:xfrm>
+          <a:prstGeom prst="rect">
+            <a:avLst/>
+          </a:prstGeom>
+          <a:solidFill>
+            <a:schemeClr val="bg1">
+              <a:lumMod val="95000"/>
+              <a:alpha val="50000"/>
+            </a:schemeClr>
+          </a:solidFill>
+        </p:spPr>
+        <p:txBody>
+          <a:bodyPr wrap="square" rtlCol="0">
+            <a:spAutoFit/>
+          </a:bodyPr>
+          <a:lstStyle/>
+          <a:p>
+            <a:pPr algn="ctr"/>
+            <a:r>
+              <a:rPr lang="en-US" altLang="ko-KR" sz="1600" dirty="0" smtClean="0">
+                <a:solidFill>
+                  <a:srgbClr val="003D91"/>
+                </a:solidFill>
+                <a:latin typeface="a아시아헤드1" panose="02020600000000000000" pitchFamily="18" charset="-127"/>
+                <a:ea typeface="a아시아헤드1" panose="02020600000000000000" pitchFamily="18" charset="-127"/>
+              </a:rPr>
+              <a:t>history </a:t>
+            </a:r>
+            <a:r>
+              <a:rPr lang="ko-KR" altLang="en-US" sz="1600" dirty="0" smtClean="0">
+                <a:solidFill>
+                  <a:srgbClr val="003D91"/>
+                </a:solidFill>
+                <a:latin typeface="a아시아헤드1" panose="02020600000000000000" pitchFamily="18" charset="-127"/>
+                <a:ea typeface="a아시아헤드1" panose="02020600000000000000" pitchFamily="18" charset="-127"/>
+              </a:rPr>
+              <a:t>테이블의 가장 최근 정보</a:t>
+            </a:r>
+            <a:endParaRPr lang="en-US" altLang="ko-KR" sz="1600" dirty="0" smtClean="0">
+              <a:solidFill>
+                <a:srgbClr val="003D91"/>
+              </a:solidFill>
+              <a:latin typeface="a아시아헤드1" panose="02020600000000000000" pitchFamily="18" charset="-127"/>
+              <a:ea typeface="a아시아헤드1" panose="02020600000000000000" pitchFamily="18" charset="-127"/>
+            </a:endParaRPr>
+          </a:p>
+        </p:txBody>
+      </p:sp>
+      <p:sp>
+        <p:nvSpPr>
+          <p:cNvPr id="8" name="직사각형 7"/>
+          <p:cNvSpPr/>
+          <p:nvPr/>
+        </p:nvSpPr>
+        <p:spPr>
+          <a:xfrm>
+            <a:off x="1115616" y="3867894"/>
+            <a:ext cx="7695914" cy="339502"/>
+          </a:xfrm>
+          <a:prstGeom prst="rect">
+            <a:avLst/>
+          </a:prstGeom>
+          <a:noFill/>
+          <a:ln>
+            <a:solidFill>
+              <a:srgbClr val="003D91"/>
+            </a:solidFill>
+          </a:ln>
+        </p:spPr>
+        <p:style>
+          <a:lnRef idx="2">
+            <a:schemeClr val="accent1">
+              <a:shade val="50000"/>
+            </a:schemeClr>
+          </a:lnRef>
+          <a:fillRef idx="1">
+            <a:schemeClr val="accent1"/>
+          </a:fillRef>
+          <a:effectRef idx="0">
+            <a:schemeClr val="accent1"/>
+          </a:effectRef>
+          <a:fontRef idx="minor">
+            <a:schemeClr val="lt1"/>
+          </a:fontRef>
+        </p:style>
+        <p:txBody>
+          <a:bodyPr rtlCol="0" anchor="ctr"/>
+          <a:lstStyle/>
+          <a:p>
+            <a:pPr algn="ctr"/>
+            <a:endParaRPr lang="ko-KR" altLang="en-US"/>
+          </a:p>
+        </p:txBody>
+      </p:sp>
+      <p:sp>
+        <p:nvSpPr>
+          <p:cNvPr id="9" name="직사각형 8"/>
+          <p:cNvSpPr/>
+          <p:nvPr/>
+        </p:nvSpPr>
+        <p:spPr>
+          <a:xfrm>
+            <a:off x="247716" y="2781822"/>
+            <a:ext cx="6268500" cy="654024"/>
+          </a:xfrm>
+          <a:prstGeom prst="rect">
+            <a:avLst/>
+          </a:prstGeom>
+          <a:noFill/>
+          <a:ln>
+            <a:solidFill>
+              <a:srgbClr val="C00000"/>
+            </a:solidFill>
+          </a:ln>
+        </p:spPr>
+        <p:style>
+          <a:lnRef idx="2">
+            <a:schemeClr val="accent1">
+              <a:shade val="50000"/>
+            </a:schemeClr>
+          </a:lnRef>
+          <a:fillRef idx="1">
+            <a:schemeClr val="accent1"/>
+          </a:fillRef>
+          <a:effectRef idx="0">
+            <a:schemeClr val="accent1"/>
+          </a:effectRef>
+          <a:fontRef idx="minor">
+            <a:schemeClr val="lt1"/>
+          </a:fontRef>
+        </p:style>
+        <p:txBody>
+          <a:bodyPr rtlCol="0" anchor="ctr"/>
+          <a:lstStyle/>
+          <a:p>
+            <a:pPr algn="ctr"/>
+            <a:endParaRPr lang="ko-KR" altLang="en-US"/>
+          </a:p>
+        </p:txBody>
+      </p:sp>
+      <p:sp>
+        <p:nvSpPr>
+          <p:cNvPr id="10" name="TextBox 9"/>
+          <p:cNvSpPr txBox="1"/>
+          <p:nvPr/>
+        </p:nvSpPr>
+        <p:spPr>
+          <a:xfrm>
+            <a:off x="6520158" y="2939557"/>
+            <a:ext cx="1124328" cy="338554"/>
+          </a:xfrm>
+          <a:prstGeom prst="rect">
+            <a:avLst/>
+          </a:prstGeom>
+          <a:solidFill>
+            <a:schemeClr val="bg1">
+              <a:lumMod val="95000"/>
+              <a:alpha val="50000"/>
+            </a:schemeClr>
+          </a:solidFill>
+        </p:spPr>
+        <p:txBody>
+          <a:bodyPr wrap="square" rtlCol="0">
+            <a:spAutoFit/>
+          </a:bodyPr>
+          <a:lstStyle/>
+          <a:p>
+            <a:pPr algn="ctr"/>
+            <a:r>
+              <a:rPr lang="ko-KR" altLang="en-US" sz="1600" dirty="0" smtClean="0">
+                <a:solidFill>
+                  <a:srgbClr val="C00000"/>
+                </a:solidFill>
+                <a:latin typeface="a아시아헤드1" panose="02020600000000000000" pitchFamily="18" charset="-127"/>
+                <a:ea typeface="a아시아헤드1" panose="02020600000000000000" pitchFamily="18" charset="-127"/>
+              </a:rPr>
+              <a:t>퇴사자 빼고</a:t>
+            </a:r>
+            <a:endParaRPr lang="en-US" altLang="ko-KR" sz="1600" dirty="0" smtClean="0">
+              <a:solidFill>
+                <a:srgbClr val="C00000"/>
+              </a:solidFill>
+              <a:latin typeface="a아시아헤드1" panose="02020600000000000000" pitchFamily="18" charset="-127"/>
+              <a:ea typeface="a아시아헤드1" panose="02020600000000000000" pitchFamily="18" charset="-127"/>
+            </a:endParaRPr>
+          </a:p>
+        </p:txBody>
+      </p:sp>
+    </p:spTree>
+    <p:extLst>
+      <p:ext uri="{BB962C8B-B14F-4D97-AF65-F5344CB8AC3E}">
+        <p14:creationId xmlns:p14="http://schemas.microsoft.com/office/powerpoint/2010/main" val="177179964"/>
+      </p:ext>
+    </p:extLst>
+  </p:cSld>
+  <p:clrMapOvr>
+    <a:masterClrMapping/>
+  </p:clrMapOvr>
+  <p:timing>
+    <p:tnLst>
+      <p:par>
+        <p:cTn id="1" dur="indefinite" restart="never" nodeType="tmRoot"/>
+      </p:par>
+    </p:tnLst>
+  </p:timing>
+</p:sld>
+</file>
+
+<file path=ppt/slides/slide44.xml><?xml version="1.0" encoding="utf-8"?>
+<p:sld xmlns:a="http://schemas.openxmlformats.org/drawingml/2006/main" xmlns:r="http://schemas.openxmlformats.org/officeDocument/2006/relationships" xmlns:p="http://schemas.openxmlformats.org/presentationml/2006/main">
+  <p:cSld>
+    <p:spTree>
+      <p:nvGrpSpPr>
+        <p:cNvPr id="1" name=""/>
+        <p:cNvGrpSpPr/>
+        <p:nvPr/>
+      </p:nvGrpSpPr>
+      <p:grpSpPr>
+        <a:xfrm>
+          <a:off x="0" y="0"/>
+          <a:ext cx="0" cy="0"/>
+          <a:chOff x="0" y="0"/>
+          <a:chExt cx="0" cy="0"/>
+        </a:xfrm>
+      </p:grpSpPr>
+      <p:sp>
+        <p:nvSpPr>
+          <p:cNvPr id="4" name="제목 3"/>
+          <p:cNvSpPr>
+            <a:spLocks noGrp="1"/>
+          </p:cNvSpPr>
+          <p:nvPr>
+            <p:ph type="title"/>
+          </p:nvPr>
+        </p:nvSpPr>
+        <p:spPr/>
+        <p:txBody>
+          <a:bodyPr/>
+          <a:lstStyle/>
+          <a:p>
+            <a:r>
+              <a:rPr lang="ko-KR" altLang="en-US" dirty="0" smtClean="0"/>
+              <a:t>근무</a:t>
+            </a:r>
+            <a:r>
+              <a:rPr lang="en-US" altLang="ko-KR" dirty="0" smtClean="0"/>
+              <a:t/>
+            </a:r>
+            <a:br>
+              <a:rPr lang="en-US" altLang="ko-KR" dirty="0" smtClean="0"/>
+            </a:br>
+            <a:r>
+              <a:rPr lang="ko-KR" altLang="en-US" dirty="0" smtClean="0"/>
+              <a:t>스케줄</a:t>
+            </a:r>
+            <a:endParaRPr lang="ko-KR" altLang="en-US" dirty="0"/>
+          </a:p>
+        </p:txBody>
+      </p:sp>
+    </p:spTree>
+    <p:extLst>
+      <p:ext uri="{BB962C8B-B14F-4D97-AF65-F5344CB8AC3E}">
+        <p14:creationId xmlns:p14="http://schemas.microsoft.com/office/powerpoint/2010/main" val="4015291135"/>
+      </p:ext>
+    </p:extLst>
+  </p:cSld>
+  <p:clrMapOvr>
+    <a:masterClrMapping/>
+  </p:clrMapOvr>
+  <p:timing>
+    <p:tnLst>
+      <p:par>
+        <p:cTn id="1" dur="indefinite" restart="never" nodeType="tmRoot"/>
+      </p:par>
+    </p:tnLst>
+  </p:timing>
+</p:sld>
+</file>
+
+<file path=ppt/slides/slide45.xml><?xml version="1.0" encoding="utf-8"?>
+<p:sld xmlns:a="http://schemas.openxmlformats.org/drawingml/2006/main" xmlns:r="http://schemas.openxmlformats.org/officeDocument/2006/relationships" xmlns:p="http://schemas.openxmlformats.org/presentationml/2006/main">
+  <p:cSld>
+    <p:spTree>
+      <p:nvGrpSpPr>
+        <p:cNvPr id="1" name=""/>
+        <p:cNvGrpSpPr/>
+        <p:nvPr/>
+      </p:nvGrpSpPr>
+      <p:grpSpPr>
+        <a:xfrm>
+          <a:off x="0" y="0"/>
+          <a:ext cx="0" cy="0"/>
+          <a:chOff x="0" y="0"/>
+          <a:chExt cx="0" cy="0"/>
+        </a:xfrm>
+      </p:grpSpPr>
+      <p:sp>
+        <p:nvSpPr>
+          <p:cNvPr id="2" name="제목 1"/>
+          <p:cNvSpPr>
+            <a:spLocks noGrp="1"/>
+          </p:cNvSpPr>
+          <p:nvPr>
+            <p:ph type="title"/>
+          </p:nvPr>
+        </p:nvSpPr>
+        <p:spPr/>
+        <p:txBody>
+          <a:bodyPr/>
+          <a:lstStyle/>
+          <a:p>
+            <a:r>
+              <a:rPr lang="ko-KR" altLang="en-US" dirty="0"/>
+              <a:t>인사 </a:t>
+            </a:r>
+            <a:r>
+              <a:rPr lang="en-US" altLang="ko-KR" dirty="0"/>
+              <a:t>- </a:t>
+            </a:r>
+            <a:r>
+              <a:rPr lang="ko-KR" altLang="en-US" dirty="0"/>
+              <a:t>부서</a:t>
+            </a:r>
+          </a:p>
+        </p:txBody>
+      </p:sp>
+      <p:sp>
+        <p:nvSpPr>
+          <p:cNvPr id="3" name="텍스트 개체 틀 2"/>
+          <p:cNvSpPr>
+            <a:spLocks noGrp="1"/>
+          </p:cNvSpPr>
+          <p:nvPr>
+            <p:ph type="body" sz="quarter" idx="13"/>
+          </p:nvPr>
+        </p:nvSpPr>
+        <p:spPr/>
+        <p:txBody>
+          <a:bodyPr>
+            <a:normAutofit lnSpcReduction="10000"/>
+          </a:bodyPr>
+          <a:lstStyle/>
+          <a:p>
+            <a:endParaRPr lang="ko-KR" altLang="en-US" dirty="0"/>
+          </a:p>
+        </p:txBody>
+      </p:sp>
+    </p:spTree>
+    <p:extLst>
+      <p:ext uri="{BB962C8B-B14F-4D97-AF65-F5344CB8AC3E}">
+        <p14:creationId xmlns:p14="http://schemas.microsoft.com/office/powerpoint/2010/main" val="2629022828"/>
+      </p:ext>
+    </p:extLst>
+  </p:cSld>
+  <p:clrMapOvr>
+    <a:masterClrMapping/>
+  </p:clrMapOvr>
+  <p:timing>
+    <p:tnLst>
+      <p:par>
+        <p:cTn id="1" dur="indefinite" restart="never" nodeType="tmRoot"/>
+      </p:par>
+    </p:tnLst>
+  </p:timing>
+</p:sld>
+</file>
+
+<file path=ppt/slides/slide46.xml><?xml version="1.0" encoding="utf-8"?>
+<p:sld xmlns:a="http://schemas.openxmlformats.org/drawingml/2006/main" xmlns:r="http://schemas.openxmlformats.org/officeDocument/2006/relationships" xmlns:p="http://schemas.openxmlformats.org/presentationml/2006/main">
+  <p:cSld>
+    <p:spTree>
+      <p:nvGrpSpPr>
+        <p:cNvPr id="1" name=""/>
+        <p:cNvGrpSpPr/>
+        <p:nvPr/>
+      </p:nvGrpSpPr>
+      <p:grpSpPr>
+        <a:xfrm>
+          <a:off x="0" y="0"/>
+          <a:ext cx="0" cy="0"/>
+          <a:chOff x="0" y="0"/>
+          <a:chExt cx="0" cy="0"/>
+        </a:xfrm>
+      </p:grpSpPr>
+      <p:sp>
+        <p:nvSpPr>
+          <p:cNvPr id="2" name="제목 1"/>
+          <p:cNvSpPr>
+            <a:spLocks noGrp="1"/>
+          </p:cNvSpPr>
+          <p:nvPr>
+            <p:ph type="title"/>
+          </p:nvPr>
+        </p:nvSpPr>
+        <p:spPr/>
+        <p:txBody>
+          <a:bodyPr/>
+          <a:lstStyle/>
+          <a:p>
+            <a:r>
+              <a:rPr lang="ko-KR" altLang="en-US" dirty="0"/>
+              <a:t>인사 </a:t>
+            </a:r>
+            <a:r>
+              <a:rPr lang="en-US" altLang="ko-KR" dirty="0"/>
+              <a:t>- </a:t>
+            </a:r>
+            <a:r>
+              <a:rPr lang="ko-KR" altLang="en-US" dirty="0"/>
+              <a:t>부서</a:t>
+            </a:r>
+          </a:p>
+        </p:txBody>
+      </p:sp>
+      <p:sp>
+        <p:nvSpPr>
+          <p:cNvPr id="3" name="텍스트 개체 틀 2"/>
+          <p:cNvSpPr>
+            <a:spLocks noGrp="1"/>
+          </p:cNvSpPr>
+          <p:nvPr>
+            <p:ph type="body" sz="quarter" idx="13"/>
+          </p:nvPr>
+        </p:nvSpPr>
+        <p:spPr/>
+        <p:txBody>
+          <a:bodyPr>
+            <a:normAutofit lnSpcReduction="10000"/>
+          </a:bodyPr>
+          <a:lstStyle/>
+          <a:p>
+            <a:endParaRPr lang="ko-KR" altLang="en-US"/>
+          </a:p>
+        </p:txBody>
+      </p:sp>
+    </p:spTree>
+    <p:extLst>
+      <p:ext uri="{BB962C8B-B14F-4D97-AF65-F5344CB8AC3E}">
+        <p14:creationId xmlns:p14="http://schemas.microsoft.com/office/powerpoint/2010/main" val="3704141339"/>
+      </p:ext>
+    </p:extLst>
+  </p:cSld>
+  <p:clrMapOvr>
+    <a:masterClrMapping/>
+  </p:clrMapOvr>
+  <p:timing>
+    <p:tnLst>
+      <p:par>
+        <p:cTn id="1" dur="indefinite" restart="never" nodeType="tmRoot"/>
+      </p:par>
+    </p:tnLst>
+  </p:timing>
+</p:sld>
+</file>
+
+<file path=ppt/slides/slide47.xml><?xml version="1.0" encoding="utf-8"?>
+<p:sld xmlns:a="http://schemas.openxmlformats.org/drawingml/2006/main" xmlns:r="http://schemas.openxmlformats.org/officeDocument/2006/relationships" xmlns:p="http://schemas.openxmlformats.org/presentationml/2006/main">
+  <p:cSld>
+    <p:spTree>
+      <p:nvGrpSpPr>
+        <p:cNvPr id="1" name=""/>
+        <p:cNvGrpSpPr/>
+        <p:nvPr/>
+      </p:nvGrpSpPr>
+      <p:grpSpPr>
+        <a:xfrm>
+          <a:off x="0" y="0"/>
+          <a:ext cx="0" cy="0"/>
+          <a:chOff x="0" y="0"/>
+          <a:chExt cx="0" cy="0"/>
+        </a:xfrm>
+      </p:grpSpPr>
+      <p:sp>
+        <p:nvSpPr>
+          <p:cNvPr id="2" name="제목 1"/>
+          <p:cNvSpPr>
+            <a:spLocks noGrp="1"/>
+          </p:cNvSpPr>
+          <p:nvPr>
+            <p:ph type="title"/>
+          </p:nvPr>
+        </p:nvSpPr>
+        <p:spPr/>
+        <p:txBody>
+          <a:bodyPr/>
+          <a:lstStyle/>
+          <a:p>
+            <a:r>
+              <a:rPr lang="ko-KR" altLang="en-US" dirty="0"/>
+              <a:t>인사 </a:t>
+            </a:r>
+            <a:r>
+              <a:rPr lang="en-US" altLang="ko-KR" dirty="0"/>
+              <a:t>- </a:t>
+            </a:r>
+            <a:r>
+              <a:rPr lang="ko-KR" altLang="en-US" dirty="0"/>
+              <a:t>부서</a:t>
+            </a:r>
+          </a:p>
+        </p:txBody>
+      </p:sp>
+      <p:sp>
+        <p:nvSpPr>
+          <p:cNvPr id="3" name="텍스트 개체 틀 2"/>
+          <p:cNvSpPr>
+            <a:spLocks noGrp="1"/>
+          </p:cNvSpPr>
+          <p:nvPr>
+            <p:ph type="body" sz="quarter" idx="13"/>
+          </p:nvPr>
+        </p:nvSpPr>
+        <p:spPr/>
+        <p:txBody>
+          <a:bodyPr>
+            <a:normAutofit lnSpcReduction="10000"/>
+          </a:bodyPr>
+          <a:lstStyle/>
+          <a:p>
+            <a:endParaRPr lang="ko-KR" altLang="en-US"/>
+          </a:p>
+        </p:txBody>
+      </p:sp>
+    </p:spTree>
+    <p:extLst>
+      <p:ext uri="{BB962C8B-B14F-4D97-AF65-F5344CB8AC3E}">
+        <p14:creationId xmlns:p14="http://schemas.microsoft.com/office/powerpoint/2010/main" val="1648408742"/>
       </p:ext>
     </p:extLst>
   </p:cSld>
@@ -26898,28 +27981,28 @@
                 <a:gridCol w="506618">
                   <a:extLst>
                     <a:ext uri="{9D8B030D-6E8A-4147-A177-3AD203B41FA5}">
-                      <a16:colId xmlns:a16="http://schemas.microsoft.com/office/drawing/2014/main" xmlns="" val="20000"/>
+                      <a16:colId xmlns="" xmlns:a16="http://schemas.microsoft.com/office/drawing/2014/main" val="20000"/>
                     </a:ext>
                   </a:extLst>
                 </a:gridCol>
                 <a:gridCol w="1664600">
                   <a:extLst>
                     <a:ext uri="{9D8B030D-6E8A-4147-A177-3AD203B41FA5}">
-                      <a16:colId xmlns:a16="http://schemas.microsoft.com/office/drawing/2014/main" xmlns="" val="20001"/>
+                      <a16:colId xmlns="" xmlns:a16="http://schemas.microsoft.com/office/drawing/2014/main" val="20001"/>
                     </a:ext>
                   </a:extLst>
                 </a:gridCol>
                 <a:gridCol w="578991">
                   <a:extLst>
                     <a:ext uri="{9D8B030D-6E8A-4147-A177-3AD203B41FA5}">
-                      <a16:colId xmlns:a16="http://schemas.microsoft.com/office/drawing/2014/main" xmlns="" val="20002"/>
+                      <a16:colId xmlns="" xmlns:a16="http://schemas.microsoft.com/office/drawing/2014/main" val="20002"/>
                     </a:ext>
                   </a:extLst>
                 </a:gridCol>
                 <a:gridCol w="4270063">
                   <a:extLst>
                     <a:ext uri="{9D8B030D-6E8A-4147-A177-3AD203B41FA5}">
-                      <a16:colId xmlns:a16="http://schemas.microsoft.com/office/drawing/2014/main" xmlns="" val="20003"/>
+                      <a16:colId xmlns="" xmlns:a16="http://schemas.microsoft.com/office/drawing/2014/main" val="20003"/>
                     </a:ext>
                   </a:extLst>
                 </a:gridCol>
@@ -27194,7 +28277,7 @@
                 </a:tc>
                 <a:extLst>
                   <a:ext uri="{0D108BD9-81ED-4DB2-BD59-A6C34878D82A}">
-                    <a16:rowId xmlns:a16="http://schemas.microsoft.com/office/drawing/2014/main" xmlns="" val="10000"/>
+                    <a16:rowId xmlns="" xmlns:a16="http://schemas.microsoft.com/office/drawing/2014/main" val="10000"/>
                   </a:ext>
                 </a:extLst>
               </a:tr>
@@ -27641,7 +28724,7 @@
                 </a:tc>
                 <a:extLst>
                   <a:ext uri="{0D108BD9-81ED-4DB2-BD59-A6C34878D82A}">
-                    <a16:rowId xmlns:a16="http://schemas.microsoft.com/office/drawing/2014/main" xmlns="" val="10001"/>
+                    <a16:rowId xmlns="" xmlns:a16="http://schemas.microsoft.com/office/drawing/2014/main" val="10001"/>
                   </a:ext>
                 </a:extLst>
               </a:tr>
@@ -28007,7 +29090,7 @@
                 </a:tc>
                 <a:extLst>
                   <a:ext uri="{0D108BD9-81ED-4DB2-BD59-A6C34878D82A}">
-                    <a16:rowId xmlns:a16="http://schemas.microsoft.com/office/drawing/2014/main" xmlns="" val="10002"/>
+                    <a16:rowId xmlns="" xmlns:a16="http://schemas.microsoft.com/office/drawing/2014/main" val="10002"/>
                   </a:ext>
                 </a:extLst>
               </a:tr>
@@ -28469,7 +29552,7 @@
                 </a:tc>
                 <a:extLst>
                   <a:ext uri="{0D108BD9-81ED-4DB2-BD59-A6C34878D82A}">
-                    <a16:rowId xmlns:a16="http://schemas.microsoft.com/office/drawing/2014/main" xmlns="" val="10003"/>
+                    <a16:rowId xmlns="" xmlns:a16="http://schemas.microsoft.com/office/drawing/2014/main" val="10003"/>
                   </a:ext>
                 </a:extLst>
               </a:tr>
@@ -28882,7 +29965,7 @@
                 </a:tc>
                 <a:extLst>
                   <a:ext uri="{0D108BD9-81ED-4DB2-BD59-A6C34878D82A}">
-                    <a16:rowId xmlns:a16="http://schemas.microsoft.com/office/drawing/2014/main" xmlns="" val="10004"/>
+                    <a16:rowId xmlns="" xmlns:a16="http://schemas.microsoft.com/office/drawing/2014/main" val="10004"/>
                   </a:ext>
                 </a:extLst>
               </a:tr>
@@ -29332,7 +30415,7 @@
                 </a:tc>
                 <a:extLst>
                   <a:ext uri="{0D108BD9-81ED-4DB2-BD59-A6C34878D82A}">
-                    <a16:rowId xmlns:a16="http://schemas.microsoft.com/office/drawing/2014/main" xmlns="" val="10005"/>
+                    <a16:rowId xmlns="" xmlns:a16="http://schemas.microsoft.com/office/drawing/2014/main" val="10005"/>
                   </a:ext>
                 </a:extLst>
               </a:tr>
@@ -29900,7 +30983,7 @@
                 </a:tc>
                 <a:extLst>
                   <a:ext uri="{0D108BD9-81ED-4DB2-BD59-A6C34878D82A}">
-                    <a16:rowId xmlns:a16="http://schemas.microsoft.com/office/drawing/2014/main" xmlns="" val="10006"/>
+                    <a16:rowId xmlns="" xmlns:a16="http://schemas.microsoft.com/office/drawing/2014/main" val="10006"/>
                   </a:ext>
                 </a:extLst>
               </a:tr>
@@ -30169,7 +31252,7 @@
                 </a:tc>
                 <a:extLst>
                   <a:ext uri="{0D108BD9-81ED-4DB2-BD59-A6C34878D82A}">
-                    <a16:rowId xmlns:a16="http://schemas.microsoft.com/office/drawing/2014/main" xmlns="" val="10007"/>
+                    <a16:rowId xmlns="" xmlns:a16="http://schemas.microsoft.com/office/drawing/2014/main" val="10007"/>
                   </a:ext>
                 </a:extLst>
               </a:tr>
@@ -30434,7 +31517,7 @@
                 </a:tc>
                 <a:extLst>
                   <a:ext uri="{0D108BD9-81ED-4DB2-BD59-A6C34878D82A}">
-                    <a16:rowId xmlns:a16="http://schemas.microsoft.com/office/drawing/2014/main" xmlns="" val="10008"/>
+                    <a16:rowId xmlns="" xmlns:a16="http://schemas.microsoft.com/office/drawing/2014/main" val="10008"/>
                   </a:ext>
                 </a:extLst>
               </a:tr>
@@ -30799,7 +31882,7 @@
                 </a:tc>
                 <a:extLst>
                   <a:ext uri="{0D108BD9-81ED-4DB2-BD59-A6C34878D82A}">
-                    <a16:rowId xmlns:a16="http://schemas.microsoft.com/office/drawing/2014/main" xmlns="" val="10009"/>
+                    <a16:rowId xmlns="" xmlns:a16="http://schemas.microsoft.com/office/drawing/2014/main" val="10009"/>
                   </a:ext>
                 </a:extLst>
               </a:tr>
@@ -31088,7 +32171,7 @@
                 </a:tc>
                 <a:extLst>
                   <a:ext uri="{0D108BD9-81ED-4DB2-BD59-A6C34878D82A}">
-                    <a16:rowId xmlns:a16="http://schemas.microsoft.com/office/drawing/2014/main" xmlns="" val="10010"/>
+                    <a16:rowId xmlns="" xmlns:a16="http://schemas.microsoft.com/office/drawing/2014/main" val="10010"/>
                   </a:ext>
                 </a:extLst>
               </a:tr>
@@ -31373,7 +32456,7 @@
                 </a:tc>
                 <a:extLst>
                   <a:ext uri="{0D108BD9-81ED-4DB2-BD59-A6C34878D82A}">
-                    <a16:rowId xmlns:a16="http://schemas.microsoft.com/office/drawing/2014/main" xmlns="" val="10011"/>
+                    <a16:rowId xmlns="" xmlns:a16="http://schemas.microsoft.com/office/drawing/2014/main" val="10011"/>
                   </a:ext>
                 </a:extLst>
               </a:tr>
@@ -31764,7 +32847,7 @@
                 </a:tc>
                 <a:extLst>
                   <a:ext uri="{0D108BD9-81ED-4DB2-BD59-A6C34878D82A}">
-                    <a16:rowId xmlns:a16="http://schemas.microsoft.com/office/drawing/2014/main" xmlns="" val="10012"/>
+                    <a16:rowId xmlns="" xmlns:a16="http://schemas.microsoft.com/office/drawing/2014/main" val="10012"/>
                   </a:ext>
                 </a:extLst>
               </a:tr>
@@ -32188,7 +33271,7 @@
                 </a:tc>
                 <a:extLst>
                   <a:ext uri="{0D108BD9-81ED-4DB2-BD59-A6C34878D82A}">
-                    <a16:rowId xmlns:a16="http://schemas.microsoft.com/office/drawing/2014/main" xmlns="" val="10013"/>
+                    <a16:rowId xmlns="" xmlns:a16="http://schemas.microsoft.com/office/drawing/2014/main" val="10013"/>
                   </a:ext>
                 </a:extLst>
               </a:tr>
@@ -32685,28 +33768,28 @@
                 <a:gridCol w="545045">
                   <a:extLst>
                     <a:ext uri="{9D8B030D-6E8A-4147-A177-3AD203B41FA5}">
-                      <a16:colId xmlns:a16="http://schemas.microsoft.com/office/drawing/2014/main" xmlns="" val="20000"/>
+                      <a16:colId xmlns="" xmlns:a16="http://schemas.microsoft.com/office/drawing/2014/main" val="20000"/>
                     </a:ext>
                   </a:extLst>
                 </a:gridCol>
                 <a:gridCol w="1615194">
                   <a:extLst>
                     <a:ext uri="{9D8B030D-6E8A-4147-A177-3AD203B41FA5}">
-                      <a16:colId xmlns:a16="http://schemas.microsoft.com/office/drawing/2014/main" xmlns="" val="20001"/>
+                      <a16:colId xmlns="" xmlns:a16="http://schemas.microsoft.com/office/drawing/2014/main" val="20001"/>
                     </a:ext>
                   </a:extLst>
                 </a:gridCol>
                 <a:gridCol w="720080">
                   <a:extLst>
                     <a:ext uri="{9D8B030D-6E8A-4147-A177-3AD203B41FA5}">
-                      <a16:colId xmlns:a16="http://schemas.microsoft.com/office/drawing/2014/main" xmlns="" val="20002"/>
+                      <a16:colId xmlns="" xmlns:a16="http://schemas.microsoft.com/office/drawing/2014/main" val="20002"/>
                     </a:ext>
                   </a:extLst>
                 </a:gridCol>
                 <a:gridCol w="4104456">
                   <a:extLst>
                     <a:ext uri="{9D8B030D-6E8A-4147-A177-3AD203B41FA5}">
-                      <a16:colId xmlns:a16="http://schemas.microsoft.com/office/drawing/2014/main" xmlns="" val="20003"/>
+                      <a16:colId xmlns="" xmlns:a16="http://schemas.microsoft.com/office/drawing/2014/main" val="20003"/>
                     </a:ext>
                   </a:extLst>
                 </a:gridCol>
@@ -32981,7 +34064,7 @@
                 </a:tc>
                 <a:extLst>
                   <a:ext uri="{0D108BD9-81ED-4DB2-BD59-A6C34878D82A}">
-                    <a16:rowId xmlns:a16="http://schemas.microsoft.com/office/drawing/2014/main" xmlns="" val="10000"/>
+                    <a16:rowId xmlns="" xmlns:a16="http://schemas.microsoft.com/office/drawing/2014/main" val="10000"/>
                   </a:ext>
                 </a:extLst>
               </a:tr>
@@ -33332,7 +34415,7 @@
                 </a:tc>
                 <a:extLst>
                   <a:ext uri="{0D108BD9-81ED-4DB2-BD59-A6C34878D82A}">
-                    <a16:rowId xmlns:a16="http://schemas.microsoft.com/office/drawing/2014/main" xmlns="" val="10001"/>
+                    <a16:rowId xmlns="" xmlns:a16="http://schemas.microsoft.com/office/drawing/2014/main" val="10001"/>
                   </a:ext>
                 </a:extLst>
               </a:tr>
@@ -33744,7 +34827,7 @@
                 </a:tc>
                 <a:extLst>
                   <a:ext uri="{0D108BD9-81ED-4DB2-BD59-A6C34878D82A}">
-                    <a16:rowId xmlns:a16="http://schemas.microsoft.com/office/drawing/2014/main" xmlns="" val="10002"/>
+                    <a16:rowId xmlns="" xmlns:a16="http://schemas.microsoft.com/office/drawing/2014/main" val="10002"/>
                   </a:ext>
                 </a:extLst>
               </a:tr>
@@ -34059,7 +35142,7 @@
                 </a:tc>
                 <a:extLst>
                   <a:ext uri="{0D108BD9-81ED-4DB2-BD59-A6C34878D82A}">
-                    <a16:rowId xmlns:a16="http://schemas.microsoft.com/office/drawing/2014/main" xmlns="" val="10003"/>
+                    <a16:rowId xmlns="" xmlns:a16="http://schemas.microsoft.com/office/drawing/2014/main" val="10003"/>
                   </a:ext>
                 </a:extLst>
               </a:tr>
@@ -34321,7 +35404,7 @@
                 </a:tc>
                 <a:extLst>
                   <a:ext uri="{0D108BD9-81ED-4DB2-BD59-A6C34878D82A}">
-                    <a16:rowId xmlns:a16="http://schemas.microsoft.com/office/drawing/2014/main" xmlns="" val="10004"/>
+                    <a16:rowId xmlns="" xmlns:a16="http://schemas.microsoft.com/office/drawing/2014/main" val="10004"/>
                   </a:ext>
                 </a:extLst>
               </a:tr>
@@ -34623,7 +35706,7 @@
                 </a:tc>
                 <a:extLst>
                   <a:ext uri="{0D108BD9-81ED-4DB2-BD59-A6C34878D82A}">
-                    <a16:rowId xmlns:a16="http://schemas.microsoft.com/office/drawing/2014/main" xmlns="" val="10005"/>
+                    <a16:rowId xmlns="" xmlns:a16="http://schemas.microsoft.com/office/drawing/2014/main" val="10005"/>
                   </a:ext>
                 </a:extLst>
               </a:tr>
@@ -35001,7 +36084,7 @@
                 </a:tc>
                 <a:extLst>
                   <a:ext uri="{0D108BD9-81ED-4DB2-BD59-A6C34878D82A}">
-                    <a16:rowId xmlns:a16="http://schemas.microsoft.com/office/drawing/2014/main" xmlns="" val="10006"/>
+                    <a16:rowId xmlns="" xmlns:a16="http://schemas.microsoft.com/office/drawing/2014/main" val="10006"/>
                   </a:ext>
                 </a:extLst>
               </a:tr>
@@ -35339,7 +36422,7 @@
                 </a:tc>
                 <a:extLst>
                   <a:ext uri="{0D108BD9-81ED-4DB2-BD59-A6C34878D82A}">
-                    <a16:rowId xmlns:a16="http://schemas.microsoft.com/office/drawing/2014/main" xmlns="" val="10007"/>
+                    <a16:rowId xmlns="" xmlns:a16="http://schemas.microsoft.com/office/drawing/2014/main" val="10007"/>
                   </a:ext>
                 </a:extLst>
               </a:tr>
